--- a/presentation/Monitor.distribution-WebSand.2013-04-25.pptx
+++ b/presentation/Monitor.distribution-WebSand.2013-04-25.pptx
@@ -4,17 +4,25 @@
   <p:sldMasterIdLst>
     <p:sldMasterId id="2147483648" r:id="rId1"/>
   </p:sldMasterIdLst>
+  <p:notesMasterIdLst>
+    <p:notesMasterId r:id="rId17"/>
+  </p:notesMasterIdLst>
   <p:sldIdLst>
     <p:sldId id="256" r:id="rId2"/>
-    <p:sldId id="257" r:id="rId3"/>
-    <p:sldId id="265" r:id="rId4"/>
-    <p:sldId id="258" r:id="rId5"/>
-    <p:sldId id="264" r:id="rId6"/>
-    <p:sldId id="259" r:id="rId7"/>
-    <p:sldId id="263" r:id="rId8"/>
-    <p:sldId id="260" r:id="rId9"/>
-    <p:sldId id="262" r:id="rId10"/>
-    <p:sldId id="261" r:id="rId11"/>
+    <p:sldId id="268" r:id="rId3"/>
+    <p:sldId id="257" r:id="rId4"/>
+    <p:sldId id="266" r:id="rId5"/>
+    <p:sldId id="269" r:id="rId6"/>
+    <p:sldId id="265" r:id="rId7"/>
+    <p:sldId id="258" r:id="rId8"/>
+    <p:sldId id="270" r:id="rId9"/>
+    <p:sldId id="259" r:id="rId10"/>
+    <p:sldId id="271" r:id="rId11"/>
+    <p:sldId id="260" r:id="rId12"/>
+    <p:sldId id="262" r:id="rId13"/>
+    <p:sldId id="261" r:id="rId14"/>
+    <p:sldId id="273" r:id="rId15"/>
+    <p:sldId id="272" r:id="rId16"/>
   </p:sldIdLst>
   <p:sldSz cx="9144000" cy="6858000" type="screen4x3"/>
   <p:notesSz cx="6858000" cy="9144000"/>
@@ -114,6 +122,592 @@
     </a:lvl9pPr>
   </p:defaultTextStyle>
 </p:presentation>
+</file>
+
+<file path=ppt/notesMasters/notesMaster1.xml><?xml version="1.0" encoding="utf-8"?>
+<p:notesMaster xmlns:a="http://schemas.openxmlformats.org/drawingml/2006/main" xmlns:r="http://schemas.openxmlformats.org/officeDocument/2006/relationships" xmlns:p="http://schemas.openxmlformats.org/presentationml/2006/main">
+  <p:cSld>
+    <p:bg>
+      <p:bgRef idx="1001">
+        <a:schemeClr val="bg1"/>
+      </p:bgRef>
+    </p:bg>
+    <p:spTree>
+      <p:nvGrpSpPr>
+        <p:cNvPr id="1" name=""/>
+        <p:cNvGrpSpPr/>
+        <p:nvPr/>
+      </p:nvGrpSpPr>
+      <p:grpSpPr>
+        <a:xfrm>
+          <a:off x="0" y="0"/>
+          <a:ext cx="0" cy="0"/>
+          <a:chOff x="0" y="0"/>
+          <a:chExt cx="0" cy="0"/>
+        </a:xfrm>
+      </p:grpSpPr>
+      <p:sp>
+        <p:nvSpPr>
+          <p:cNvPr id="2" name="Header Placeholder 1"/>
+          <p:cNvSpPr>
+            <a:spLocks noGrp="1"/>
+          </p:cNvSpPr>
+          <p:nvPr>
+            <p:ph type="hdr" sz="quarter"/>
+          </p:nvPr>
+        </p:nvSpPr>
+        <p:spPr>
+          <a:xfrm>
+            <a:off x="0" y="0"/>
+            <a:ext cx="2971800" cy="457200"/>
+          </a:xfrm>
+          <a:prstGeom prst="rect">
+            <a:avLst/>
+          </a:prstGeom>
+        </p:spPr>
+        <p:txBody>
+          <a:bodyPr vert="horz" lIns="91440" tIns="45720" rIns="91440" bIns="45720" rtlCol="0"/>
+          <a:lstStyle>
+            <a:lvl1pPr algn="l">
+              <a:defRPr sz="1200"/>
+            </a:lvl1pPr>
+          </a:lstStyle>
+          <a:p>
+            <a:endParaRPr lang="en-US"/>
+          </a:p>
+        </p:txBody>
+      </p:sp>
+      <p:sp>
+        <p:nvSpPr>
+          <p:cNvPr id="3" name="Date Placeholder 2"/>
+          <p:cNvSpPr>
+            <a:spLocks noGrp="1"/>
+          </p:cNvSpPr>
+          <p:nvPr>
+            <p:ph type="dt" idx="1"/>
+          </p:nvPr>
+        </p:nvSpPr>
+        <p:spPr>
+          <a:xfrm>
+            <a:off x="3884613" y="0"/>
+            <a:ext cx="2971800" cy="457200"/>
+          </a:xfrm>
+          <a:prstGeom prst="rect">
+            <a:avLst/>
+          </a:prstGeom>
+        </p:spPr>
+        <p:txBody>
+          <a:bodyPr vert="horz" lIns="91440" tIns="45720" rIns="91440" bIns="45720" rtlCol="0"/>
+          <a:lstStyle>
+            <a:lvl1pPr algn="r">
+              <a:defRPr sz="1200"/>
+            </a:lvl1pPr>
+          </a:lstStyle>
+          <a:p>
+            <a:fld id="{987F6422-87FF-4B8F-98CF-F840AFE754DC}" type="datetimeFigureOut">
+              <a:rPr lang="en-US" smtClean="0"/>
+              <a:t>4/26/2013</a:t>
+            </a:fld>
+            <a:endParaRPr lang="en-US"/>
+          </a:p>
+        </p:txBody>
+      </p:sp>
+      <p:sp>
+        <p:nvSpPr>
+          <p:cNvPr id="4" name="Slide Image Placeholder 3"/>
+          <p:cNvSpPr>
+            <a:spLocks noGrp="1" noRot="1" noChangeAspect="1"/>
+          </p:cNvSpPr>
+          <p:nvPr>
+            <p:ph type="sldImg" idx="2"/>
+          </p:nvPr>
+        </p:nvSpPr>
+        <p:spPr>
+          <a:xfrm>
+            <a:off x="1143000" y="685800"/>
+            <a:ext cx="4572000" cy="3429000"/>
+          </a:xfrm>
+          <a:prstGeom prst="rect">
+            <a:avLst/>
+          </a:prstGeom>
+          <a:noFill/>
+          <a:ln w="12700">
+            <a:solidFill>
+              <a:prstClr val="black"/>
+            </a:solidFill>
+          </a:ln>
+        </p:spPr>
+        <p:txBody>
+          <a:bodyPr vert="horz" lIns="91440" tIns="45720" rIns="91440" bIns="45720" rtlCol="0" anchor="ctr"/>
+          <a:lstStyle/>
+          <a:p>
+            <a:endParaRPr lang="en-US"/>
+          </a:p>
+        </p:txBody>
+      </p:sp>
+      <p:sp>
+        <p:nvSpPr>
+          <p:cNvPr id="5" name="Notes Placeholder 4"/>
+          <p:cNvSpPr>
+            <a:spLocks noGrp="1"/>
+          </p:cNvSpPr>
+          <p:nvPr>
+            <p:ph type="body" sz="quarter" idx="3"/>
+          </p:nvPr>
+        </p:nvSpPr>
+        <p:spPr>
+          <a:xfrm>
+            <a:off x="685800" y="4343400"/>
+            <a:ext cx="5486400" cy="4114800"/>
+          </a:xfrm>
+          <a:prstGeom prst="rect">
+            <a:avLst/>
+          </a:prstGeom>
+        </p:spPr>
+        <p:txBody>
+          <a:bodyPr vert="horz" lIns="91440" tIns="45720" rIns="91440" bIns="45720" rtlCol="0"/>
+          <a:lstStyle/>
+          <a:p>
+            <a:pPr lvl="0"/>
+            <a:r>
+              <a:rPr lang="en-US" smtClean="0"/>
+              <a:t>Click to edit Master text styles</a:t>
+            </a:r>
+          </a:p>
+          <a:p>
+            <a:pPr lvl="1"/>
+            <a:r>
+              <a:rPr lang="en-US" smtClean="0"/>
+              <a:t>Second level</a:t>
+            </a:r>
+          </a:p>
+          <a:p>
+            <a:pPr lvl="2"/>
+            <a:r>
+              <a:rPr lang="en-US" smtClean="0"/>
+              <a:t>Third level</a:t>
+            </a:r>
+          </a:p>
+          <a:p>
+            <a:pPr lvl="3"/>
+            <a:r>
+              <a:rPr lang="en-US" smtClean="0"/>
+              <a:t>Fourth level</a:t>
+            </a:r>
+          </a:p>
+          <a:p>
+            <a:pPr lvl="4"/>
+            <a:r>
+              <a:rPr lang="en-US" smtClean="0"/>
+              <a:t>Fifth level</a:t>
+            </a:r>
+            <a:endParaRPr lang="en-US"/>
+          </a:p>
+        </p:txBody>
+      </p:sp>
+      <p:sp>
+        <p:nvSpPr>
+          <p:cNvPr id="6" name="Footer Placeholder 5"/>
+          <p:cNvSpPr>
+            <a:spLocks noGrp="1"/>
+          </p:cNvSpPr>
+          <p:nvPr>
+            <p:ph type="ftr" sz="quarter" idx="4"/>
+          </p:nvPr>
+        </p:nvSpPr>
+        <p:spPr>
+          <a:xfrm>
+            <a:off x="0" y="8685213"/>
+            <a:ext cx="2971800" cy="457200"/>
+          </a:xfrm>
+          <a:prstGeom prst="rect">
+            <a:avLst/>
+          </a:prstGeom>
+        </p:spPr>
+        <p:txBody>
+          <a:bodyPr vert="horz" lIns="91440" tIns="45720" rIns="91440" bIns="45720" rtlCol="0" anchor="b"/>
+          <a:lstStyle>
+            <a:lvl1pPr algn="l">
+              <a:defRPr sz="1200"/>
+            </a:lvl1pPr>
+          </a:lstStyle>
+          <a:p>
+            <a:endParaRPr lang="en-US"/>
+          </a:p>
+        </p:txBody>
+      </p:sp>
+      <p:sp>
+        <p:nvSpPr>
+          <p:cNvPr id="7" name="Slide Number Placeholder 6"/>
+          <p:cNvSpPr>
+            <a:spLocks noGrp="1"/>
+          </p:cNvSpPr>
+          <p:nvPr>
+            <p:ph type="sldNum" sz="quarter" idx="5"/>
+          </p:nvPr>
+        </p:nvSpPr>
+        <p:spPr>
+          <a:xfrm>
+            <a:off x="3884613" y="8685213"/>
+            <a:ext cx="2971800" cy="457200"/>
+          </a:xfrm>
+          <a:prstGeom prst="rect">
+            <a:avLst/>
+          </a:prstGeom>
+        </p:spPr>
+        <p:txBody>
+          <a:bodyPr vert="horz" lIns="91440" tIns="45720" rIns="91440" bIns="45720" rtlCol="0" anchor="b"/>
+          <a:lstStyle>
+            <a:lvl1pPr algn="r">
+              <a:defRPr sz="1200"/>
+            </a:lvl1pPr>
+          </a:lstStyle>
+          <a:p>
+            <a:fld id="{9379CCE7-13D6-4398-9125-29A13E9C2C05}" type="slidenum">
+              <a:rPr lang="en-US" smtClean="0"/>
+              <a:t>‹#›</a:t>
+            </a:fld>
+            <a:endParaRPr lang="en-US"/>
+          </a:p>
+        </p:txBody>
+      </p:sp>
+    </p:spTree>
+    <p:extLst>
+      <p:ext uri="{BB962C8B-B14F-4D97-AF65-F5344CB8AC3E}">
+        <p14:creationId xmlns:p14="http://schemas.microsoft.com/office/powerpoint/2010/main" val="4045592862"/>
+      </p:ext>
+    </p:extLst>
+  </p:cSld>
+  <p:clrMap bg1="lt1" tx1="dk1" bg2="lt2" tx2="dk2" accent1="accent1" accent2="accent2" accent3="accent3" accent4="accent4" accent5="accent5" accent6="accent6" hlink="hlink" folHlink="folHlink"/>
+  <p:notesStyle>
+    <a:lvl1pPr marL="0" algn="l" defTabSz="914400" rtl="0" eaLnBrk="1" latinLnBrk="0" hangingPunct="1">
+      <a:defRPr sz="1200" kern="1200">
+        <a:solidFill>
+          <a:schemeClr val="tx1"/>
+        </a:solidFill>
+        <a:latin typeface="+mn-lt"/>
+        <a:ea typeface="+mn-ea"/>
+        <a:cs typeface="+mn-cs"/>
+      </a:defRPr>
+    </a:lvl1pPr>
+    <a:lvl2pPr marL="457200" algn="l" defTabSz="914400" rtl="0" eaLnBrk="1" latinLnBrk="0" hangingPunct="1">
+      <a:defRPr sz="1200" kern="1200">
+        <a:solidFill>
+          <a:schemeClr val="tx1"/>
+        </a:solidFill>
+        <a:latin typeface="+mn-lt"/>
+        <a:ea typeface="+mn-ea"/>
+        <a:cs typeface="+mn-cs"/>
+      </a:defRPr>
+    </a:lvl2pPr>
+    <a:lvl3pPr marL="914400" algn="l" defTabSz="914400" rtl="0" eaLnBrk="1" latinLnBrk="0" hangingPunct="1">
+      <a:defRPr sz="1200" kern="1200">
+        <a:solidFill>
+          <a:schemeClr val="tx1"/>
+        </a:solidFill>
+        <a:latin typeface="+mn-lt"/>
+        <a:ea typeface="+mn-ea"/>
+        <a:cs typeface="+mn-cs"/>
+      </a:defRPr>
+    </a:lvl3pPr>
+    <a:lvl4pPr marL="1371600" algn="l" defTabSz="914400" rtl="0" eaLnBrk="1" latinLnBrk="0" hangingPunct="1">
+      <a:defRPr sz="1200" kern="1200">
+        <a:solidFill>
+          <a:schemeClr val="tx1"/>
+        </a:solidFill>
+        <a:latin typeface="+mn-lt"/>
+        <a:ea typeface="+mn-ea"/>
+        <a:cs typeface="+mn-cs"/>
+      </a:defRPr>
+    </a:lvl4pPr>
+    <a:lvl5pPr marL="1828800" algn="l" defTabSz="914400" rtl="0" eaLnBrk="1" latinLnBrk="0" hangingPunct="1">
+      <a:defRPr sz="1200" kern="1200">
+        <a:solidFill>
+          <a:schemeClr val="tx1"/>
+        </a:solidFill>
+        <a:latin typeface="+mn-lt"/>
+        <a:ea typeface="+mn-ea"/>
+        <a:cs typeface="+mn-cs"/>
+      </a:defRPr>
+    </a:lvl5pPr>
+    <a:lvl6pPr marL="2286000" algn="l" defTabSz="914400" rtl="0" eaLnBrk="1" latinLnBrk="0" hangingPunct="1">
+      <a:defRPr sz="1200" kern="1200">
+        <a:solidFill>
+          <a:schemeClr val="tx1"/>
+        </a:solidFill>
+        <a:latin typeface="+mn-lt"/>
+        <a:ea typeface="+mn-ea"/>
+        <a:cs typeface="+mn-cs"/>
+      </a:defRPr>
+    </a:lvl6pPr>
+    <a:lvl7pPr marL="2743200" algn="l" defTabSz="914400" rtl="0" eaLnBrk="1" latinLnBrk="0" hangingPunct="1">
+      <a:defRPr sz="1200" kern="1200">
+        <a:solidFill>
+          <a:schemeClr val="tx1"/>
+        </a:solidFill>
+        <a:latin typeface="+mn-lt"/>
+        <a:ea typeface="+mn-ea"/>
+        <a:cs typeface="+mn-cs"/>
+      </a:defRPr>
+    </a:lvl7pPr>
+    <a:lvl8pPr marL="3200400" algn="l" defTabSz="914400" rtl="0" eaLnBrk="1" latinLnBrk="0" hangingPunct="1">
+      <a:defRPr sz="1200" kern="1200">
+        <a:solidFill>
+          <a:schemeClr val="tx1"/>
+        </a:solidFill>
+        <a:latin typeface="+mn-lt"/>
+        <a:ea typeface="+mn-ea"/>
+        <a:cs typeface="+mn-cs"/>
+      </a:defRPr>
+    </a:lvl8pPr>
+    <a:lvl9pPr marL="3657600" algn="l" defTabSz="914400" rtl="0" eaLnBrk="1" latinLnBrk="0" hangingPunct="1">
+      <a:defRPr sz="1200" kern="1200">
+        <a:solidFill>
+          <a:schemeClr val="tx1"/>
+        </a:solidFill>
+        <a:latin typeface="+mn-lt"/>
+        <a:ea typeface="+mn-ea"/>
+        <a:cs typeface="+mn-cs"/>
+      </a:defRPr>
+    </a:lvl9pPr>
+  </p:notesStyle>
+</p:notesMaster>
+</file>
+
+<file path=ppt/notesSlides/notesSlide1.xml><?xml version="1.0" encoding="utf-8"?>
+<p:notes xmlns:a="http://schemas.openxmlformats.org/drawingml/2006/main" xmlns:r="http://schemas.openxmlformats.org/officeDocument/2006/relationships" xmlns:p="http://schemas.openxmlformats.org/presentationml/2006/main">
+  <p:cSld>
+    <p:spTree>
+      <p:nvGrpSpPr>
+        <p:cNvPr id="1" name=""/>
+        <p:cNvGrpSpPr/>
+        <p:nvPr/>
+      </p:nvGrpSpPr>
+      <p:grpSpPr>
+        <a:xfrm>
+          <a:off x="0" y="0"/>
+          <a:ext cx="0" cy="0"/>
+          <a:chOff x="0" y="0"/>
+          <a:chExt cx="0" cy="0"/>
+        </a:xfrm>
+      </p:grpSpPr>
+      <p:sp>
+        <p:nvSpPr>
+          <p:cNvPr id="2" name="Slide Image Placeholder 1"/>
+          <p:cNvSpPr>
+            <a:spLocks noGrp="1" noRot="1" noChangeAspect="1"/>
+          </p:cNvSpPr>
+          <p:nvPr>
+            <p:ph type="sldImg"/>
+          </p:nvPr>
+        </p:nvSpPr>
+        <p:spPr/>
+      </p:sp>
+      <p:sp>
+        <p:nvSpPr>
+          <p:cNvPr id="3" name="Notes Placeholder 2"/>
+          <p:cNvSpPr>
+            <a:spLocks noGrp="1"/>
+          </p:cNvSpPr>
+          <p:nvPr>
+            <p:ph type="body" idx="1"/>
+          </p:nvPr>
+        </p:nvSpPr>
+        <p:spPr/>
+        <p:txBody>
+          <a:bodyPr/>
+          <a:lstStyle/>
+          <a:p>
+            <a:r>
+              <a:rPr lang="en-US" dirty="0" smtClean="0"/>
+              <a:t>Rewrite all pages on-the-fly</a:t>
+            </a:r>
+          </a:p>
+          <a:p>
+            <a:pPr lvl="1"/>
+            <a:r>
+              <a:rPr lang="en-US" dirty="0" smtClean="0"/>
+              <a:t>Include the monitor</a:t>
+            </a:r>
+          </a:p>
+          <a:p>
+            <a:pPr lvl="1"/>
+            <a:r>
+              <a:rPr lang="en-US" dirty="0" smtClean="0"/>
+              <a:t>Wrap all inline scripts and event handlers to execute in the monitor</a:t>
+            </a:r>
+          </a:p>
+          <a:p>
+            <a:r>
+              <a:rPr lang="en-US" dirty="0" smtClean="0"/>
+              <a:t>Rewrite all scripts on-the-fly</a:t>
+            </a:r>
+          </a:p>
+          <a:p>
+            <a:pPr lvl="1"/>
+            <a:r>
+              <a:rPr lang="en-US" dirty="0" smtClean="0"/>
+              <a:t>Wrap source to be executed by the monitor</a:t>
+            </a:r>
+          </a:p>
+          <a:p>
+            <a:endParaRPr lang="en-US" dirty="0" smtClean="0"/>
+          </a:p>
+          <a:p>
+            <a:r>
+              <a:rPr lang="en-US" dirty="0" smtClean="0"/>
+              <a:t>Implemented in Node.js</a:t>
+            </a:r>
+          </a:p>
+          <a:p>
+            <a:endParaRPr lang="en-US" dirty="0"/>
+          </a:p>
+        </p:txBody>
+      </p:sp>
+      <p:sp>
+        <p:nvSpPr>
+          <p:cNvPr id="4" name="Slide Number Placeholder 3"/>
+          <p:cNvSpPr>
+            <a:spLocks noGrp="1"/>
+          </p:cNvSpPr>
+          <p:nvPr>
+            <p:ph type="sldNum" sz="quarter" idx="10"/>
+          </p:nvPr>
+        </p:nvSpPr>
+        <p:spPr/>
+        <p:txBody>
+          <a:bodyPr/>
+          <a:lstStyle/>
+          <a:p>
+            <a:fld id="{9379CCE7-13D6-4398-9125-29A13E9C2C05}" type="slidenum">
+              <a:rPr lang="en-US" smtClean="0"/>
+              <a:t>8</a:t>
+            </a:fld>
+            <a:endParaRPr lang="en-US"/>
+          </a:p>
+        </p:txBody>
+      </p:sp>
+    </p:spTree>
+    <p:extLst>
+      <p:ext uri="{BB962C8B-B14F-4D97-AF65-F5344CB8AC3E}">
+        <p14:creationId xmlns:p14="http://schemas.microsoft.com/office/powerpoint/2010/main" val="2782064314"/>
+      </p:ext>
+    </p:extLst>
+  </p:cSld>
+  <p:clrMapOvr>
+    <a:masterClrMapping/>
+  </p:clrMapOvr>
+</p:notes>
+</file>
+
+<file path=ppt/notesSlides/notesSlide2.xml><?xml version="1.0" encoding="utf-8"?>
+<p:notes xmlns:a="http://schemas.openxmlformats.org/drawingml/2006/main" xmlns:r="http://schemas.openxmlformats.org/officeDocument/2006/relationships" xmlns:p="http://schemas.openxmlformats.org/presentationml/2006/main">
+  <p:cSld>
+    <p:spTree>
+      <p:nvGrpSpPr>
+        <p:cNvPr id="1" name=""/>
+        <p:cNvGrpSpPr/>
+        <p:nvPr/>
+      </p:nvGrpSpPr>
+      <p:grpSpPr>
+        <a:xfrm>
+          <a:off x="0" y="0"/>
+          <a:ext cx="0" cy="0"/>
+          <a:chOff x="0" y="0"/>
+          <a:chExt cx="0" cy="0"/>
+        </a:xfrm>
+      </p:grpSpPr>
+      <p:sp>
+        <p:nvSpPr>
+          <p:cNvPr id="2" name="Slide Image Placeholder 1"/>
+          <p:cNvSpPr>
+            <a:spLocks noGrp="1" noRot="1" noChangeAspect="1"/>
+          </p:cNvSpPr>
+          <p:nvPr>
+            <p:ph type="sldImg"/>
+          </p:nvPr>
+        </p:nvSpPr>
+        <p:spPr/>
+      </p:sp>
+      <p:sp>
+        <p:nvSpPr>
+          <p:cNvPr id="3" name="Notes Placeholder 2"/>
+          <p:cNvSpPr>
+            <a:spLocks noGrp="1"/>
+          </p:cNvSpPr>
+          <p:nvPr>
+            <p:ph type="body" idx="1"/>
+          </p:nvPr>
+        </p:nvSpPr>
+        <p:spPr/>
+        <p:txBody>
+          <a:bodyPr/>
+          <a:lstStyle/>
+          <a:p>
+            <a:r>
+              <a:rPr lang="en-US" dirty="0" smtClean="0"/>
+              <a:t>Specialization of the web proxy</a:t>
+            </a:r>
+          </a:p>
+          <a:p>
+            <a:pPr lvl="1"/>
+            <a:r>
+              <a:rPr lang="en-US" dirty="0" smtClean="0"/>
+              <a:t>Wildcard DNS-names</a:t>
+            </a:r>
+          </a:p>
+          <a:p>
+            <a:r>
+              <a:rPr lang="en-US" dirty="0" smtClean="0"/>
+              <a:t>Can decide what to proxy</a:t>
+            </a:r>
+          </a:p>
+          <a:p>
+            <a:endParaRPr lang="en-US" dirty="0" smtClean="0"/>
+          </a:p>
+          <a:p>
+            <a:r>
+              <a:rPr lang="en-US" dirty="0" err="1" smtClean="0"/>
+              <a:t>NodeJS</a:t>
+            </a:r>
+            <a:endParaRPr lang="en-US" dirty="0" smtClean="0"/>
+          </a:p>
+        </p:txBody>
+      </p:sp>
+      <p:sp>
+        <p:nvSpPr>
+          <p:cNvPr id="4" name="Slide Number Placeholder 3"/>
+          <p:cNvSpPr>
+            <a:spLocks noGrp="1"/>
+          </p:cNvSpPr>
+          <p:nvPr>
+            <p:ph type="sldNum" sz="quarter" idx="10"/>
+          </p:nvPr>
+        </p:nvSpPr>
+        <p:spPr/>
+        <p:txBody>
+          <a:bodyPr/>
+          <a:lstStyle/>
+          <a:p>
+            <a:fld id="{9379CCE7-13D6-4398-9125-29A13E9C2C05}" type="slidenum">
+              <a:rPr lang="en-US" smtClean="0"/>
+              <a:t>10</a:t>
+            </a:fld>
+            <a:endParaRPr lang="en-US"/>
+          </a:p>
+        </p:txBody>
+      </p:sp>
+    </p:spTree>
+    <p:extLst>
+      <p:ext uri="{BB962C8B-B14F-4D97-AF65-F5344CB8AC3E}">
+        <p14:creationId xmlns:p14="http://schemas.microsoft.com/office/powerpoint/2010/main" val="1107634263"/>
+      </p:ext>
+    </p:extLst>
+  </p:cSld>
+  <p:clrMapOvr>
+    <a:masterClrMapping/>
+  </p:clrMapOvr>
+</p:notes>
 </file>
 
 <file path=ppt/slideLayouts/slideLayout1.xml><?xml version="1.0" encoding="utf-8"?>
@@ -3157,6 +3751,13 @@
           </a:p>
           <a:p>
             <a:r>
+              <a:rPr lang="en-US" sz="1600" dirty="0"/>
+              <a:t>-</a:t>
+            </a:r>
+            <a:endParaRPr lang="en-US" sz="1600" dirty="0" smtClean="0"/>
+          </a:p>
+          <a:p>
+            <a:r>
               <a:rPr lang="en-US" sz="1600" dirty="0" err="1" smtClean="0"/>
               <a:t>WebSand</a:t>
             </a:r>
@@ -3169,7 +3770,7 @@
           <a:p>
             <a:r>
               <a:rPr lang="en-US" sz="1600" dirty="0" smtClean="0"/>
-              <a:t>2013-04-25</a:t>
+              <a:t>2013-04-26</a:t>
             </a:r>
             <a:endParaRPr lang="en-US" sz="1600" dirty="0"/>
           </a:p>
@@ -3214,6 +3815,1524 @@
       </p:grpSpPr>
       <p:sp>
         <p:nvSpPr>
+          <p:cNvPr id="22" name="Curved Right Arrow 21"/>
+          <p:cNvSpPr/>
+          <p:nvPr/>
+        </p:nvSpPr>
+        <p:spPr>
+          <a:xfrm rot="10800000">
+            <a:off x="3770068" y="3269669"/>
+            <a:ext cx="719444" cy="1704999"/>
+          </a:xfrm>
+          <a:prstGeom prst="curvedRightArrow">
+            <a:avLst/>
+          </a:prstGeom>
+        </p:spPr>
+        <p:style>
+          <a:lnRef idx="1">
+            <a:schemeClr val="accent3"/>
+          </a:lnRef>
+          <a:fillRef idx="3">
+            <a:schemeClr val="accent3"/>
+          </a:fillRef>
+          <a:effectRef idx="2">
+            <a:schemeClr val="accent3"/>
+          </a:effectRef>
+          <a:fontRef idx="minor">
+            <a:schemeClr val="lt1"/>
+          </a:fontRef>
+        </p:style>
+        <p:txBody>
+          <a:bodyPr rtlCol="0" anchor="ctr"/>
+          <a:lstStyle/>
+          <a:p>
+            <a:pPr algn="ctr"/>
+            <a:endParaRPr lang="en-US">
+              <a:solidFill>
+                <a:schemeClr val="tx1"/>
+              </a:solidFill>
+            </a:endParaRPr>
+          </a:p>
+        </p:txBody>
+      </p:sp>
+      <p:sp>
+        <p:nvSpPr>
+          <p:cNvPr id="7" name="Title 6"/>
+          <p:cNvSpPr>
+            <a:spLocks noGrp="1"/>
+          </p:cNvSpPr>
+          <p:nvPr>
+            <p:ph type="title"/>
+          </p:nvPr>
+        </p:nvSpPr>
+        <p:spPr/>
+        <p:txBody>
+          <a:bodyPr/>
+          <a:lstStyle/>
+          <a:p>
+            <a:r>
+              <a:rPr lang="en-US" dirty="0" smtClean="0"/>
+              <a:t>Suffix proxy</a:t>
+            </a:r>
+            <a:endParaRPr lang="en-US" dirty="0"/>
+          </a:p>
+        </p:txBody>
+      </p:sp>
+      <p:pic>
+        <p:nvPicPr>
+          <p:cNvPr id="8" name="Picture 12" descr="http://iconbug.com/data/27/507/e5e37cbddc91007668825ec679b6a461.png"/>
+          <p:cNvPicPr>
+            <a:picLocks noChangeAspect="1" noChangeArrowheads="1"/>
+          </p:cNvPicPr>
+          <p:nvPr/>
+        </p:nvPicPr>
+        <p:blipFill>
+          <a:blip r:embed="rId3" cstate="print">
+            <a:extLst>
+              <a:ext uri="{28A0092B-C50C-407E-A947-70E740481C1C}">
+                <a14:useLocalDpi xmlns:a14="http://schemas.microsoft.com/office/drawing/2010/main" val="0"/>
+              </a:ext>
+            </a:extLst>
+          </a:blip>
+          <a:srcRect/>
+          <a:stretch>
+            <a:fillRect/>
+          </a:stretch>
+        </p:blipFill>
+        <p:spPr bwMode="auto">
+          <a:xfrm>
+            <a:off x="6084168" y="3881322"/>
+            <a:ext cx="476990" cy="481694"/>
+          </a:xfrm>
+          <a:prstGeom prst="rect">
+            <a:avLst/>
+          </a:prstGeom>
+          <a:noFill/>
+          <a:extLst>
+            <a:ext uri="{909E8E84-426E-40DD-AFC4-6F175D3DCCD1}">
+              <a14:hiddenFill xmlns:a14="http://schemas.microsoft.com/office/drawing/2010/main">
+                <a:solidFill>
+                  <a:srgbClr val="FFFFFF"/>
+                </a:solidFill>
+              </a14:hiddenFill>
+            </a:ext>
+          </a:extLst>
+        </p:spPr>
+      </p:pic>
+      <p:pic>
+        <p:nvPicPr>
+          <p:cNvPr id="9" name="Picture 7"/>
+          <p:cNvPicPr>
+            <a:picLocks noChangeAspect="1" noChangeArrowheads="1"/>
+          </p:cNvPicPr>
+          <p:nvPr/>
+        </p:nvPicPr>
+        <p:blipFill>
+          <a:blip r:embed="rId4">
+            <a:extLst>
+              <a:ext uri="{28A0092B-C50C-407E-A947-70E740481C1C}">
+                <a14:useLocalDpi xmlns:a14="http://schemas.microsoft.com/office/drawing/2010/main" val="0"/>
+              </a:ext>
+            </a:extLst>
+          </a:blip>
+          <a:srcRect/>
+          <a:stretch>
+            <a:fillRect/>
+          </a:stretch>
+        </p:blipFill>
+        <p:spPr bwMode="auto">
+          <a:xfrm>
+            <a:off x="4340767" y="2714602"/>
+            <a:ext cx="678490" cy="380998"/>
+          </a:xfrm>
+          <a:prstGeom prst="rect">
+            <a:avLst/>
+          </a:prstGeom>
+          <a:noFill/>
+          <a:ln>
+            <a:noFill/>
+          </a:ln>
+          <a:extLst>
+            <a:ext uri="{909E8E84-426E-40DD-AFC4-6F175D3DCCD1}">
+              <a14:hiddenFill xmlns:a14="http://schemas.microsoft.com/office/drawing/2010/main">
+                <a:solidFill>
+                  <a:schemeClr val="accent1"/>
+                </a:solidFill>
+              </a14:hiddenFill>
+            </a:ext>
+            <a:ext uri="{91240B29-F687-4F45-9708-019B960494DF}">
+              <a14:hiddenLine xmlns:a14="http://schemas.microsoft.com/office/drawing/2010/main" w="9525">
+                <a:solidFill>
+                  <a:schemeClr val="tx1"/>
+                </a:solidFill>
+                <a:miter lim="800000"/>
+                <a:headEnd/>
+                <a:tailEnd/>
+              </a14:hiddenLine>
+            </a:ext>
+          </a:extLst>
+        </p:spPr>
+      </p:pic>
+      <p:pic>
+        <p:nvPicPr>
+          <p:cNvPr id="10" name="Picture 9"/>
+          <p:cNvPicPr>
+            <a:picLocks noChangeAspect="1" noChangeArrowheads="1"/>
+          </p:cNvPicPr>
+          <p:nvPr/>
+        </p:nvPicPr>
+        <p:blipFill>
+          <a:blip r:embed="rId5" cstate="print">
+            <a:extLst>
+              <a:ext uri="{28A0092B-C50C-407E-A947-70E740481C1C}">
+                <a14:useLocalDpi xmlns:a14="http://schemas.microsoft.com/office/drawing/2010/main" val="0"/>
+              </a:ext>
+            </a:extLst>
+          </a:blip>
+          <a:srcRect/>
+          <a:stretch>
+            <a:fillRect/>
+          </a:stretch>
+        </p:blipFill>
+        <p:spPr bwMode="auto">
+          <a:xfrm>
+            <a:off x="3770068" y="5082014"/>
+            <a:ext cx="1819888" cy="1323226"/>
+          </a:xfrm>
+          <a:prstGeom prst="rect">
+            <a:avLst/>
+          </a:prstGeom>
+          <a:noFill/>
+          <a:ln>
+            <a:noFill/>
+          </a:ln>
+          <a:effectLst>
+            <a:outerShdw blurRad="50800" dist="38100" dir="2700000" algn="tl" rotWithShape="0">
+              <a:prstClr val="black">
+                <a:alpha val="15000"/>
+              </a:prstClr>
+            </a:outerShdw>
+          </a:effectLst>
+          <a:extLst>
+            <a:ext uri="{909E8E84-426E-40DD-AFC4-6F175D3DCCD1}">
+              <a14:hiddenFill xmlns:a14="http://schemas.microsoft.com/office/drawing/2010/main">
+                <a:solidFill>
+                  <a:schemeClr val="accent1"/>
+                </a:solidFill>
+              </a14:hiddenFill>
+            </a:ext>
+            <a:ext uri="{91240B29-F687-4F45-9708-019B960494DF}">
+              <a14:hiddenLine xmlns:a14="http://schemas.microsoft.com/office/drawing/2010/main" w="9525">
+                <a:solidFill>
+                  <a:schemeClr val="tx1"/>
+                </a:solidFill>
+                <a:miter lim="800000"/>
+                <a:headEnd/>
+                <a:tailEnd/>
+              </a14:hiddenLine>
+            </a:ext>
+          </a:extLst>
+        </p:spPr>
+      </p:pic>
+      <p:sp>
+        <p:nvSpPr>
+          <p:cNvPr id="12" name="Curved Right Arrow 11"/>
+          <p:cNvSpPr/>
+          <p:nvPr/>
+        </p:nvSpPr>
+        <p:spPr>
+          <a:xfrm rot="10800000">
+            <a:off x="5048101" y="3269669"/>
+            <a:ext cx="719444" cy="1704999"/>
+          </a:xfrm>
+          <a:prstGeom prst="curvedRightArrow">
+            <a:avLst/>
+          </a:prstGeom>
+        </p:spPr>
+        <p:style>
+          <a:lnRef idx="1">
+            <a:schemeClr val="accent3"/>
+          </a:lnRef>
+          <a:fillRef idx="3">
+            <a:schemeClr val="accent3"/>
+          </a:fillRef>
+          <a:effectRef idx="2">
+            <a:schemeClr val="accent3"/>
+          </a:effectRef>
+          <a:fontRef idx="minor">
+            <a:schemeClr val="lt1"/>
+          </a:fontRef>
+        </p:style>
+        <p:txBody>
+          <a:bodyPr rtlCol="0" anchor="ctr"/>
+          <a:lstStyle/>
+          <a:p>
+            <a:pPr algn="ctr"/>
+            <a:endParaRPr lang="en-US">
+              <a:solidFill>
+                <a:schemeClr val="tx1"/>
+              </a:solidFill>
+            </a:endParaRPr>
+          </a:p>
+        </p:txBody>
+      </p:sp>
+      <p:sp>
+        <p:nvSpPr>
+          <p:cNvPr id="13" name="Up-Down Arrow 12"/>
+          <p:cNvSpPr/>
+          <p:nvPr/>
+        </p:nvSpPr>
+        <p:spPr>
+          <a:xfrm>
+            <a:off x="4489512" y="3284980"/>
+            <a:ext cx="381000" cy="1705000"/>
+          </a:xfrm>
+          <a:prstGeom prst="upDownArrow">
+            <a:avLst/>
+          </a:prstGeom>
+        </p:spPr>
+        <p:style>
+          <a:lnRef idx="1">
+            <a:schemeClr val="accent3"/>
+          </a:lnRef>
+          <a:fillRef idx="3">
+            <a:schemeClr val="accent3"/>
+          </a:fillRef>
+          <a:effectRef idx="2">
+            <a:schemeClr val="accent3"/>
+          </a:effectRef>
+          <a:fontRef idx="minor">
+            <a:schemeClr val="lt1"/>
+          </a:fontRef>
+        </p:style>
+        <p:txBody>
+          <a:bodyPr rtlCol="0" anchor="ctr"/>
+          <a:lstStyle/>
+          <a:p>
+            <a:pPr algn="ctr"/>
+            <a:endParaRPr lang="en-US"/>
+          </a:p>
+        </p:txBody>
+      </p:sp>
+      <p:pic>
+        <p:nvPicPr>
+          <p:cNvPr id="14" name="Picture 4" descr="http://www.userlogos.org/files/logos/macleod.mac/server.png"/>
+          <p:cNvPicPr>
+            <a:picLocks noChangeAspect="1" noChangeArrowheads="1"/>
+          </p:cNvPicPr>
+          <p:nvPr/>
+        </p:nvPicPr>
+        <p:blipFill>
+          <a:blip r:embed="rId6" cstate="print">
+            <a:extLst>
+              <a:ext uri="{28A0092B-C50C-407E-A947-70E740481C1C}">
+                <a14:useLocalDpi xmlns:a14="http://schemas.microsoft.com/office/drawing/2010/main" val="0"/>
+              </a:ext>
+            </a:extLst>
+          </a:blip>
+          <a:srcRect/>
+          <a:stretch>
+            <a:fillRect/>
+          </a:stretch>
+        </p:blipFill>
+        <p:spPr bwMode="auto">
+          <a:xfrm>
+            <a:off x="4068724" y="3757864"/>
+            <a:ext cx="1223356" cy="917517"/>
+          </a:xfrm>
+          <a:prstGeom prst="rect">
+            <a:avLst/>
+          </a:prstGeom>
+          <a:noFill/>
+          <a:scene3d>
+            <a:camera prst="orthographicFront">
+              <a:rot lat="0" lon="10800000" rev="0"/>
+            </a:camera>
+            <a:lightRig rig="threePt" dir="t"/>
+          </a:scene3d>
+          <a:extLst>
+            <a:ext uri="{909E8E84-426E-40DD-AFC4-6F175D3DCCD1}">
+              <a14:hiddenFill xmlns:a14="http://schemas.microsoft.com/office/drawing/2010/main">
+                <a:solidFill>
+                  <a:srgbClr val="FFFFFF"/>
+                </a:solidFill>
+              </a14:hiddenFill>
+            </a:ext>
+          </a:extLst>
+        </p:spPr>
+      </p:pic>
+      <p:pic>
+        <p:nvPicPr>
+          <p:cNvPr id="15" name="Picture 4" descr="http://www.userlogos.org/files/logos/macleod.mac/server.png"/>
+          <p:cNvPicPr>
+            <a:picLocks noChangeAspect="1" noChangeArrowheads="1"/>
+          </p:cNvPicPr>
+          <p:nvPr/>
+        </p:nvPicPr>
+        <p:blipFill>
+          <a:blip r:embed="rId7">
+            <a:extLst>
+              <a:ext uri="{28A0092B-C50C-407E-A947-70E740481C1C}">
+                <a14:useLocalDpi xmlns:a14="http://schemas.microsoft.com/office/drawing/2010/main" val="0"/>
+              </a:ext>
+            </a:extLst>
+          </a:blip>
+          <a:srcRect/>
+          <a:stretch>
+            <a:fillRect/>
+          </a:stretch>
+        </p:blipFill>
+        <p:spPr bwMode="auto">
+          <a:xfrm>
+            <a:off x="1971621" y="1604412"/>
+            <a:ext cx="1662281" cy="1246711"/>
+          </a:xfrm>
+          <a:prstGeom prst="rect">
+            <a:avLst/>
+          </a:prstGeom>
+          <a:noFill/>
+          <a:scene3d>
+            <a:camera prst="orthographicFront">
+              <a:rot lat="0" lon="10800000" rev="0"/>
+            </a:camera>
+            <a:lightRig rig="threePt" dir="t"/>
+          </a:scene3d>
+          <a:extLst>
+            <a:ext uri="{909E8E84-426E-40DD-AFC4-6F175D3DCCD1}">
+              <a14:hiddenFill xmlns:a14="http://schemas.microsoft.com/office/drawing/2010/main">
+                <a:solidFill>
+                  <a:srgbClr val="FFFFFF"/>
+                </a:solidFill>
+              </a14:hiddenFill>
+            </a:ext>
+          </a:extLst>
+        </p:spPr>
+      </p:pic>
+      <p:pic>
+        <p:nvPicPr>
+          <p:cNvPr id="16" name="Picture 4" descr="http://www.userlogos.org/files/logos/macleod.mac/server.png"/>
+          <p:cNvPicPr>
+            <a:picLocks noChangeAspect="1" noChangeArrowheads="1"/>
+          </p:cNvPicPr>
+          <p:nvPr/>
+        </p:nvPicPr>
+        <p:blipFill>
+          <a:blip r:embed="rId7">
+            <a:extLst>
+              <a:ext uri="{28A0092B-C50C-407E-A947-70E740481C1C}">
+                <a14:useLocalDpi xmlns:a14="http://schemas.microsoft.com/office/drawing/2010/main" val="0"/>
+              </a:ext>
+            </a:extLst>
+          </a:blip>
+          <a:srcRect/>
+          <a:stretch>
+            <a:fillRect/>
+          </a:stretch>
+        </p:blipFill>
+        <p:spPr bwMode="auto">
+          <a:xfrm>
+            <a:off x="3849261" y="1594932"/>
+            <a:ext cx="1662281" cy="1246711"/>
+          </a:xfrm>
+          <a:prstGeom prst="rect">
+            <a:avLst/>
+          </a:prstGeom>
+          <a:noFill/>
+          <a:scene3d>
+            <a:camera prst="orthographicFront">
+              <a:rot lat="0" lon="10800000" rev="0"/>
+            </a:camera>
+            <a:lightRig rig="threePt" dir="t"/>
+          </a:scene3d>
+          <a:extLst>
+            <a:ext uri="{909E8E84-426E-40DD-AFC4-6F175D3DCCD1}">
+              <a14:hiddenFill xmlns:a14="http://schemas.microsoft.com/office/drawing/2010/main">
+                <a:solidFill>
+                  <a:srgbClr val="FFFFFF"/>
+                </a:solidFill>
+              </a14:hiddenFill>
+            </a:ext>
+          </a:extLst>
+        </p:spPr>
+      </p:pic>
+      <p:sp>
+        <p:nvSpPr>
+          <p:cNvPr id="19" name="TextBox 18"/>
+          <p:cNvSpPr txBox="1"/>
+          <p:nvPr/>
+        </p:nvSpPr>
+        <p:spPr>
+          <a:xfrm>
+            <a:off x="6695424" y="3937502"/>
+            <a:ext cx="1687834" cy="369332"/>
+          </a:xfrm>
+          <a:prstGeom prst="rect">
+            <a:avLst/>
+          </a:prstGeom>
+          <a:noFill/>
+        </p:spPr>
+        <p:txBody>
+          <a:bodyPr wrap="none" rtlCol="0">
+            <a:spAutoFit/>
+          </a:bodyPr>
+          <a:lstStyle/>
+          <a:p>
+            <a:r>
+              <a:rPr lang="en-US" dirty="0" smtClean="0"/>
+              <a:t>pts.se/image.gif</a:t>
+            </a:r>
+          </a:p>
+        </p:txBody>
+      </p:sp>
+      <p:sp>
+        <p:nvSpPr>
+          <p:cNvPr id="20" name="TextBox 19"/>
+          <p:cNvSpPr txBox="1"/>
+          <p:nvPr/>
+        </p:nvSpPr>
+        <p:spPr>
+          <a:xfrm>
+            <a:off x="2353876" y="4031956"/>
+            <a:ext cx="1986891" cy="369332"/>
+          </a:xfrm>
+          <a:prstGeom prst="rect">
+            <a:avLst/>
+          </a:prstGeom>
+          <a:noFill/>
+        </p:spPr>
+        <p:txBody>
+          <a:bodyPr wrap="none" rtlCol="0">
+            <a:spAutoFit/>
+          </a:bodyPr>
+          <a:lstStyle/>
+          <a:p>
+            <a:r>
+              <a:rPr lang="en-US" dirty="0" smtClean="0"/>
+              <a:t>pts.se.monitor.com</a:t>
+            </a:r>
+          </a:p>
+        </p:txBody>
+      </p:sp>
+      <p:sp>
+        <p:nvSpPr>
+          <p:cNvPr id="21" name="Line Callout 2 20"/>
+          <p:cNvSpPr/>
+          <p:nvPr/>
+        </p:nvSpPr>
+        <p:spPr>
+          <a:xfrm>
+            <a:off x="5868144" y="2610268"/>
+            <a:ext cx="1944216" cy="674712"/>
+          </a:xfrm>
+          <a:prstGeom prst="borderCallout2">
+            <a:avLst>
+              <a:gd name="adj1" fmla="val 41337"/>
+              <a:gd name="adj2" fmla="val -494"/>
+              <a:gd name="adj3" fmla="val 41337"/>
+              <a:gd name="adj4" fmla="val -18092"/>
+              <a:gd name="adj5" fmla="val 188476"/>
+              <a:gd name="adj6" fmla="val -53793"/>
+            </a:avLst>
+          </a:prstGeom>
+        </p:spPr>
+        <p:style>
+          <a:lnRef idx="1">
+            <a:schemeClr val="accent1"/>
+          </a:lnRef>
+          <a:fillRef idx="2">
+            <a:schemeClr val="accent1"/>
+          </a:fillRef>
+          <a:effectRef idx="1">
+            <a:schemeClr val="accent1"/>
+          </a:effectRef>
+          <a:fontRef idx="minor">
+            <a:schemeClr val="dk1"/>
+          </a:fontRef>
+        </p:style>
+        <p:txBody>
+          <a:bodyPr rtlCol="0" anchor="ctr"/>
+          <a:lstStyle/>
+          <a:p>
+            <a:pPr algn="ctr"/>
+            <a:r>
+              <a:rPr lang="en-US" dirty="0" smtClean="0"/>
+              <a:t>Wildcard DNS</a:t>
+            </a:r>
+          </a:p>
+          <a:p>
+            <a:pPr algn="ctr"/>
+            <a:r>
+              <a:rPr lang="en-US" dirty="0" smtClean="0"/>
+              <a:t>*.monitor.com</a:t>
+            </a:r>
+            <a:endParaRPr lang="en-US" dirty="0"/>
+          </a:p>
+        </p:txBody>
+      </p:sp>
+      <p:pic>
+        <p:nvPicPr>
+          <p:cNvPr id="23" name="Picture 22" descr="google_logo.png"/>
+          <p:cNvPicPr>
+            <a:picLocks noChangeAspect="1"/>
+          </p:cNvPicPr>
+          <p:nvPr/>
+        </p:nvPicPr>
+        <p:blipFill>
+          <a:blip r:embed="rId8" cstate="print"/>
+          <a:srcRect l="13576" r="13576" b="86594"/>
+          <a:stretch>
+            <a:fillRect/>
+          </a:stretch>
+        </p:blipFill>
+        <p:spPr>
+          <a:xfrm>
+            <a:off x="2132790" y="2663552"/>
+            <a:ext cx="1361851" cy="432048"/>
+          </a:xfrm>
+          <a:prstGeom prst="rect">
+            <a:avLst/>
+          </a:prstGeom>
+          <a:effectLst/>
+        </p:spPr>
+      </p:pic>
+      <p:sp>
+        <p:nvSpPr>
+          <p:cNvPr id="24" name="TextBox 23"/>
+          <p:cNvSpPr txBox="1"/>
+          <p:nvPr/>
+        </p:nvSpPr>
+        <p:spPr>
+          <a:xfrm>
+            <a:off x="970039" y="3388532"/>
+            <a:ext cx="2524602" cy="369332"/>
+          </a:xfrm>
+          <a:prstGeom prst="rect">
+            <a:avLst/>
+          </a:prstGeom>
+          <a:noFill/>
+        </p:spPr>
+        <p:txBody>
+          <a:bodyPr wrap="none" rtlCol="0">
+            <a:spAutoFit/>
+          </a:bodyPr>
+          <a:lstStyle/>
+          <a:p>
+            <a:r>
+              <a:rPr lang="en-US" dirty="0" smtClean="0"/>
+              <a:t>google.com.monitor.com</a:t>
+            </a:r>
+            <a:endParaRPr lang="en-US" dirty="0"/>
+          </a:p>
+        </p:txBody>
+      </p:sp>
+      <p:pic>
+        <p:nvPicPr>
+          <p:cNvPr id="26" name="Picture 2" descr="http://c.dryicons.com/images/icon_sets/coquette_part_5_icons_set/png/128x128/js_file.png"/>
+          <p:cNvPicPr>
+            <a:picLocks noChangeAspect="1" noChangeArrowheads="1"/>
+          </p:cNvPicPr>
+          <p:nvPr/>
+        </p:nvPicPr>
+        <p:blipFill>
+          <a:blip r:embed="rId9">
+            <a:extLst>
+              <a:ext uri="{28A0092B-C50C-407E-A947-70E740481C1C}">
+                <a14:useLocalDpi xmlns:a14="http://schemas.microsoft.com/office/drawing/2010/main" val="0"/>
+              </a:ext>
+            </a:extLst>
+          </a:blip>
+          <a:srcRect/>
+          <a:stretch>
+            <a:fillRect/>
+          </a:stretch>
+        </p:blipFill>
+        <p:spPr bwMode="auto">
+          <a:xfrm>
+            <a:off x="-1" y="3757864"/>
+            <a:ext cx="1809863" cy="1809864"/>
+          </a:xfrm>
+          <a:prstGeom prst="rect">
+            <a:avLst/>
+          </a:prstGeom>
+          <a:noFill/>
+          <a:extLst>
+            <a:ext uri="{909E8E84-426E-40DD-AFC4-6F175D3DCCD1}">
+              <a14:hiddenFill xmlns:a14="http://schemas.microsoft.com/office/drawing/2010/main">
+                <a:solidFill>
+                  <a:srgbClr val="FFFFFF"/>
+                </a:solidFill>
+              </a14:hiddenFill>
+            </a:ext>
+          </a:extLst>
+        </p:spPr>
+      </p:pic>
+      <p:pic>
+        <p:nvPicPr>
+          <p:cNvPr id="25" name="Picture 2" descr="http://a.dryicons.com/images/icon_sets/coquette_part_5_icons_set/png/128x128/html_file.png"/>
+          <p:cNvPicPr>
+            <a:picLocks noChangeAspect="1" noChangeArrowheads="1"/>
+          </p:cNvPicPr>
+          <p:nvPr/>
+        </p:nvPicPr>
+        <p:blipFill>
+          <a:blip r:embed="rId10" cstate="print">
+            <a:extLst>
+              <a:ext uri="{28A0092B-C50C-407E-A947-70E740481C1C}">
+                <a14:useLocalDpi xmlns:a14="http://schemas.microsoft.com/office/drawing/2010/main" val="0"/>
+              </a:ext>
+            </a:extLst>
+          </a:blip>
+          <a:srcRect/>
+          <a:stretch>
+            <a:fillRect/>
+          </a:stretch>
+        </p:blipFill>
+        <p:spPr bwMode="auto">
+          <a:xfrm>
+            <a:off x="1448946" y="4370214"/>
+            <a:ext cx="1809860" cy="1809864"/>
+          </a:xfrm>
+          <a:prstGeom prst="rect">
+            <a:avLst/>
+          </a:prstGeom>
+          <a:noFill/>
+          <a:extLst>
+            <a:ext uri="{909E8E84-426E-40DD-AFC4-6F175D3DCCD1}">
+              <a14:hiddenFill xmlns:a14="http://schemas.microsoft.com/office/drawing/2010/main">
+                <a:solidFill>
+                  <a:srgbClr val="FFFFFF"/>
+                </a:solidFill>
+              </a14:hiddenFill>
+            </a:ext>
+          </a:extLst>
+        </p:spPr>
+      </p:pic>
+      <p:pic>
+        <p:nvPicPr>
+          <p:cNvPr id="27" name="Picture 4" descr="http://www.userlogos.org/files/logos/macleod.mac/server.png"/>
+          <p:cNvPicPr>
+            <a:picLocks noChangeAspect="1" noChangeArrowheads="1"/>
+          </p:cNvPicPr>
+          <p:nvPr/>
+        </p:nvPicPr>
+        <p:blipFill>
+          <a:blip r:embed="rId7">
+            <a:extLst>
+              <a:ext uri="{28A0092B-C50C-407E-A947-70E740481C1C}">
+                <a14:useLocalDpi xmlns:a14="http://schemas.microsoft.com/office/drawing/2010/main" val="0"/>
+              </a:ext>
+            </a:extLst>
+          </a:blip>
+          <a:srcRect/>
+          <a:stretch>
+            <a:fillRect/>
+          </a:stretch>
+        </p:blipFill>
+        <p:spPr bwMode="auto">
+          <a:xfrm>
+            <a:off x="7164288" y="4990345"/>
+            <a:ext cx="1662281" cy="1246711"/>
+          </a:xfrm>
+          <a:prstGeom prst="rect">
+            <a:avLst/>
+          </a:prstGeom>
+          <a:noFill/>
+          <a:scene3d>
+            <a:camera prst="orthographicFront">
+              <a:rot lat="0" lon="10800000" rev="0"/>
+            </a:camera>
+            <a:lightRig rig="threePt" dir="t"/>
+          </a:scene3d>
+          <a:extLst>
+            <a:ext uri="{909E8E84-426E-40DD-AFC4-6F175D3DCCD1}">
+              <a14:hiddenFill xmlns:a14="http://schemas.microsoft.com/office/drawing/2010/main">
+                <a:solidFill>
+                  <a:srgbClr val="FFFFFF"/>
+                </a:solidFill>
+              </a14:hiddenFill>
+            </a:ext>
+          </a:extLst>
+        </p:spPr>
+      </p:pic>
+      <p:sp>
+        <p:nvSpPr>
+          <p:cNvPr id="28" name="Left-Right Arrow 27"/>
+          <p:cNvSpPr/>
+          <p:nvPr/>
+        </p:nvSpPr>
+        <p:spPr>
+          <a:xfrm>
+            <a:off x="5774682" y="5444423"/>
+            <a:ext cx="1612767" cy="338554"/>
+          </a:xfrm>
+          <a:prstGeom prst="leftRightArrow">
+            <a:avLst/>
+          </a:prstGeom>
+        </p:spPr>
+        <p:style>
+          <a:lnRef idx="1">
+            <a:schemeClr val="accent1"/>
+          </a:lnRef>
+          <a:fillRef idx="2">
+            <a:schemeClr val="accent1"/>
+          </a:fillRef>
+          <a:effectRef idx="1">
+            <a:schemeClr val="accent1"/>
+          </a:effectRef>
+          <a:fontRef idx="minor">
+            <a:schemeClr val="dk1"/>
+          </a:fontRef>
+        </p:style>
+        <p:txBody>
+          <a:bodyPr rtlCol="0" anchor="ctr"/>
+          <a:lstStyle/>
+          <a:p>
+            <a:pPr algn="ctr"/>
+            <a:endParaRPr lang="en-US"/>
+          </a:p>
+        </p:txBody>
+      </p:sp>
+      <p:sp>
+        <p:nvSpPr>
+          <p:cNvPr id="29" name="TextBox 28"/>
+          <p:cNvSpPr txBox="1"/>
+          <p:nvPr/>
+        </p:nvSpPr>
+        <p:spPr>
+          <a:xfrm>
+            <a:off x="6311799" y="5082014"/>
+            <a:ext cx="591829" cy="369332"/>
+          </a:xfrm>
+          <a:prstGeom prst="rect">
+            <a:avLst/>
+          </a:prstGeom>
+          <a:noFill/>
+        </p:spPr>
+        <p:txBody>
+          <a:bodyPr wrap="none" rtlCol="0">
+            <a:spAutoFit/>
+          </a:bodyPr>
+          <a:lstStyle/>
+          <a:p>
+            <a:r>
+              <a:rPr lang="en-US" dirty="0" smtClean="0"/>
+              <a:t>sj.se</a:t>
+            </a:r>
+          </a:p>
+        </p:txBody>
+      </p:sp>
+      <p:pic>
+        <p:nvPicPr>
+          <p:cNvPr id="30" name="Picture 11" descr="http://audienceinnovation.com/images/icons/do-training-cogwheel-icon-300x297-gray.gif"/>
+          <p:cNvPicPr>
+            <a:picLocks noChangeAspect="1" noChangeArrowheads="1"/>
+          </p:cNvPicPr>
+          <p:nvPr/>
+        </p:nvPicPr>
+        <p:blipFill>
+          <a:blip r:embed="rId11" cstate="print">
+            <a:extLst>
+              <a:ext uri="{28A0092B-C50C-407E-A947-70E740481C1C}">
+                <a14:useLocalDpi xmlns:a14="http://schemas.microsoft.com/office/drawing/2010/main" val="0"/>
+              </a:ext>
+            </a:extLst>
+          </a:blip>
+          <a:srcRect/>
+          <a:stretch>
+            <a:fillRect/>
+          </a:stretch>
+        </p:blipFill>
+        <p:spPr bwMode="auto">
+          <a:xfrm>
+            <a:off x="1608154" y="3725126"/>
+            <a:ext cx="745722" cy="738265"/>
+          </a:xfrm>
+          <a:prstGeom prst="rect">
+            <a:avLst/>
+          </a:prstGeom>
+          <a:noFill/>
+        </p:spPr>
+      </p:pic>
+    </p:spTree>
+    <p:extLst>
+      <p:ext uri="{BB962C8B-B14F-4D97-AF65-F5344CB8AC3E}">
+        <p14:creationId xmlns:p14="http://schemas.microsoft.com/office/powerpoint/2010/main" val="4114783267"/>
+      </p:ext>
+    </p:extLst>
+  </p:cSld>
+  <p:clrMapOvr>
+    <a:masterClrMapping/>
+  </p:clrMapOvr>
+  <p:timing>
+    <p:tnLst>
+      <p:par>
+        <p:cTn id="1" dur="indefinite" restart="never" nodeType="tmRoot">
+          <p:childTnLst>
+            <p:seq concurrent="1" nextAc="seek">
+              <p:cTn id="2" dur="indefinite" nodeType="mainSeq">
+                <p:childTnLst>
+                  <p:par>
+                    <p:cTn id="3" fill="hold">
+                      <p:stCondLst>
+                        <p:cond delay="indefinite"/>
+                      </p:stCondLst>
+                      <p:childTnLst>
+                        <p:par>
+                          <p:cTn id="4" fill="hold">
+                            <p:stCondLst>
+                              <p:cond delay="0"/>
+                            </p:stCondLst>
+                            <p:childTnLst>
+                              <p:par>
+                                <p:cTn id="5" presetID="10" presetClass="entr" presetSubtype="0" fill="hold" grpId="0" nodeType="clickEffect">
+                                  <p:stCondLst>
+                                    <p:cond delay="0"/>
+                                  </p:stCondLst>
+                                  <p:childTnLst>
+                                    <p:set>
+                                      <p:cBhvr>
+                                        <p:cTn id="6" dur="1" fill="hold">
+                                          <p:stCondLst>
+                                            <p:cond delay="0"/>
+                                          </p:stCondLst>
+                                        </p:cTn>
+                                        <p:tgtEl>
+                                          <p:spTgt spid="13"/>
+                                        </p:tgtEl>
+                                        <p:attrNameLst>
+                                          <p:attrName>style.visibility</p:attrName>
+                                        </p:attrNameLst>
+                                      </p:cBhvr>
+                                      <p:to>
+                                        <p:strVal val="visible"/>
+                                      </p:to>
+                                    </p:set>
+                                    <p:animEffect transition="in" filter="fade">
+                                      <p:cBhvr>
+                                        <p:cTn id="7" dur="500"/>
+                                        <p:tgtEl>
+                                          <p:spTgt spid="13"/>
+                                        </p:tgtEl>
+                                      </p:cBhvr>
+                                    </p:animEffect>
+                                  </p:childTnLst>
+                                </p:cTn>
+                              </p:par>
+                              <p:par>
+                                <p:cTn id="8" presetID="10" presetClass="entr" presetSubtype="0" fill="hold" grpId="0" nodeType="withEffect">
+                                  <p:stCondLst>
+                                    <p:cond delay="0"/>
+                                  </p:stCondLst>
+                                  <p:childTnLst>
+                                    <p:set>
+                                      <p:cBhvr>
+                                        <p:cTn id="9" dur="1" fill="hold">
+                                          <p:stCondLst>
+                                            <p:cond delay="0"/>
+                                          </p:stCondLst>
+                                        </p:cTn>
+                                        <p:tgtEl>
+                                          <p:spTgt spid="20"/>
+                                        </p:tgtEl>
+                                        <p:attrNameLst>
+                                          <p:attrName>style.visibility</p:attrName>
+                                        </p:attrNameLst>
+                                      </p:cBhvr>
+                                      <p:to>
+                                        <p:strVal val="visible"/>
+                                      </p:to>
+                                    </p:set>
+                                    <p:animEffect transition="in" filter="fade">
+                                      <p:cBhvr>
+                                        <p:cTn id="10" dur="500"/>
+                                        <p:tgtEl>
+                                          <p:spTgt spid="20"/>
+                                        </p:tgtEl>
+                                      </p:cBhvr>
+                                    </p:animEffect>
+                                  </p:childTnLst>
+                                </p:cTn>
+                              </p:par>
+                              <p:par>
+                                <p:cTn id="11" presetID="10" presetClass="entr" presetSubtype="0" fill="hold" nodeType="withEffect">
+                                  <p:stCondLst>
+                                    <p:cond delay="0"/>
+                                  </p:stCondLst>
+                                  <p:childTnLst>
+                                    <p:set>
+                                      <p:cBhvr>
+                                        <p:cTn id="12" dur="1" fill="hold">
+                                          <p:stCondLst>
+                                            <p:cond delay="0"/>
+                                          </p:stCondLst>
+                                        </p:cTn>
+                                        <p:tgtEl>
+                                          <p:spTgt spid="25"/>
+                                        </p:tgtEl>
+                                        <p:attrNameLst>
+                                          <p:attrName>style.visibility</p:attrName>
+                                        </p:attrNameLst>
+                                      </p:cBhvr>
+                                      <p:to>
+                                        <p:strVal val="visible"/>
+                                      </p:to>
+                                    </p:set>
+                                    <p:animEffect transition="in" filter="fade">
+                                      <p:cBhvr>
+                                        <p:cTn id="13" dur="500"/>
+                                        <p:tgtEl>
+                                          <p:spTgt spid="25"/>
+                                        </p:tgtEl>
+                                      </p:cBhvr>
+                                    </p:animEffect>
+                                  </p:childTnLst>
+                                </p:cTn>
+                              </p:par>
+                            </p:childTnLst>
+                          </p:cTn>
+                        </p:par>
+                        <p:par>
+                          <p:cTn id="14" fill="hold">
+                            <p:stCondLst>
+                              <p:cond delay="500"/>
+                            </p:stCondLst>
+                            <p:childTnLst>
+                              <p:par>
+                                <p:cTn id="15" presetID="10" presetClass="entr" presetSubtype="0" fill="hold" nodeType="afterEffect">
+                                  <p:stCondLst>
+                                    <p:cond delay="0"/>
+                                  </p:stCondLst>
+                                  <p:childTnLst>
+                                    <p:set>
+                                      <p:cBhvr>
+                                        <p:cTn id="16" dur="1" fill="hold">
+                                          <p:stCondLst>
+                                            <p:cond delay="0"/>
+                                          </p:stCondLst>
+                                        </p:cTn>
+                                        <p:tgtEl>
+                                          <p:spTgt spid="30"/>
+                                        </p:tgtEl>
+                                        <p:attrNameLst>
+                                          <p:attrName>style.visibility</p:attrName>
+                                        </p:attrNameLst>
+                                      </p:cBhvr>
+                                      <p:to>
+                                        <p:strVal val="visible"/>
+                                      </p:to>
+                                    </p:set>
+                                    <p:animEffect transition="in" filter="fade">
+                                      <p:cBhvr>
+                                        <p:cTn id="17" dur="500"/>
+                                        <p:tgtEl>
+                                          <p:spTgt spid="30"/>
+                                        </p:tgtEl>
+                                      </p:cBhvr>
+                                    </p:animEffect>
+                                  </p:childTnLst>
+                                </p:cTn>
+                              </p:par>
+                            </p:childTnLst>
+                          </p:cTn>
+                        </p:par>
+                      </p:childTnLst>
+                    </p:cTn>
+                  </p:par>
+                  <p:par>
+                    <p:cTn id="18" fill="hold">
+                      <p:stCondLst>
+                        <p:cond delay="indefinite"/>
+                      </p:stCondLst>
+                      <p:childTnLst>
+                        <p:par>
+                          <p:cTn id="19" fill="hold">
+                            <p:stCondLst>
+                              <p:cond delay="0"/>
+                            </p:stCondLst>
+                            <p:childTnLst>
+                              <p:par>
+                                <p:cTn id="20" presetID="10" presetClass="entr" presetSubtype="0" fill="hold" grpId="0" nodeType="clickEffect">
+                                  <p:stCondLst>
+                                    <p:cond delay="0"/>
+                                  </p:stCondLst>
+                                  <p:childTnLst>
+                                    <p:set>
+                                      <p:cBhvr>
+                                        <p:cTn id="21" dur="1" fill="hold">
+                                          <p:stCondLst>
+                                            <p:cond delay="0"/>
+                                          </p:stCondLst>
+                                        </p:cTn>
+                                        <p:tgtEl>
+                                          <p:spTgt spid="22"/>
+                                        </p:tgtEl>
+                                        <p:attrNameLst>
+                                          <p:attrName>style.visibility</p:attrName>
+                                        </p:attrNameLst>
+                                      </p:cBhvr>
+                                      <p:to>
+                                        <p:strVal val="visible"/>
+                                      </p:to>
+                                    </p:set>
+                                    <p:animEffect transition="in" filter="fade">
+                                      <p:cBhvr>
+                                        <p:cTn id="22" dur="500"/>
+                                        <p:tgtEl>
+                                          <p:spTgt spid="22"/>
+                                        </p:tgtEl>
+                                      </p:cBhvr>
+                                    </p:animEffect>
+                                  </p:childTnLst>
+                                </p:cTn>
+                              </p:par>
+                              <p:par>
+                                <p:cTn id="23" presetID="10" presetClass="entr" presetSubtype="0" fill="hold" grpId="0" nodeType="withEffect">
+                                  <p:stCondLst>
+                                    <p:cond delay="0"/>
+                                  </p:stCondLst>
+                                  <p:childTnLst>
+                                    <p:set>
+                                      <p:cBhvr>
+                                        <p:cTn id="24" dur="1" fill="hold">
+                                          <p:stCondLst>
+                                            <p:cond delay="0"/>
+                                          </p:stCondLst>
+                                        </p:cTn>
+                                        <p:tgtEl>
+                                          <p:spTgt spid="24"/>
+                                        </p:tgtEl>
+                                        <p:attrNameLst>
+                                          <p:attrName>style.visibility</p:attrName>
+                                        </p:attrNameLst>
+                                      </p:cBhvr>
+                                      <p:to>
+                                        <p:strVal val="visible"/>
+                                      </p:to>
+                                    </p:set>
+                                    <p:animEffect transition="in" filter="fade">
+                                      <p:cBhvr>
+                                        <p:cTn id="25" dur="500"/>
+                                        <p:tgtEl>
+                                          <p:spTgt spid="24"/>
+                                        </p:tgtEl>
+                                      </p:cBhvr>
+                                    </p:animEffect>
+                                  </p:childTnLst>
+                                </p:cTn>
+                              </p:par>
+                              <p:par>
+                                <p:cTn id="26" presetID="10" presetClass="entr" presetSubtype="0" fill="hold" nodeType="withEffect">
+                                  <p:stCondLst>
+                                    <p:cond delay="0"/>
+                                  </p:stCondLst>
+                                  <p:childTnLst>
+                                    <p:set>
+                                      <p:cBhvr>
+                                        <p:cTn id="27" dur="1" fill="hold">
+                                          <p:stCondLst>
+                                            <p:cond delay="0"/>
+                                          </p:stCondLst>
+                                        </p:cTn>
+                                        <p:tgtEl>
+                                          <p:spTgt spid="26"/>
+                                        </p:tgtEl>
+                                        <p:attrNameLst>
+                                          <p:attrName>style.visibility</p:attrName>
+                                        </p:attrNameLst>
+                                      </p:cBhvr>
+                                      <p:to>
+                                        <p:strVal val="visible"/>
+                                      </p:to>
+                                    </p:set>
+                                    <p:animEffect transition="in" filter="fade">
+                                      <p:cBhvr>
+                                        <p:cTn id="28" dur="500"/>
+                                        <p:tgtEl>
+                                          <p:spTgt spid="26"/>
+                                        </p:tgtEl>
+                                      </p:cBhvr>
+                                    </p:animEffect>
+                                  </p:childTnLst>
+                                </p:cTn>
+                              </p:par>
+                              <p:par>
+                                <p:cTn id="29" presetID="10" presetClass="exit" presetSubtype="0" fill="hold" grpId="1" nodeType="withEffect">
+                                  <p:stCondLst>
+                                    <p:cond delay="0"/>
+                                  </p:stCondLst>
+                                  <p:childTnLst>
+                                    <p:animEffect transition="out" filter="fade">
+                                      <p:cBhvr>
+                                        <p:cTn id="30" dur="500"/>
+                                        <p:tgtEl>
+                                          <p:spTgt spid="20"/>
+                                        </p:tgtEl>
+                                      </p:cBhvr>
+                                    </p:animEffect>
+                                    <p:set>
+                                      <p:cBhvr>
+                                        <p:cTn id="31" dur="1" fill="hold">
+                                          <p:stCondLst>
+                                            <p:cond delay="499"/>
+                                          </p:stCondLst>
+                                        </p:cTn>
+                                        <p:tgtEl>
+                                          <p:spTgt spid="20"/>
+                                        </p:tgtEl>
+                                        <p:attrNameLst>
+                                          <p:attrName>style.visibility</p:attrName>
+                                        </p:attrNameLst>
+                                      </p:cBhvr>
+                                      <p:to>
+                                        <p:strVal val="hidden"/>
+                                      </p:to>
+                                    </p:set>
+                                  </p:childTnLst>
+                                </p:cTn>
+                              </p:par>
+                              <p:par>
+                                <p:cTn id="32" presetID="10" presetClass="exit" presetSubtype="0" fill="hold" grpId="0" nodeType="withEffect">
+                                  <p:stCondLst>
+                                    <p:cond delay="0"/>
+                                  </p:stCondLst>
+                                  <p:childTnLst>
+                                    <p:animEffect transition="out" filter="fade">
+                                      <p:cBhvr>
+                                        <p:cTn id="33" dur="500"/>
+                                        <p:tgtEl>
+                                          <p:spTgt spid="21"/>
+                                        </p:tgtEl>
+                                      </p:cBhvr>
+                                    </p:animEffect>
+                                    <p:set>
+                                      <p:cBhvr>
+                                        <p:cTn id="34" dur="1" fill="hold">
+                                          <p:stCondLst>
+                                            <p:cond delay="499"/>
+                                          </p:stCondLst>
+                                        </p:cTn>
+                                        <p:tgtEl>
+                                          <p:spTgt spid="21"/>
+                                        </p:tgtEl>
+                                        <p:attrNameLst>
+                                          <p:attrName>style.visibility</p:attrName>
+                                        </p:attrNameLst>
+                                      </p:cBhvr>
+                                      <p:to>
+                                        <p:strVal val="hidden"/>
+                                      </p:to>
+                                    </p:set>
+                                  </p:childTnLst>
+                                </p:cTn>
+                              </p:par>
+                            </p:childTnLst>
+                          </p:cTn>
+                        </p:par>
+                      </p:childTnLst>
+                    </p:cTn>
+                  </p:par>
+                  <p:par>
+                    <p:cTn id="35" fill="hold">
+                      <p:stCondLst>
+                        <p:cond delay="indefinite"/>
+                      </p:stCondLst>
+                      <p:childTnLst>
+                        <p:par>
+                          <p:cTn id="36" fill="hold">
+                            <p:stCondLst>
+                              <p:cond delay="0"/>
+                            </p:stCondLst>
+                            <p:childTnLst>
+                              <p:par>
+                                <p:cTn id="37" presetID="10" presetClass="entr" presetSubtype="0" fill="hold" nodeType="clickEffect">
+                                  <p:stCondLst>
+                                    <p:cond delay="0"/>
+                                  </p:stCondLst>
+                                  <p:childTnLst>
+                                    <p:set>
+                                      <p:cBhvr>
+                                        <p:cTn id="38" dur="1" fill="hold">
+                                          <p:stCondLst>
+                                            <p:cond delay="0"/>
+                                          </p:stCondLst>
+                                        </p:cTn>
+                                        <p:tgtEl>
+                                          <p:spTgt spid="27"/>
+                                        </p:tgtEl>
+                                        <p:attrNameLst>
+                                          <p:attrName>style.visibility</p:attrName>
+                                        </p:attrNameLst>
+                                      </p:cBhvr>
+                                      <p:to>
+                                        <p:strVal val="visible"/>
+                                      </p:to>
+                                    </p:set>
+                                    <p:animEffect transition="in" filter="fade">
+                                      <p:cBhvr>
+                                        <p:cTn id="39" dur="500"/>
+                                        <p:tgtEl>
+                                          <p:spTgt spid="27"/>
+                                        </p:tgtEl>
+                                      </p:cBhvr>
+                                    </p:animEffect>
+                                  </p:childTnLst>
+                                </p:cTn>
+                              </p:par>
+                              <p:par>
+                                <p:cTn id="40" presetID="10" presetClass="entr" presetSubtype="0" fill="hold" grpId="0" nodeType="withEffect">
+                                  <p:stCondLst>
+                                    <p:cond delay="0"/>
+                                  </p:stCondLst>
+                                  <p:childTnLst>
+                                    <p:set>
+                                      <p:cBhvr>
+                                        <p:cTn id="41" dur="1" fill="hold">
+                                          <p:stCondLst>
+                                            <p:cond delay="0"/>
+                                          </p:stCondLst>
+                                        </p:cTn>
+                                        <p:tgtEl>
+                                          <p:spTgt spid="28"/>
+                                        </p:tgtEl>
+                                        <p:attrNameLst>
+                                          <p:attrName>style.visibility</p:attrName>
+                                        </p:attrNameLst>
+                                      </p:cBhvr>
+                                      <p:to>
+                                        <p:strVal val="visible"/>
+                                      </p:to>
+                                    </p:set>
+                                    <p:animEffect transition="in" filter="fade">
+                                      <p:cBhvr>
+                                        <p:cTn id="42" dur="500"/>
+                                        <p:tgtEl>
+                                          <p:spTgt spid="28"/>
+                                        </p:tgtEl>
+                                      </p:cBhvr>
+                                    </p:animEffect>
+                                  </p:childTnLst>
+                                </p:cTn>
+                              </p:par>
+                              <p:par>
+                                <p:cTn id="43" presetID="10" presetClass="entr" presetSubtype="0" fill="hold" grpId="0" nodeType="withEffect">
+                                  <p:stCondLst>
+                                    <p:cond delay="0"/>
+                                  </p:stCondLst>
+                                  <p:childTnLst>
+                                    <p:set>
+                                      <p:cBhvr>
+                                        <p:cTn id="44" dur="1" fill="hold">
+                                          <p:stCondLst>
+                                            <p:cond delay="0"/>
+                                          </p:stCondLst>
+                                        </p:cTn>
+                                        <p:tgtEl>
+                                          <p:spTgt spid="29"/>
+                                        </p:tgtEl>
+                                        <p:attrNameLst>
+                                          <p:attrName>style.visibility</p:attrName>
+                                        </p:attrNameLst>
+                                      </p:cBhvr>
+                                      <p:to>
+                                        <p:strVal val="visible"/>
+                                      </p:to>
+                                    </p:set>
+                                    <p:animEffect transition="in" filter="fade">
+                                      <p:cBhvr>
+                                        <p:cTn id="45" dur="500"/>
+                                        <p:tgtEl>
+                                          <p:spTgt spid="29"/>
+                                        </p:tgtEl>
+                                      </p:cBhvr>
+                                    </p:animEffect>
+                                  </p:childTnLst>
+                                </p:cTn>
+                              </p:par>
+                            </p:childTnLst>
+                          </p:cTn>
+                        </p:par>
+                      </p:childTnLst>
+                    </p:cTn>
+                  </p:par>
+                  <p:par>
+                    <p:cTn id="46" fill="hold">
+                      <p:stCondLst>
+                        <p:cond delay="indefinite"/>
+                      </p:stCondLst>
+                      <p:childTnLst>
+                        <p:par>
+                          <p:cTn id="47" fill="hold">
+                            <p:stCondLst>
+                              <p:cond delay="0"/>
+                            </p:stCondLst>
+                            <p:childTnLst>
+                              <p:par>
+                                <p:cTn id="48" presetID="10" presetClass="entr" presetSubtype="0" fill="hold" grpId="0" nodeType="clickEffect">
+                                  <p:stCondLst>
+                                    <p:cond delay="0"/>
+                                  </p:stCondLst>
+                                  <p:childTnLst>
+                                    <p:set>
+                                      <p:cBhvr>
+                                        <p:cTn id="49" dur="1" fill="hold">
+                                          <p:stCondLst>
+                                            <p:cond delay="0"/>
+                                          </p:stCondLst>
+                                        </p:cTn>
+                                        <p:tgtEl>
+                                          <p:spTgt spid="19"/>
+                                        </p:tgtEl>
+                                        <p:attrNameLst>
+                                          <p:attrName>style.visibility</p:attrName>
+                                        </p:attrNameLst>
+                                      </p:cBhvr>
+                                      <p:to>
+                                        <p:strVal val="visible"/>
+                                      </p:to>
+                                    </p:set>
+                                    <p:animEffect transition="in" filter="fade">
+                                      <p:cBhvr>
+                                        <p:cTn id="50" dur="500"/>
+                                        <p:tgtEl>
+                                          <p:spTgt spid="19"/>
+                                        </p:tgtEl>
+                                      </p:cBhvr>
+                                    </p:animEffect>
+                                  </p:childTnLst>
+                                </p:cTn>
+                              </p:par>
+                              <p:par>
+                                <p:cTn id="51" presetID="10" presetClass="entr" presetSubtype="0" fill="hold" nodeType="withEffect">
+                                  <p:stCondLst>
+                                    <p:cond delay="0"/>
+                                  </p:stCondLst>
+                                  <p:childTnLst>
+                                    <p:set>
+                                      <p:cBhvr>
+                                        <p:cTn id="52" dur="1" fill="hold">
+                                          <p:stCondLst>
+                                            <p:cond delay="0"/>
+                                          </p:stCondLst>
+                                        </p:cTn>
+                                        <p:tgtEl>
+                                          <p:spTgt spid="8"/>
+                                        </p:tgtEl>
+                                        <p:attrNameLst>
+                                          <p:attrName>style.visibility</p:attrName>
+                                        </p:attrNameLst>
+                                      </p:cBhvr>
+                                      <p:to>
+                                        <p:strVal val="visible"/>
+                                      </p:to>
+                                    </p:set>
+                                    <p:animEffect transition="in" filter="fade">
+                                      <p:cBhvr>
+                                        <p:cTn id="53" dur="500"/>
+                                        <p:tgtEl>
+                                          <p:spTgt spid="8"/>
+                                        </p:tgtEl>
+                                      </p:cBhvr>
+                                    </p:animEffect>
+                                  </p:childTnLst>
+                                </p:cTn>
+                              </p:par>
+                              <p:par>
+                                <p:cTn id="54" presetID="10" presetClass="entr" presetSubtype="0" fill="hold" grpId="0" nodeType="withEffect">
+                                  <p:stCondLst>
+                                    <p:cond delay="0"/>
+                                  </p:stCondLst>
+                                  <p:childTnLst>
+                                    <p:set>
+                                      <p:cBhvr>
+                                        <p:cTn id="55" dur="1" fill="hold">
+                                          <p:stCondLst>
+                                            <p:cond delay="0"/>
+                                          </p:stCondLst>
+                                        </p:cTn>
+                                        <p:tgtEl>
+                                          <p:spTgt spid="12"/>
+                                        </p:tgtEl>
+                                        <p:attrNameLst>
+                                          <p:attrName>style.visibility</p:attrName>
+                                        </p:attrNameLst>
+                                      </p:cBhvr>
+                                      <p:to>
+                                        <p:strVal val="visible"/>
+                                      </p:to>
+                                    </p:set>
+                                    <p:animEffect transition="in" filter="fade">
+                                      <p:cBhvr>
+                                        <p:cTn id="56" dur="500"/>
+                                        <p:tgtEl>
+                                          <p:spTgt spid="12"/>
+                                        </p:tgtEl>
+                                      </p:cBhvr>
+                                    </p:animEffect>
+                                  </p:childTnLst>
+                                </p:cTn>
+                              </p:par>
+                            </p:childTnLst>
+                          </p:cTn>
+                        </p:par>
+                      </p:childTnLst>
+                    </p:cTn>
+                  </p:par>
+                </p:childTnLst>
+              </p:cTn>
+              <p:prevCondLst>
+                <p:cond evt="onPrev" delay="0">
+                  <p:tgtEl>
+                    <p:sldTgt/>
+                  </p:tgtEl>
+                </p:cond>
+              </p:prevCondLst>
+              <p:nextCondLst>
+                <p:cond evt="onNext" delay="0">
+                  <p:tgtEl>
+                    <p:sldTgt/>
+                  </p:tgtEl>
+                </p:cond>
+              </p:nextCondLst>
+            </p:seq>
+          </p:childTnLst>
+        </p:cTn>
+      </p:par>
+    </p:tnLst>
+    <p:bldLst>
+      <p:bldP spid="22" grpId="0" animBg="1"/>
+      <p:bldP spid="12" grpId="0" animBg="1"/>
+      <p:bldP spid="13" grpId="0" animBg="1"/>
+      <p:bldP spid="19" grpId="0"/>
+      <p:bldP spid="20" grpId="0"/>
+      <p:bldP spid="20" grpId="1"/>
+      <p:bldP spid="21" grpId="0" animBg="1"/>
+      <p:bldP spid="24" grpId="0"/>
+      <p:bldP spid="28" grpId="0" animBg="1"/>
+      <p:bldP spid="29" grpId="0"/>
+    </p:bldLst>
+  </p:timing>
+</p:sld>
+</file>
+
+<file path=ppt/slides/slide11.xml><?xml version="1.0" encoding="utf-8"?>
+<p:sld xmlns:a="http://schemas.openxmlformats.org/drawingml/2006/main" xmlns:r="http://schemas.openxmlformats.org/officeDocument/2006/relationships" xmlns:p="http://schemas.openxmlformats.org/presentationml/2006/main">
+  <p:cSld>
+    <p:spTree>
+      <p:nvGrpSpPr>
+        <p:cNvPr id="1" name=""/>
+        <p:cNvGrpSpPr/>
+        <p:nvPr/>
+      </p:nvGrpSpPr>
+      <p:grpSpPr>
+        <a:xfrm>
+          <a:off x="0" y="0"/>
+          <a:ext cx="0" cy="0"/>
+          <a:chOff x="0" y="0"/>
+          <a:chExt cx="0" cy="0"/>
+        </a:xfrm>
+      </p:grpSpPr>
+      <p:sp>
+        <p:nvSpPr>
           <p:cNvPr id="2" name="Title 1"/>
           <p:cNvSpPr>
             <a:spLocks noGrp="1"/>
@@ -3229,7 +5348,11 @@
           <a:p>
             <a:r>
               <a:rPr lang="en-US" dirty="0" smtClean="0"/>
-              <a:t>Integrator driven</a:t>
+              <a:t>Suffix </a:t>
+            </a:r>
+            <a:r>
+              <a:rPr lang="en-US" dirty="0" smtClean="0"/>
+              <a:t>proxy vs. web proxy</a:t>
             </a:r>
             <a:endParaRPr lang="en-US" dirty="0"/>
           </a:p>
@@ -3273,7 +5396,77 @@
           <a:bodyPr/>
           <a:lstStyle/>
           <a:p>
-            <a:endParaRPr lang="en-US"/>
+            <a:r>
+              <a:rPr lang="en-US" dirty="0" smtClean="0"/>
+              <a:t>Not intrusive to the browser</a:t>
+            </a:r>
+            <a:endParaRPr lang="en-US" dirty="0"/>
+          </a:p>
+          <a:p>
+            <a:pPr lvl="1"/>
+            <a:r>
+              <a:rPr lang="en-US" dirty="0"/>
+              <a:t>No </a:t>
+            </a:r>
+            <a:r>
+              <a:rPr lang="en-US" dirty="0" smtClean="0"/>
+              <a:t>modification</a:t>
+            </a:r>
+            <a:endParaRPr lang="en-US" dirty="0"/>
+          </a:p>
+          <a:p>
+            <a:pPr lvl="1"/>
+            <a:r>
+              <a:rPr lang="en-US" dirty="0" smtClean="0"/>
+              <a:t>No configuration</a:t>
+            </a:r>
+          </a:p>
+          <a:p>
+            <a:r>
+              <a:rPr lang="en-US" dirty="0" smtClean="0"/>
+              <a:t>Resource specific </a:t>
+            </a:r>
+            <a:r>
+              <a:rPr lang="en-US" dirty="0" err="1" smtClean="0"/>
+              <a:t>proxying</a:t>
+            </a:r>
+            <a:endParaRPr lang="en-US" dirty="0" smtClean="0"/>
+          </a:p>
+          <a:p>
+            <a:pPr lvl="1"/>
+            <a:r>
+              <a:rPr lang="en-US" dirty="0" smtClean="0"/>
+              <a:t>Reduced load</a:t>
+            </a:r>
+          </a:p>
+          <a:p>
+            <a:pPr lvl="1"/>
+            <a:r>
+              <a:rPr lang="en-US" dirty="0" smtClean="0"/>
+              <a:t>Decreased overhead</a:t>
+            </a:r>
+          </a:p>
+          <a:p>
+            <a:r>
+              <a:rPr lang="en-US" dirty="0" smtClean="0"/>
+              <a:t>Separation between </a:t>
+            </a:r>
+            <a:r>
+              <a:rPr lang="en-US" dirty="0" err="1" smtClean="0"/>
+              <a:t>proxied</a:t>
+            </a:r>
+            <a:r>
+              <a:rPr lang="en-US" dirty="0" smtClean="0"/>
+              <a:t> and </a:t>
+            </a:r>
+            <a:r>
+              <a:rPr lang="en-US" dirty="0" err="1" smtClean="0"/>
+              <a:t>unproxied</a:t>
+            </a:r>
+            <a:r>
+              <a:rPr lang="en-US" dirty="0" smtClean="0"/>
+              <a:t> origins</a:t>
+            </a:r>
           </a:p>
         </p:txBody>
       </p:sp>
@@ -3315,7 +5508,1025 @@
           <a:bodyPr/>
           <a:lstStyle/>
           <a:p>
+            <a:r>
+              <a:rPr lang="en-US" dirty="0" smtClean="0"/>
+              <a:t>Even more intrusive to HTML</a:t>
+            </a:r>
+          </a:p>
+          <a:p>
+            <a:r>
+              <a:rPr lang="en-US" dirty="0"/>
+              <a:t>Failing to identify JavaScript compromises the monitor</a:t>
+            </a:r>
+          </a:p>
+          <a:p>
+            <a:r>
+              <a:rPr lang="en-US" dirty="0"/>
+              <a:t>Special considerations required for </a:t>
+            </a:r>
+            <a:r>
+              <a:rPr lang="en-US" dirty="0" smtClean="0"/>
+              <a:t>HTTPS</a:t>
+            </a:r>
+            <a:endParaRPr lang="en-US" dirty="0"/>
+          </a:p>
+        </p:txBody>
+      </p:sp>
+    </p:spTree>
+    <p:extLst>
+      <p:ext uri="{BB962C8B-B14F-4D97-AF65-F5344CB8AC3E}">
+        <p14:creationId xmlns:p14="http://schemas.microsoft.com/office/powerpoint/2010/main" val="958856248"/>
+      </p:ext>
+    </p:extLst>
+  </p:cSld>
+  <p:clrMapOvr>
+    <a:masterClrMapping/>
+  </p:clrMapOvr>
+  <p:timing>
+    <p:tnLst>
+      <p:par>
+        <p:cTn id="1" dur="indefinite" restart="never" nodeType="tmRoot"/>
+      </p:par>
+    </p:tnLst>
+  </p:timing>
+</p:sld>
+</file>
+
+<file path=ppt/slides/slide12.xml><?xml version="1.0" encoding="utf-8"?>
+<p:sld xmlns:a="http://schemas.openxmlformats.org/drawingml/2006/main" xmlns:r="http://schemas.openxmlformats.org/officeDocument/2006/relationships" xmlns:p="http://schemas.openxmlformats.org/presentationml/2006/main">
+  <p:cSld>
+    <p:spTree>
+      <p:nvGrpSpPr>
+        <p:cNvPr id="1" name=""/>
+        <p:cNvGrpSpPr/>
+        <p:nvPr/>
+      </p:nvGrpSpPr>
+      <p:grpSpPr>
+        <a:xfrm>
+          <a:off x="0" y="0"/>
+          <a:ext cx="0" cy="0"/>
+          <a:chOff x="0" y="0"/>
+          <a:chExt cx="0" cy="0"/>
+        </a:xfrm>
+      </p:grpSpPr>
+      <p:sp>
+        <p:nvSpPr>
+          <p:cNvPr id="7" name="Title 6"/>
+          <p:cNvSpPr>
+            <a:spLocks noGrp="1"/>
+          </p:cNvSpPr>
+          <p:nvPr>
+            <p:ph type="title"/>
+          </p:nvPr>
+        </p:nvSpPr>
+        <p:spPr/>
+        <p:txBody>
+          <a:bodyPr/>
+          <a:lstStyle/>
+          <a:p>
+            <a:r>
+              <a:rPr lang="en-US" dirty="0" smtClean="0"/>
+              <a:t>Integrator driven</a:t>
+            </a:r>
+            <a:endParaRPr lang="en-US" dirty="0"/>
+          </a:p>
+        </p:txBody>
+      </p:sp>
+      <p:pic>
+        <p:nvPicPr>
+          <p:cNvPr id="10" name="Picture 7"/>
+          <p:cNvPicPr>
+            <a:picLocks noChangeAspect="1" noChangeArrowheads="1"/>
+          </p:cNvPicPr>
+          <p:nvPr/>
+        </p:nvPicPr>
+        <p:blipFill>
+          <a:blip r:embed="rId2">
+            <a:extLst>
+              <a:ext uri="{28A0092B-C50C-407E-A947-70E740481C1C}">
+                <a14:useLocalDpi xmlns:a14="http://schemas.microsoft.com/office/drawing/2010/main" val="0"/>
+              </a:ext>
+            </a:extLst>
+          </a:blip>
+          <a:srcRect/>
+          <a:stretch>
+            <a:fillRect/>
+          </a:stretch>
+        </p:blipFill>
+        <p:spPr bwMode="auto">
+          <a:xfrm>
+            <a:off x="4340767" y="2714602"/>
+            <a:ext cx="678490" cy="380998"/>
+          </a:xfrm>
+          <a:prstGeom prst="rect">
+            <a:avLst/>
+          </a:prstGeom>
+          <a:noFill/>
+          <a:ln>
+            <a:noFill/>
+          </a:ln>
+          <a:extLst>
+            <a:ext uri="{909E8E84-426E-40DD-AFC4-6F175D3DCCD1}">
+              <a14:hiddenFill xmlns:a14="http://schemas.microsoft.com/office/drawing/2010/main">
+                <a:solidFill>
+                  <a:schemeClr val="accent1"/>
+                </a:solidFill>
+              </a14:hiddenFill>
+            </a:ext>
+            <a:ext uri="{91240B29-F687-4F45-9708-019B960494DF}">
+              <a14:hiddenLine xmlns:a14="http://schemas.microsoft.com/office/drawing/2010/main" w="9525">
+                <a:solidFill>
+                  <a:schemeClr val="tx1"/>
+                </a:solidFill>
+                <a:miter lim="800000"/>
+                <a:headEnd/>
+                <a:tailEnd/>
+              </a14:hiddenLine>
+            </a:ext>
+          </a:extLst>
+        </p:spPr>
+      </p:pic>
+      <p:pic>
+        <p:nvPicPr>
+          <p:cNvPr id="11" name="Picture 10"/>
+          <p:cNvPicPr>
+            <a:picLocks noChangeAspect="1" noChangeArrowheads="1"/>
+          </p:cNvPicPr>
+          <p:nvPr/>
+        </p:nvPicPr>
+        <p:blipFill>
+          <a:blip r:embed="rId3" cstate="print">
+            <a:extLst>
+              <a:ext uri="{28A0092B-C50C-407E-A947-70E740481C1C}">
+                <a14:useLocalDpi xmlns:a14="http://schemas.microsoft.com/office/drawing/2010/main" val="0"/>
+              </a:ext>
+            </a:extLst>
+          </a:blip>
+          <a:srcRect/>
+          <a:stretch>
+            <a:fillRect/>
+          </a:stretch>
+        </p:blipFill>
+        <p:spPr bwMode="auto">
+          <a:xfrm>
+            <a:off x="3770068" y="5082014"/>
+            <a:ext cx="1819888" cy="1323226"/>
+          </a:xfrm>
+          <a:prstGeom prst="rect">
+            <a:avLst/>
+          </a:prstGeom>
+          <a:noFill/>
+          <a:ln>
+            <a:noFill/>
+          </a:ln>
+          <a:effectLst>
+            <a:outerShdw blurRad="50800" dist="38100" dir="2700000" algn="tl" rotWithShape="0">
+              <a:prstClr val="black">
+                <a:alpha val="15000"/>
+              </a:prstClr>
+            </a:outerShdw>
+          </a:effectLst>
+          <a:extLst>
+            <a:ext uri="{909E8E84-426E-40DD-AFC4-6F175D3DCCD1}">
+              <a14:hiddenFill xmlns:a14="http://schemas.microsoft.com/office/drawing/2010/main">
+                <a:solidFill>
+                  <a:schemeClr val="accent1"/>
+                </a:solidFill>
+              </a14:hiddenFill>
+            </a:ext>
+            <a:ext uri="{91240B29-F687-4F45-9708-019B960494DF}">
+              <a14:hiddenLine xmlns:a14="http://schemas.microsoft.com/office/drawing/2010/main" w="9525">
+                <a:solidFill>
+                  <a:schemeClr val="tx1"/>
+                </a:solidFill>
+                <a:miter lim="800000"/>
+                <a:headEnd/>
+                <a:tailEnd/>
+              </a14:hiddenLine>
+            </a:ext>
+          </a:extLst>
+        </p:spPr>
+      </p:pic>
+      <p:sp>
+        <p:nvSpPr>
+          <p:cNvPr id="12" name="Up-Down Arrow 11"/>
+          <p:cNvSpPr/>
+          <p:nvPr/>
+        </p:nvSpPr>
+        <p:spPr>
+          <a:xfrm>
+            <a:off x="4489512" y="3284980"/>
+            <a:ext cx="381000" cy="1705000"/>
+          </a:xfrm>
+          <a:prstGeom prst="upDownArrow">
+            <a:avLst/>
+          </a:prstGeom>
+        </p:spPr>
+        <p:style>
+          <a:lnRef idx="1">
+            <a:schemeClr val="accent3"/>
+          </a:lnRef>
+          <a:fillRef idx="3">
+            <a:schemeClr val="accent3"/>
+          </a:fillRef>
+          <a:effectRef idx="2">
+            <a:schemeClr val="accent3"/>
+          </a:effectRef>
+          <a:fontRef idx="minor">
+            <a:schemeClr val="lt1"/>
+          </a:fontRef>
+        </p:style>
+        <p:txBody>
+          <a:bodyPr rtlCol="0" anchor="ctr"/>
+          <a:lstStyle/>
+          <a:p>
+            <a:pPr algn="ctr"/>
             <a:endParaRPr lang="en-US"/>
+          </a:p>
+        </p:txBody>
+      </p:sp>
+      <p:pic>
+        <p:nvPicPr>
+          <p:cNvPr id="15" name="Picture 4" descr="http://www.userlogos.org/files/logos/macleod.mac/server.png"/>
+          <p:cNvPicPr>
+            <a:picLocks noChangeAspect="1" noChangeArrowheads="1"/>
+          </p:cNvPicPr>
+          <p:nvPr/>
+        </p:nvPicPr>
+        <p:blipFill>
+          <a:blip r:embed="rId4">
+            <a:extLst>
+              <a:ext uri="{28A0092B-C50C-407E-A947-70E740481C1C}">
+                <a14:useLocalDpi xmlns:a14="http://schemas.microsoft.com/office/drawing/2010/main" val="0"/>
+              </a:ext>
+            </a:extLst>
+          </a:blip>
+          <a:srcRect/>
+          <a:stretch>
+            <a:fillRect/>
+          </a:stretch>
+        </p:blipFill>
+        <p:spPr bwMode="auto">
+          <a:xfrm>
+            <a:off x="3849261" y="1594932"/>
+            <a:ext cx="1662281" cy="1246711"/>
+          </a:xfrm>
+          <a:prstGeom prst="rect">
+            <a:avLst/>
+          </a:prstGeom>
+          <a:noFill/>
+          <a:scene3d>
+            <a:camera prst="orthographicFront">
+              <a:rot lat="0" lon="10800000" rev="0"/>
+            </a:camera>
+            <a:lightRig rig="threePt" dir="t"/>
+          </a:scene3d>
+          <a:extLst>
+            <a:ext uri="{909E8E84-426E-40DD-AFC4-6F175D3DCCD1}">
+              <a14:hiddenFill xmlns:a14="http://schemas.microsoft.com/office/drawing/2010/main">
+                <a:solidFill>
+                  <a:srgbClr val="FFFFFF"/>
+                </a:solidFill>
+              </a14:hiddenFill>
+            </a:ext>
+          </a:extLst>
+        </p:spPr>
+      </p:pic>
+      <p:pic>
+        <p:nvPicPr>
+          <p:cNvPr id="16" name="Picture 15" descr="google_logo.png"/>
+          <p:cNvPicPr>
+            <a:picLocks noChangeAspect="1"/>
+          </p:cNvPicPr>
+          <p:nvPr/>
+        </p:nvPicPr>
+        <p:blipFill>
+          <a:blip r:embed="rId5" cstate="print"/>
+          <a:srcRect l="13576" r="13576" b="86594"/>
+          <a:stretch>
+            <a:fillRect/>
+          </a:stretch>
+        </p:blipFill>
+        <p:spPr>
+          <a:xfrm>
+            <a:off x="2132790" y="2663552"/>
+            <a:ext cx="1361851" cy="432048"/>
+          </a:xfrm>
+          <a:prstGeom prst="rect">
+            <a:avLst/>
+          </a:prstGeom>
+          <a:effectLst/>
+        </p:spPr>
+      </p:pic>
+      <p:sp>
+        <p:nvSpPr>
+          <p:cNvPr id="17" name="Curved Left Arrow 16"/>
+          <p:cNvSpPr/>
+          <p:nvPr/>
+        </p:nvSpPr>
+        <p:spPr>
+          <a:xfrm rot="8811858">
+            <a:off x="2109125" y="3153472"/>
+            <a:ext cx="750878" cy="2492769"/>
+          </a:xfrm>
+          <a:prstGeom prst="curvedLeftArrow">
+            <a:avLst/>
+          </a:prstGeom>
+        </p:spPr>
+        <p:style>
+          <a:lnRef idx="1">
+            <a:schemeClr val="accent3"/>
+          </a:lnRef>
+          <a:fillRef idx="3">
+            <a:schemeClr val="accent3"/>
+          </a:fillRef>
+          <a:effectRef idx="2">
+            <a:schemeClr val="accent3"/>
+          </a:effectRef>
+          <a:fontRef idx="minor">
+            <a:schemeClr val="lt1"/>
+          </a:fontRef>
+        </p:style>
+        <p:txBody>
+          <a:bodyPr rtlCol="0" anchor="ctr"/>
+          <a:lstStyle/>
+          <a:p>
+            <a:pPr algn="ctr"/>
+            <a:endParaRPr lang="en-US">
+              <a:solidFill>
+                <a:schemeClr val="tx1"/>
+              </a:solidFill>
+            </a:endParaRPr>
+          </a:p>
+        </p:txBody>
+      </p:sp>
+      <p:pic>
+        <p:nvPicPr>
+          <p:cNvPr id="13" name="Picture 4" descr="http://www.userlogos.org/files/logos/macleod.mac/server.png"/>
+          <p:cNvPicPr>
+            <a:picLocks noChangeAspect="1" noChangeArrowheads="1"/>
+          </p:cNvPicPr>
+          <p:nvPr/>
+        </p:nvPicPr>
+        <p:blipFill>
+          <a:blip r:embed="rId6" cstate="print">
+            <a:extLst>
+              <a:ext uri="{28A0092B-C50C-407E-A947-70E740481C1C}">
+                <a14:useLocalDpi xmlns:a14="http://schemas.microsoft.com/office/drawing/2010/main" val="0"/>
+              </a:ext>
+            </a:extLst>
+          </a:blip>
+          <a:srcRect/>
+          <a:stretch>
+            <a:fillRect/>
+          </a:stretch>
+        </p:blipFill>
+        <p:spPr bwMode="auto">
+          <a:xfrm>
+            <a:off x="1590359" y="4270931"/>
+            <a:ext cx="1223356" cy="917517"/>
+          </a:xfrm>
+          <a:prstGeom prst="rect">
+            <a:avLst/>
+          </a:prstGeom>
+          <a:noFill/>
+          <a:scene3d>
+            <a:camera prst="orthographicFront">
+              <a:rot lat="0" lon="10800000" rev="0"/>
+            </a:camera>
+            <a:lightRig rig="threePt" dir="t"/>
+          </a:scene3d>
+          <a:extLst>
+            <a:ext uri="{909E8E84-426E-40DD-AFC4-6F175D3DCCD1}">
+              <a14:hiddenFill xmlns:a14="http://schemas.microsoft.com/office/drawing/2010/main">
+                <a:solidFill>
+                  <a:srgbClr val="FFFFFF"/>
+                </a:solidFill>
+              </a14:hiddenFill>
+            </a:ext>
+          </a:extLst>
+        </p:spPr>
+      </p:pic>
+      <p:pic>
+        <p:nvPicPr>
+          <p:cNvPr id="18" name="Picture 2" descr="http://c.dryicons.com/images/icon_sets/coquette_part_5_icons_set/png/128x128/js_file.png"/>
+          <p:cNvPicPr>
+            <a:picLocks noChangeAspect="1" noChangeArrowheads="1"/>
+          </p:cNvPicPr>
+          <p:nvPr/>
+        </p:nvPicPr>
+        <p:blipFill>
+          <a:blip r:embed="rId7">
+            <a:extLst>
+              <a:ext uri="{28A0092B-C50C-407E-A947-70E740481C1C}">
+                <a14:useLocalDpi xmlns:a14="http://schemas.microsoft.com/office/drawing/2010/main" val="0"/>
+              </a:ext>
+            </a:extLst>
+          </a:blip>
+          <a:srcRect/>
+          <a:stretch>
+            <a:fillRect/>
+          </a:stretch>
+        </p:blipFill>
+        <p:spPr bwMode="auto">
+          <a:xfrm>
+            <a:off x="1971621" y="5307960"/>
+            <a:ext cx="904932" cy="904932"/>
+          </a:xfrm>
+          <a:prstGeom prst="rect">
+            <a:avLst/>
+          </a:prstGeom>
+          <a:noFill/>
+          <a:extLst>
+            <a:ext uri="{909E8E84-426E-40DD-AFC4-6F175D3DCCD1}">
+              <a14:hiddenFill xmlns:a14="http://schemas.microsoft.com/office/drawing/2010/main">
+                <a:solidFill>
+                  <a:srgbClr val="FFFFFF"/>
+                </a:solidFill>
+              </a14:hiddenFill>
+            </a:ext>
+          </a:extLst>
+        </p:spPr>
+      </p:pic>
+      <p:pic>
+        <p:nvPicPr>
+          <p:cNvPr id="14" name="Picture 4" descr="http://www.userlogos.org/files/logos/macleod.mac/server.png"/>
+          <p:cNvPicPr>
+            <a:picLocks noChangeAspect="1" noChangeArrowheads="1"/>
+          </p:cNvPicPr>
+          <p:nvPr/>
+        </p:nvPicPr>
+        <p:blipFill>
+          <a:blip r:embed="rId4">
+            <a:extLst>
+              <a:ext uri="{28A0092B-C50C-407E-A947-70E740481C1C}">
+                <a14:useLocalDpi xmlns:a14="http://schemas.microsoft.com/office/drawing/2010/main" val="0"/>
+              </a:ext>
+            </a:extLst>
+          </a:blip>
+          <a:srcRect/>
+          <a:stretch>
+            <a:fillRect/>
+          </a:stretch>
+        </p:blipFill>
+        <p:spPr bwMode="auto">
+          <a:xfrm>
+            <a:off x="1971621" y="1604412"/>
+            <a:ext cx="1662281" cy="1246711"/>
+          </a:xfrm>
+          <a:prstGeom prst="rect">
+            <a:avLst/>
+          </a:prstGeom>
+          <a:noFill/>
+          <a:scene3d>
+            <a:camera prst="orthographicFront">
+              <a:rot lat="0" lon="10800000" rev="0"/>
+            </a:camera>
+            <a:lightRig rig="threePt" dir="t"/>
+          </a:scene3d>
+          <a:extLst>
+            <a:ext uri="{909E8E84-426E-40DD-AFC4-6F175D3DCCD1}">
+              <a14:hiddenFill xmlns:a14="http://schemas.microsoft.com/office/drawing/2010/main">
+                <a:solidFill>
+                  <a:srgbClr val="FFFFFF"/>
+                </a:solidFill>
+              </a14:hiddenFill>
+            </a:ext>
+          </a:extLst>
+        </p:spPr>
+      </p:pic>
+      <p:pic>
+        <p:nvPicPr>
+          <p:cNvPr id="19" name="Picture 2" descr="http://a.dryicons.com/images/icon_sets/coquette_part_5_icons_set/png/128x128/html_file.png"/>
+          <p:cNvPicPr>
+            <a:picLocks noChangeAspect="1" noChangeArrowheads="1"/>
+          </p:cNvPicPr>
+          <p:nvPr/>
+        </p:nvPicPr>
+        <p:blipFill>
+          <a:blip r:embed="rId8" cstate="print">
+            <a:extLst>
+              <a:ext uri="{28A0092B-C50C-407E-A947-70E740481C1C}">
+                <a14:useLocalDpi xmlns:a14="http://schemas.microsoft.com/office/drawing/2010/main" val="0"/>
+              </a:ext>
+            </a:extLst>
+          </a:blip>
+          <a:srcRect/>
+          <a:stretch>
+            <a:fillRect/>
+          </a:stretch>
+        </p:blipFill>
+        <p:spPr bwMode="auto">
+          <a:xfrm>
+            <a:off x="4990479" y="2820665"/>
+            <a:ext cx="1193790" cy="1193792"/>
+          </a:xfrm>
+          <a:prstGeom prst="rect">
+            <a:avLst/>
+          </a:prstGeom>
+          <a:noFill/>
+          <a:extLst>
+            <a:ext uri="{909E8E84-426E-40DD-AFC4-6F175D3DCCD1}">
+              <a14:hiddenFill xmlns:a14="http://schemas.microsoft.com/office/drawing/2010/main">
+                <a:solidFill>
+                  <a:srgbClr val="FFFFFF"/>
+                </a:solidFill>
+              </a14:hiddenFill>
+            </a:ext>
+          </a:extLst>
+        </p:spPr>
+      </p:pic>
+      <p:pic>
+        <p:nvPicPr>
+          <p:cNvPr id="20" name="Picture 11" descr="http://audienceinnovation.com/images/icons/do-training-cogwheel-icon-300x297-gray.gif"/>
+          <p:cNvPicPr>
+            <a:picLocks noChangeAspect="1" noChangeArrowheads="1"/>
+          </p:cNvPicPr>
+          <p:nvPr/>
+        </p:nvPicPr>
+        <p:blipFill>
+          <a:blip r:embed="rId9" cstate="print">
+            <a:extLst>
+              <a:ext uri="{28A0092B-C50C-407E-A947-70E740481C1C}">
+                <a14:useLocalDpi xmlns:a14="http://schemas.microsoft.com/office/drawing/2010/main" val="0"/>
+              </a:ext>
+            </a:extLst>
+          </a:blip>
+          <a:srcRect/>
+          <a:stretch>
+            <a:fillRect/>
+          </a:stretch>
+        </p:blipFill>
+        <p:spPr bwMode="auto">
+          <a:xfrm>
+            <a:off x="5149686" y="2703352"/>
+            <a:ext cx="491881" cy="486963"/>
+          </a:xfrm>
+          <a:prstGeom prst="rect">
+            <a:avLst/>
+          </a:prstGeom>
+          <a:noFill/>
+        </p:spPr>
+      </p:pic>
+      <p:sp>
+        <p:nvSpPr>
+          <p:cNvPr id="21" name="TextBox 20"/>
+          <p:cNvSpPr txBox="1"/>
+          <p:nvPr/>
+        </p:nvSpPr>
+        <p:spPr>
+          <a:xfrm>
+            <a:off x="704643" y="5572528"/>
+            <a:ext cx="2477601" cy="461665"/>
+          </a:xfrm>
+          <a:prstGeom prst="rect">
+            <a:avLst/>
+          </a:prstGeom>
+          <a:noFill/>
+        </p:spPr>
+        <p:txBody>
+          <a:bodyPr wrap="none" rtlCol="0">
+            <a:spAutoFit/>
+          </a:bodyPr>
+          <a:lstStyle/>
+          <a:p>
+            <a:r>
+              <a:rPr lang="en-US" sz="2400" dirty="0" smtClean="0"/>
+              <a:t>.evaluate(             )</a:t>
+            </a:r>
+            <a:endParaRPr lang="en-US" sz="2400" dirty="0"/>
+          </a:p>
+        </p:txBody>
+      </p:sp>
+      <p:pic>
+        <p:nvPicPr>
+          <p:cNvPr id="22" name="Picture 11" descr="http://audienceinnovation.com/images/icons/do-training-cogwheel-icon-300x297-gray.gif"/>
+          <p:cNvPicPr>
+            <a:picLocks noChangeAspect="1" noChangeArrowheads="1"/>
+          </p:cNvPicPr>
+          <p:nvPr/>
+        </p:nvPicPr>
+        <p:blipFill>
+          <a:blip r:embed="rId9" cstate="print">
+            <a:extLst>
+              <a:ext uri="{28A0092B-C50C-407E-A947-70E740481C1C}">
+                <a14:useLocalDpi xmlns:a14="http://schemas.microsoft.com/office/drawing/2010/main" val="0"/>
+              </a:ext>
+            </a:extLst>
+          </a:blip>
+          <a:srcRect/>
+          <a:stretch>
+            <a:fillRect/>
+          </a:stretch>
+        </p:blipFill>
+        <p:spPr bwMode="auto">
+          <a:xfrm>
+            <a:off x="237634" y="5529596"/>
+            <a:ext cx="553062" cy="547532"/>
+          </a:xfrm>
+          <a:prstGeom prst="rect">
+            <a:avLst/>
+          </a:prstGeom>
+          <a:noFill/>
+        </p:spPr>
+      </p:pic>
+    </p:spTree>
+    <p:extLst>
+      <p:ext uri="{BB962C8B-B14F-4D97-AF65-F5344CB8AC3E}">
+        <p14:creationId xmlns:p14="http://schemas.microsoft.com/office/powerpoint/2010/main" val="1427360313"/>
+      </p:ext>
+    </p:extLst>
+  </p:cSld>
+  <p:clrMapOvr>
+    <a:masterClrMapping/>
+  </p:clrMapOvr>
+  <p:timing>
+    <p:tnLst>
+      <p:par>
+        <p:cTn id="1" dur="indefinite" restart="never" nodeType="tmRoot">
+          <p:childTnLst>
+            <p:seq concurrent="1" nextAc="seek">
+              <p:cTn id="2" dur="indefinite" nodeType="mainSeq">
+                <p:childTnLst>
+                  <p:par>
+                    <p:cTn id="3" fill="hold">
+                      <p:stCondLst>
+                        <p:cond delay="indefinite"/>
+                      </p:stCondLst>
+                      <p:childTnLst>
+                        <p:par>
+                          <p:cTn id="4" fill="hold">
+                            <p:stCondLst>
+                              <p:cond delay="0"/>
+                            </p:stCondLst>
+                            <p:childTnLst>
+                              <p:par>
+                                <p:cTn id="5" presetID="10" presetClass="entr" presetSubtype="0" fill="hold" grpId="0" nodeType="clickEffect">
+                                  <p:stCondLst>
+                                    <p:cond delay="0"/>
+                                  </p:stCondLst>
+                                  <p:childTnLst>
+                                    <p:set>
+                                      <p:cBhvr>
+                                        <p:cTn id="6" dur="1" fill="hold">
+                                          <p:stCondLst>
+                                            <p:cond delay="0"/>
+                                          </p:stCondLst>
+                                        </p:cTn>
+                                        <p:tgtEl>
+                                          <p:spTgt spid="17"/>
+                                        </p:tgtEl>
+                                        <p:attrNameLst>
+                                          <p:attrName>style.visibility</p:attrName>
+                                        </p:attrNameLst>
+                                      </p:cBhvr>
+                                      <p:to>
+                                        <p:strVal val="visible"/>
+                                      </p:to>
+                                    </p:set>
+                                    <p:animEffect transition="in" filter="fade">
+                                      <p:cBhvr>
+                                        <p:cTn id="7" dur="500"/>
+                                        <p:tgtEl>
+                                          <p:spTgt spid="17"/>
+                                        </p:tgtEl>
+                                      </p:cBhvr>
+                                    </p:animEffect>
+                                  </p:childTnLst>
+                                </p:cTn>
+                              </p:par>
+                              <p:par>
+                                <p:cTn id="8" presetID="10" presetClass="entr" presetSubtype="0" fill="hold" nodeType="withEffect">
+                                  <p:stCondLst>
+                                    <p:cond delay="0"/>
+                                  </p:stCondLst>
+                                  <p:childTnLst>
+                                    <p:set>
+                                      <p:cBhvr>
+                                        <p:cTn id="9" dur="1" fill="hold">
+                                          <p:stCondLst>
+                                            <p:cond delay="0"/>
+                                          </p:stCondLst>
+                                        </p:cTn>
+                                        <p:tgtEl>
+                                          <p:spTgt spid="18"/>
+                                        </p:tgtEl>
+                                        <p:attrNameLst>
+                                          <p:attrName>style.visibility</p:attrName>
+                                        </p:attrNameLst>
+                                      </p:cBhvr>
+                                      <p:to>
+                                        <p:strVal val="visible"/>
+                                      </p:to>
+                                    </p:set>
+                                    <p:animEffect transition="in" filter="fade">
+                                      <p:cBhvr>
+                                        <p:cTn id="10" dur="500"/>
+                                        <p:tgtEl>
+                                          <p:spTgt spid="18"/>
+                                        </p:tgtEl>
+                                      </p:cBhvr>
+                                    </p:animEffect>
+                                  </p:childTnLst>
+                                </p:cTn>
+                              </p:par>
+                            </p:childTnLst>
+                          </p:cTn>
+                        </p:par>
+                      </p:childTnLst>
+                    </p:cTn>
+                  </p:par>
+                  <p:par>
+                    <p:cTn id="11" fill="hold">
+                      <p:stCondLst>
+                        <p:cond delay="indefinite"/>
+                      </p:stCondLst>
+                      <p:childTnLst>
+                        <p:par>
+                          <p:cTn id="12" fill="hold">
+                            <p:stCondLst>
+                              <p:cond delay="0"/>
+                            </p:stCondLst>
+                            <p:childTnLst>
+                              <p:par>
+                                <p:cTn id="13" presetID="10" presetClass="entr" presetSubtype="0" fill="hold" grpId="0" nodeType="clickEffect">
+                                  <p:stCondLst>
+                                    <p:cond delay="0"/>
+                                  </p:stCondLst>
+                                  <p:childTnLst>
+                                    <p:set>
+                                      <p:cBhvr>
+                                        <p:cTn id="14" dur="1" fill="hold">
+                                          <p:stCondLst>
+                                            <p:cond delay="0"/>
+                                          </p:stCondLst>
+                                        </p:cTn>
+                                        <p:tgtEl>
+                                          <p:spTgt spid="21"/>
+                                        </p:tgtEl>
+                                        <p:attrNameLst>
+                                          <p:attrName>style.visibility</p:attrName>
+                                        </p:attrNameLst>
+                                      </p:cBhvr>
+                                      <p:to>
+                                        <p:strVal val="visible"/>
+                                      </p:to>
+                                    </p:set>
+                                    <p:animEffect transition="in" filter="fade">
+                                      <p:cBhvr>
+                                        <p:cTn id="15" dur="500"/>
+                                        <p:tgtEl>
+                                          <p:spTgt spid="21"/>
+                                        </p:tgtEl>
+                                      </p:cBhvr>
+                                    </p:animEffect>
+                                  </p:childTnLst>
+                                </p:cTn>
+                              </p:par>
+                              <p:par>
+                                <p:cTn id="16" presetID="10" presetClass="entr" presetSubtype="0" fill="hold" nodeType="withEffect">
+                                  <p:stCondLst>
+                                    <p:cond delay="0"/>
+                                  </p:stCondLst>
+                                  <p:childTnLst>
+                                    <p:set>
+                                      <p:cBhvr>
+                                        <p:cTn id="17" dur="1" fill="hold">
+                                          <p:stCondLst>
+                                            <p:cond delay="0"/>
+                                          </p:stCondLst>
+                                        </p:cTn>
+                                        <p:tgtEl>
+                                          <p:spTgt spid="22"/>
+                                        </p:tgtEl>
+                                        <p:attrNameLst>
+                                          <p:attrName>style.visibility</p:attrName>
+                                        </p:attrNameLst>
+                                      </p:cBhvr>
+                                      <p:to>
+                                        <p:strVal val="visible"/>
+                                      </p:to>
+                                    </p:set>
+                                    <p:animEffect transition="in" filter="fade">
+                                      <p:cBhvr>
+                                        <p:cTn id="18" dur="500"/>
+                                        <p:tgtEl>
+                                          <p:spTgt spid="22"/>
+                                        </p:tgtEl>
+                                      </p:cBhvr>
+                                    </p:animEffect>
+                                  </p:childTnLst>
+                                </p:cTn>
+                              </p:par>
+                            </p:childTnLst>
+                          </p:cTn>
+                        </p:par>
+                      </p:childTnLst>
+                    </p:cTn>
+                  </p:par>
+                </p:childTnLst>
+              </p:cTn>
+              <p:prevCondLst>
+                <p:cond evt="onPrev" delay="0">
+                  <p:tgtEl>
+                    <p:sldTgt/>
+                  </p:tgtEl>
+                </p:cond>
+              </p:prevCondLst>
+              <p:nextCondLst>
+                <p:cond evt="onNext" delay="0">
+                  <p:tgtEl>
+                    <p:sldTgt/>
+                  </p:tgtEl>
+                </p:cond>
+              </p:nextCondLst>
+            </p:seq>
+          </p:childTnLst>
+        </p:cTn>
+      </p:par>
+    </p:tnLst>
+    <p:bldLst>
+      <p:bldP spid="17" grpId="0" animBg="1"/>
+      <p:bldP spid="21" grpId="0"/>
+    </p:bldLst>
+  </p:timing>
+</p:sld>
+</file>
+
+<file path=ppt/slides/slide13.xml><?xml version="1.0" encoding="utf-8"?>
+<p:sld xmlns:a="http://schemas.openxmlformats.org/drawingml/2006/main" xmlns:r="http://schemas.openxmlformats.org/officeDocument/2006/relationships" xmlns:p="http://schemas.openxmlformats.org/presentationml/2006/main">
+  <p:cSld>
+    <p:spTree>
+      <p:nvGrpSpPr>
+        <p:cNvPr id="1" name=""/>
+        <p:cNvGrpSpPr/>
+        <p:nvPr/>
+      </p:nvGrpSpPr>
+      <p:grpSpPr>
+        <a:xfrm>
+          <a:off x="0" y="0"/>
+          <a:ext cx="0" cy="0"/>
+          <a:chOff x="0" y="0"/>
+          <a:chExt cx="0" cy="0"/>
+        </a:xfrm>
+      </p:grpSpPr>
+      <p:sp>
+        <p:nvSpPr>
+          <p:cNvPr id="2" name="Title 1"/>
+          <p:cNvSpPr>
+            <a:spLocks noGrp="1"/>
+          </p:cNvSpPr>
+          <p:nvPr>
+            <p:ph type="title"/>
+          </p:nvPr>
+        </p:nvSpPr>
+        <p:spPr/>
+        <p:txBody>
+          <a:bodyPr/>
+          <a:lstStyle/>
+          <a:p>
+            <a:r>
+              <a:rPr lang="en-US" dirty="0" smtClean="0"/>
+              <a:t>Integrator </a:t>
+            </a:r>
+            <a:r>
+              <a:rPr lang="en-US" dirty="0" smtClean="0"/>
+              <a:t>driven vs. the rest</a:t>
+            </a:r>
+            <a:endParaRPr lang="en-US" dirty="0"/>
+          </a:p>
+        </p:txBody>
+      </p:sp>
+      <p:sp>
+        <p:nvSpPr>
+          <p:cNvPr id="4" name="Text Placeholder 3"/>
+          <p:cNvSpPr>
+            <a:spLocks noGrp="1"/>
+          </p:cNvSpPr>
+          <p:nvPr>
+            <p:ph type="body" idx="1"/>
+          </p:nvPr>
+        </p:nvSpPr>
+        <p:spPr/>
+        <p:txBody>
+          <a:bodyPr/>
+          <a:lstStyle/>
+          <a:p>
+            <a:r>
+              <a:rPr lang="en-US" dirty="0" smtClean="0"/>
+              <a:t>Pros</a:t>
+            </a:r>
+            <a:endParaRPr lang="en-US" dirty="0"/>
+          </a:p>
+        </p:txBody>
+      </p:sp>
+      <p:sp>
+        <p:nvSpPr>
+          <p:cNvPr id="5" name="Content Placeholder 4"/>
+          <p:cNvSpPr>
+            <a:spLocks noGrp="1"/>
+          </p:cNvSpPr>
+          <p:nvPr>
+            <p:ph sz="half" idx="2"/>
+          </p:nvPr>
+        </p:nvSpPr>
+        <p:spPr/>
+        <p:txBody>
+          <a:bodyPr/>
+          <a:lstStyle/>
+          <a:p>
+            <a:r>
+              <a:rPr lang="en-US" dirty="0" smtClean="0"/>
+              <a:t>Site specific policies</a:t>
+            </a:r>
+          </a:p>
+          <a:p>
+            <a:r>
+              <a:rPr lang="en-US" dirty="0" smtClean="0"/>
+              <a:t>Deliberately intrusive to HTML</a:t>
+            </a:r>
+            <a:endParaRPr lang="en-US" dirty="0"/>
+          </a:p>
+          <a:p>
+            <a:r>
+              <a:rPr lang="en-US" dirty="0" smtClean="0"/>
+              <a:t>Not intrusive to the browser</a:t>
+            </a:r>
+          </a:p>
+          <a:p>
+            <a:pPr lvl="1"/>
+            <a:r>
+              <a:rPr lang="en-US" dirty="0" smtClean="0"/>
+              <a:t>No modification</a:t>
+            </a:r>
+          </a:p>
+          <a:p>
+            <a:pPr lvl="1"/>
+            <a:r>
+              <a:rPr lang="en-US" dirty="0" smtClean="0"/>
+              <a:t>No configuration</a:t>
+            </a:r>
+          </a:p>
+          <a:p>
+            <a:r>
+              <a:rPr lang="en-US" dirty="0" smtClean="0"/>
+              <a:t>Transparent to the user</a:t>
+            </a:r>
+            <a:endParaRPr lang="en-US" dirty="0"/>
+          </a:p>
+        </p:txBody>
+      </p:sp>
+      <p:sp>
+        <p:nvSpPr>
+          <p:cNvPr id="6" name="Text Placeholder 5"/>
+          <p:cNvSpPr>
+            <a:spLocks noGrp="1"/>
+          </p:cNvSpPr>
+          <p:nvPr>
+            <p:ph type="body" sz="quarter" idx="3"/>
+          </p:nvPr>
+        </p:nvSpPr>
+        <p:spPr/>
+        <p:txBody>
+          <a:bodyPr/>
+          <a:lstStyle/>
+          <a:p>
+            <a:r>
+              <a:rPr lang="en-US" dirty="0" smtClean="0"/>
+              <a:t>Cons</a:t>
+            </a:r>
+            <a:endParaRPr lang="en-US" dirty="0"/>
+          </a:p>
+        </p:txBody>
+      </p:sp>
+      <p:sp>
+        <p:nvSpPr>
+          <p:cNvPr id="7" name="Content Placeholder 6"/>
+          <p:cNvSpPr>
+            <a:spLocks noGrp="1"/>
+          </p:cNvSpPr>
+          <p:nvPr>
+            <p:ph sz="quarter" idx="4"/>
+          </p:nvPr>
+        </p:nvSpPr>
+        <p:spPr/>
+        <p:txBody>
+          <a:bodyPr/>
+          <a:lstStyle/>
+          <a:p>
+            <a:r>
+              <a:rPr lang="en-US" dirty="0" smtClean="0"/>
+              <a:t>Developer understanding</a:t>
+            </a:r>
+          </a:p>
+          <a:p>
+            <a:r>
+              <a:rPr lang="en-US" dirty="0" smtClean="0"/>
+              <a:t>Rudimental communication</a:t>
+            </a:r>
+          </a:p>
+          <a:p>
+            <a:endParaRPr lang="en-US" dirty="0"/>
           </a:p>
         </p:txBody>
       </p:sp>
@@ -3329,6 +6540,257 @@
   <p:clrMapOvr>
     <a:masterClrMapping/>
   </p:clrMapOvr>
+  <p:timing>
+    <p:tnLst>
+      <p:par>
+        <p:cTn id="1" dur="indefinite" restart="never" nodeType="tmRoot"/>
+      </p:par>
+    </p:tnLst>
+  </p:timing>
+</p:sld>
+</file>
+
+<file path=ppt/slides/slide14.xml><?xml version="1.0" encoding="utf-8"?>
+<p:sld xmlns:a="http://schemas.openxmlformats.org/drawingml/2006/main" xmlns:r="http://schemas.openxmlformats.org/officeDocument/2006/relationships" xmlns:p="http://schemas.openxmlformats.org/presentationml/2006/main">
+  <p:cSld>
+    <p:spTree>
+      <p:nvGrpSpPr>
+        <p:cNvPr id="1" name=""/>
+        <p:cNvGrpSpPr/>
+        <p:nvPr/>
+      </p:nvGrpSpPr>
+      <p:grpSpPr>
+        <a:xfrm>
+          <a:off x="0" y="0"/>
+          <a:ext cx="0" cy="0"/>
+          <a:chOff x="0" y="0"/>
+          <a:chExt cx="0" cy="0"/>
+        </a:xfrm>
+      </p:grpSpPr>
+      <p:sp>
+        <p:nvSpPr>
+          <p:cNvPr id="7" name="Title 6"/>
+          <p:cNvSpPr>
+            <a:spLocks noGrp="1"/>
+          </p:cNvSpPr>
+          <p:nvPr>
+            <p:ph type="title"/>
+          </p:nvPr>
+        </p:nvSpPr>
+        <p:spPr/>
+        <p:txBody>
+          <a:bodyPr/>
+          <a:lstStyle/>
+          <a:p>
+            <a:r>
+              <a:rPr lang="en-US" dirty="0" smtClean="0"/>
+              <a:t>Performance overhead</a:t>
+            </a:r>
+            <a:endParaRPr lang="en-US" dirty="0"/>
+          </a:p>
+        </p:txBody>
+      </p:sp>
+      <p:sp>
+        <p:nvSpPr>
+          <p:cNvPr id="8" name="Content Placeholder 7"/>
+          <p:cNvSpPr>
+            <a:spLocks noGrp="1"/>
+          </p:cNvSpPr>
+          <p:nvPr>
+            <p:ph idx="1"/>
+          </p:nvPr>
+        </p:nvSpPr>
+        <p:spPr/>
+        <p:txBody>
+          <a:bodyPr/>
+          <a:lstStyle/>
+          <a:p>
+            <a:r>
+              <a:rPr lang="en-US" dirty="0" smtClean="0"/>
+              <a:t>Measuring added overhead of including the monitor – not the monitor itself</a:t>
+            </a:r>
+            <a:endParaRPr lang="en-US" dirty="0"/>
+          </a:p>
+        </p:txBody>
+      </p:sp>
+      <p:pic>
+        <p:nvPicPr>
+          <p:cNvPr id="6146" name="Picture 2"/>
+          <p:cNvPicPr>
+            <a:picLocks noChangeAspect="1" noChangeArrowheads="1"/>
+          </p:cNvPicPr>
+          <p:nvPr/>
+        </p:nvPicPr>
+        <p:blipFill>
+          <a:blip r:embed="rId2">
+            <a:extLst>
+              <a:ext uri="{28A0092B-C50C-407E-A947-70E740481C1C}">
+                <a14:useLocalDpi xmlns:a14="http://schemas.microsoft.com/office/drawing/2010/main" val="0"/>
+              </a:ext>
+            </a:extLst>
+          </a:blip>
+          <a:srcRect/>
+          <a:stretch>
+            <a:fillRect/>
+          </a:stretch>
+        </p:blipFill>
+        <p:spPr bwMode="auto">
+          <a:xfrm>
+            <a:off x="2125313" y="3861048"/>
+            <a:ext cx="4914900" cy="2133600"/>
+          </a:xfrm>
+          <a:prstGeom prst="rect">
+            <a:avLst/>
+          </a:prstGeom>
+          <a:noFill/>
+          <a:ln>
+            <a:noFill/>
+          </a:ln>
+          <a:extLst>
+            <a:ext uri="{909E8E84-426E-40DD-AFC4-6F175D3DCCD1}">
+              <a14:hiddenFill xmlns:a14="http://schemas.microsoft.com/office/drawing/2010/main">
+                <a:solidFill>
+                  <a:schemeClr val="accent1"/>
+                </a:solidFill>
+              </a14:hiddenFill>
+            </a:ext>
+            <a:ext uri="{91240B29-F687-4F45-9708-019B960494DF}">
+              <a14:hiddenLine xmlns:a14="http://schemas.microsoft.com/office/drawing/2010/main" w="9525">
+                <a:solidFill>
+                  <a:schemeClr val="tx1"/>
+                </a:solidFill>
+                <a:miter lim="800000"/>
+                <a:headEnd/>
+                <a:tailEnd/>
+              </a14:hiddenLine>
+            </a:ext>
+          </a:extLst>
+        </p:spPr>
+      </p:pic>
+    </p:spTree>
+    <p:extLst>
+      <p:ext uri="{BB962C8B-B14F-4D97-AF65-F5344CB8AC3E}">
+        <p14:creationId xmlns:p14="http://schemas.microsoft.com/office/powerpoint/2010/main" val="3077253845"/>
+      </p:ext>
+    </p:extLst>
+  </p:cSld>
+  <p:clrMapOvr>
+    <a:masterClrMapping/>
+  </p:clrMapOvr>
+  <p:timing>
+    <p:tnLst>
+      <p:par>
+        <p:cTn id="1" dur="indefinite" restart="never" nodeType="tmRoot"/>
+      </p:par>
+    </p:tnLst>
+  </p:timing>
+</p:sld>
+</file>
+
+<file path=ppt/slides/slide15.xml><?xml version="1.0" encoding="utf-8"?>
+<p:sld xmlns:a="http://schemas.openxmlformats.org/drawingml/2006/main" xmlns:r="http://schemas.openxmlformats.org/officeDocument/2006/relationships" xmlns:p="http://schemas.openxmlformats.org/presentationml/2006/main">
+  <p:cSld>
+    <p:spTree>
+      <p:nvGrpSpPr>
+        <p:cNvPr id="1" name=""/>
+        <p:cNvGrpSpPr/>
+        <p:nvPr/>
+      </p:nvGrpSpPr>
+      <p:grpSpPr>
+        <a:xfrm>
+          <a:off x="0" y="0"/>
+          <a:ext cx="0" cy="0"/>
+          <a:chOff x="0" y="0"/>
+          <a:chExt cx="0" cy="0"/>
+        </a:xfrm>
+      </p:grpSpPr>
+      <p:sp>
+        <p:nvSpPr>
+          <p:cNvPr id="7" name="Title 6"/>
+          <p:cNvSpPr>
+            <a:spLocks noGrp="1"/>
+          </p:cNvSpPr>
+          <p:nvPr>
+            <p:ph type="title"/>
+          </p:nvPr>
+        </p:nvSpPr>
+        <p:spPr/>
+        <p:txBody>
+          <a:bodyPr/>
+          <a:lstStyle/>
+          <a:p>
+            <a:r>
+              <a:rPr lang="en-US" dirty="0" smtClean="0"/>
+              <a:t>Conclusion</a:t>
+            </a:r>
+            <a:endParaRPr lang="en-US" dirty="0"/>
+          </a:p>
+        </p:txBody>
+      </p:sp>
+      <p:sp>
+        <p:nvSpPr>
+          <p:cNvPr id="8" name="Content Placeholder 7"/>
+          <p:cNvSpPr>
+            <a:spLocks noGrp="1"/>
+          </p:cNvSpPr>
+          <p:nvPr>
+            <p:ph idx="1"/>
+          </p:nvPr>
+        </p:nvSpPr>
+        <p:spPr/>
+        <p:txBody>
+          <a:bodyPr/>
+          <a:lstStyle/>
+          <a:p>
+            <a:r>
+              <a:rPr lang="en-US" dirty="0" smtClean="0"/>
+              <a:t>Four architectures evaluated</a:t>
+            </a:r>
+          </a:p>
+          <a:p>
+            <a:pPr lvl="1"/>
+            <a:r>
+              <a:rPr lang="en-US" dirty="0" smtClean="0"/>
+              <a:t>Relative pros and cons</a:t>
+            </a:r>
+          </a:p>
+          <a:p>
+            <a:r>
+              <a:rPr lang="en-US" dirty="0" smtClean="0"/>
+              <a:t>Great flexibility</a:t>
+            </a:r>
+          </a:p>
+          <a:p>
+            <a:r>
+              <a:rPr lang="en-US" dirty="0" smtClean="0"/>
+              <a:t>Reasonable overhead</a:t>
+            </a:r>
+          </a:p>
+          <a:p>
+            <a:endParaRPr lang="en-US" dirty="0" smtClean="0"/>
+          </a:p>
+          <a:p>
+            <a:endParaRPr lang="en-US" dirty="0"/>
+          </a:p>
+        </p:txBody>
+      </p:sp>
+    </p:spTree>
+    <p:extLst>
+      <p:ext uri="{BB962C8B-B14F-4D97-AF65-F5344CB8AC3E}">
+        <p14:creationId xmlns:p14="http://schemas.microsoft.com/office/powerpoint/2010/main" val="2279056955"/>
+      </p:ext>
+    </p:extLst>
+  </p:cSld>
+  <p:clrMapOvr>
+    <a:masterClrMapping/>
+  </p:clrMapOvr>
+  <p:timing>
+    <p:tnLst>
+      <p:par>
+        <p:cTn id="1" dur="indefinite" restart="never" nodeType="tmRoot"/>
+      </p:par>
+    </p:tnLst>
+  </p:timing>
 </p:sld>
 </file>
 
@@ -3364,6 +6826,1144 @@
           <a:bodyPr/>
           <a:lstStyle/>
           <a:p>
+            <a:r>
+              <a:rPr lang="en-US" dirty="0" smtClean="0"/>
+              <a:t>Scenario</a:t>
+            </a:r>
+            <a:endParaRPr lang="en-US" dirty="0"/>
+          </a:p>
+        </p:txBody>
+      </p:sp>
+      <p:sp>
+        <p:nvSpPr>
+          <p:cNvPr id="11" name="Up-Down Arrow 10"/>
+          <p:cNvSpPr/>
+          <p:nvPr/>
+        </p:nvSpPr>
+        <p:spPr>
+          <a:xfrm>
+            <a:off x="4489512" y="3284984"/>
+            <a:ext cx="381000" cy="1515615"/>
+          </a:xfrm>
+          <a:prstGeom prst="upDownArrow">
+            <a:avLst/>
+          </a:prstGeom>
+        </p:spPr>
+        <p:style>
+          <a:lnRef idx="1">
+            <a:schemeClr val="accent3"/>
+          </a:lnRef>
+          <a:fillRef idx="3">
+            <a:schemeClr val="accent3"/>
+          </a:fillRef>
+          <a:effectRef idx="2">
+            <a:schemeClr val="accent3"/>
+          </a:effectRef>
+          <a:fontRef idx="minor">
+            <a:schemeClr val="lt1"/>
+          </a:fontRef>
+        </p:style>
+        <p:txBody>
+          <a:bodyPr rtlCol="0" anchor="ctr"/>
+          <a:lstStyle/>
+          <a:p>
+            <a:pPr algn="ctr"/>
+            <a:endParaRPr lang="en-US"/>
+          </a:p>
+        </p:txBody>
+      </p:sp>
+      <p:sp>
+        <p:nvSpPr>
+          <p:cNvPr id="13" name="AutoShape 2" descr="PTS E-tjänster, startsida"/>
+          <p:cNvSpPr>
+            <a:spLocks noChangeAspect="1" noChangeArrowheads="1"/>
+          </p:cNvSpPr>
+          <p:nvPr/>
+        </p:nvSpPr>
+        <p:spPr bwMode="auto">
+          <a:xfrm>
+            <a:off x="155575" y="-144463"/>
+            <a:ext cx="304800" cy="304801"/>
+          </a:xfrm>
+          <a:prstGeom prst="rect">
+            <a:avLst/>
+          </a:prstGeom>
+          <a:noFill/>
+          <a:extLst>
+            <a:ext uri="{909E8E84-426E-40DD-AFC4-6F175D3DCCD1}">
+              <a14:hiddenFill xmlns:a14="http://schemas.microsoft.com/office/drawing/2010/main">
+                <a:solidFill>
+                  <a:srgbClr val="FFFFFF"/>
+                </a:solidFill>
+              </a14:hiddenFill>
+            </a:ext>
+          </a:extLst>
+        </p:spPr>
+        <p:txBody>
+          <a:bodyPr vert="horz" wrap="square" lIns="91440" tIns="45720" rIns="91440" bIns="45720" numCol="1" anchor="t" anchorCtr="0" compatLnSpc="1">
+            <a:prstTxWarp prst="textNoShape">
+              <a:avLst/>
+            </a:prstTxWarp>
+          </a:bodyPr>
+          <a:lstStyle/>
+          <a:p>
+            <a:endParaRPr lang="en-US"/>
+          </a:p>
+        </p:txBody>
+      </p:sp>
+      <p:sp>
+        <p:nvSpPr>
+          <p:cNvPr id="14" name="AutoShape 4" descr="PTS E-tjänster, startsida"/>
+          <p:cNvSpPr>
+            <a:spLocks noChangeAspect="1" noChangeArrowheads="1"/>
+          </p:cNvSpPr>
+          <p:nvPr/>
+        </p:nvSpPr>
+        <p:spPr bwMode="auto">
+          <a:xfrm>
+            <a:off x="307975" y="7937"/>
+            <a:ext cx="304800" cy="304801"/>
+          </a:xfrm>
+          <a:prstGeom prst="rect">
+            <a:avLst/>
+          </a:prstGeom>
+          <a:noFill/>
+          <a:extLst>
+            <a:ext uri="{909E8E84-426E-40DD-AFC4-6F175D3DCCD1}">
+              <a14:hiddenFill xmlns:a14="http://schemas.microsoft.com/office/drawing/2010/main">
+                <a:solidFill>
+                  <a:srgbClr val="FFFFFF"/>
+                </a:solidFill>
+              </a14:hiddenFill>
+            </a:ext>
+          </a:extLst>
+        </p:spPr>
+        <p:txBody>
+          <a:bodyPr vert="horz" wrap="square" lIns="91440" tIns="45720" rIns="91440" bIns="45720" numCol="1" anchor="t" anchorCtr="0" compatLnSpc="1">
+            <a:prstTxWarp prst="textNoShape">
+              <a:avLst/>
+            </a:prstTxWarp>
+          </a:bodyPr>
+          <a:lstStyle/>
+          <a:p>
+            <a:endParaRPr lang="en-US"/>
+          </a:p>
+        </p:txBody>
+      </p:sp>
+      <p:sp>
+        <p:nvSpPr>
+          <p:cNvPr id="15" name="AutoShape 6" descr="https://testalosenord.pts.se/img/logo_inverted.png"/>
+          <p:cNvSpPr>
+            <a:spLocks noChangeAspect="1" noChangeArrowheads="1"/>
+          </p:cNvSpPr>
+          <p:nvPr/>
+        </p:nvSpPr>
+        <p:spPr bwMode="auto">
+          <a:xfrm>
+            <a:off x="460375" y="160337"/>
+            <a:ext cx="304800" cy="304801"/>
+          </a:xfrm>
+          <a:prstGeom prst="rect">
+            <a:avLst/>
+          </a:prstGeom>
+          <a:noFill/>
+          <a:extLst>
+            <a:ext uri="{909E8E84-426E-40DD-AFC4-6F175D3DCCD1}">
+              <a14:hiddenFill xmlns:a14="http://schemas.microsoft.com/office/drawing/2010/main">
+                <a:solidFill>
+                  <a:srgbClr val="FFFFFF"/>
+                </a:solidFill>
+              </a14:hiddenFill>
+            </a:ext>
+          </a:extLst>
+        </p:spPr>
+        <p:txBody>
+          <a:bodyPr vert="horz" wrap="square" lIns="91440" tIns="45720" rIns="91440" bIns="45720" numCol="1" anchor="t" anchorCtr="0" compatLnSpc="1">
+            <a:prstTxWarp prst="textNoShape">
+              <a:avLst/>
+            </a:prstTxWarp>
+          </a:bodyPr>
+          <a:lstStyle/>
+          <a:p>
+            <a:endParaRPr lang="en-US"/>
+          </a:p>
+        </p:txBody>
+      </p:sp>
+      <p:pic>
+        <p:nvPicPr>
+          <p:cNvPr id="1031" name="Picture 7"/>
+          <p:cNvPicPr>
+            <a:picLocks noChangeAspect="1" noChangeArrowheads="1"/>
+          </p:cNvPicPr>
+          <p:nvPr/>
+        </p:nvPicPr>
+        <p:blipFill>
+          <a:blip r:embed="rId2">
+            <a:extLst>
+              <a:ext uri="{28A0092B-C50C-407E-A947-70E740481C1C}">
+                <a14:useLocalDpi xmlns:a14="http://schemas.microsoft.com/office/drawing/2010/main" val="0"/>
+              </a:ext>
+            </a:extLst>
+          </a:blip>
+          <a:srcRect/>
+          <a:stretch>
+            <a:fillRect/>
+          </a:stretch>
+        </p:blipFill>
+        <p:spPr bwMode="auto">
+          <a:xfrm>
+            <a:off x="4340767" y="2714602"/>
+            <a:ext cx="678490" cy="380998"/>
+          </a:xfrm>
+          <a:prstGeom prst="rect">
+            <a:avLst/>
+          </a:prstGeom>
+          <a:noFill/>
+          <a:ln>
+            <a:noFill/>
+          </a:ln>
+          <a:extLst>
+            <a:ext uri="{909E8E84-426E-40DD-AFC4-6F175D3DCCD1}">
+              <a14:hiddenFill xmlns:a14="http://schemas.microsoft.com/office/drawing/2010/main">
+                <a:solidFill>
+                  <a:schemeClr val="accent1"/>
+                </a:solidFill>
+              </a14:hiddenFill>
+            </a:ext>
+            <a:ext uri="{91240B29-F687-4F45-9708-019B960494DF}">
+              <a14:hiddenLine xmlns:a14="http://schemas.microsoft.com/office/drawing/2010/main" w="9525">
+                <a:solidFill>
+                  <a:schemeClr val="tx1"/>
+                </a:solidFill>
+                <a:miter lim="800000"/>
+                <a:headEnd/>
+                <a:tailEnd/>
+              </a14:hiddenLine>
+            </a:ext>
+          </a:extLst>
+        </p:spPr>
+      </p:pic>
+      <p:pic>
+        <p:nvPicPr>
+          <p:cNvPr id="1035" name="Picture 11" descr="http://audienceinnovation.com/images/icons/do-training-cogwheel-icon-300x297-gray.gif"/>
+          <p:cNvPicPr>
+            <a:picLocks noChangeAspect="1" noChangeArrowheads="1"/>
+          </p:cNvPicPr>
+          <p:nvPr/>
+        </p:nvPicPr>
+        <p:blipFill>
+          <a:blip r:embed="rId3">
+            <a:extLst>
+              <a:ext uri="{28A0092B-C50C-407E-A947-70E740481C1C}">
+                <a14:useLocalDpi xmlns:a14="http://schemas.microsoft.com/office/drawing/2010/main" val="0"/>
+              </a:ext>
+            </a:extLst>
+          </a:blip>
+          <a:srcRect/>
+          <a:stretch>
+            <a:fillRect/>
+          </a:stretch>
+        </p:blipFill>
+        <p:spPr bwMode="auto">
+          <a:xfrm>
+            <a:off x="6588224" y="3187824"/>
+            <a:ext cx="1428749" cy="1414462"/>
+          </a:xfrm>
+          <a:prstGeom prst="rect">
+            <a:avLst/>
+          </a:prstGeom>
+          <a:noFill/>
+        </p:spPr>
+      </p:pic>
+      <p:pic>
+        <p:nvPicPr>
+          <p:cNvPr id="32" name="Picture 4" descr="http://www.userlogos.org/files/logos/macleod.mac/server.png"/>
+          <p:cNvPicPr>
+            <a:picLocks noChangeAspect="1" noChangeArrowheads="1"/>
+          </p:cNvPicPr>
+          <p:nvPr/>
+        </p:nvPicPr>
+        <p:blipFill>
+          <a:blip r:embed="rId4">
+            <a:extLst>
+              <a:ext uri="{28A0092B-C50C-407E-A947-70E740481C1C}">
+                <a14:useLocalDpi xmlns:a14="http://schemas.microsoft.com/office/drawing/2010/main" val="0"/>
+              </a:ext>
+            </a:extLst>
+          </a:blip>
+          <a:srcRect/>
+          <a:stretch>
+            <a:fillRect/>
+          </a:stretch>
+        </p:blipFill>
+        <p:spPr bwMode="auto">
+          <a:xfrm>
+            <a:off x="3849261" y="1594932"/>
+            <a:ext cx="1662281" cy="1246711"/>
+          </a:xfrm>
+          <a:prstGeom prst="rect">
+            <a:avLst/>
+          </a:prstGeom>
+          <a:noFill/>
+          <a:scene3d>
+            <a:camera prst="orthographicFront">
+              <a:rot lat="0" lon="10800000" rev="0"/>
+            </a:camera>
+            <a:lightRig rig="threePt" dir="t"/>
+          </a:scene3d>
+          <a:extLst>
+            <a:ext uri="{909E8E84-426E-40DD-AFC4-6F175D3DCCD1}">
+              <a14:hiddenFill xmlns:a14="http://schemas.microsoft.com/office/drawing/2010/main">
+                <a:solidFill>
+                  <a:srgbClr val="FFFFFF"/>
+                </a:solidFill>
+              </a14:hiddenFill>
+            </a:ext>
+          </a:extLst>
+        </p:spPr>
+      </p:pic>
+      <p:sp>
+        <p:nvSpPr>
+          <p:cNvPr id="34" name="Up-Down Arrow 33"/>
+          <p:cNvSpPr/>
+          <p:nvPr/>
+        </p:nvSpPr>
+        <p:spPr>
+          <a:xfrm rot="20064916">
+            <a:off x="3166754" y="3241611"/>
+            <a:ext cx="381000" cy="1602360"/>
+          </a:xfrm>
+          <a:prstGeom prst="upDownArrow">
+            <a:avLst/>
+          </a:prstGeom>
+        </p:spPr>
+        <p:style>
+          <a:lnRef idx="1">
+            <a:schemeClr val="accent3"/>
+          </a:lnRef>
+          <a:fillRef idx="3">
+            <a:schemeClr val="accent3"/>
+          </a:fillRef>
+          <a:effectRef idx="2">
+            <a:schemeClr val="accent3"/>
+          </a:effectRef>
+          <a:fontRef idx="minor">
+            <a:schemeClr val="lt1"/>
+          </a:fontRef>
+        </p:style>
+        <p:txBody>
+          <a:bodyPr rtlCol="0" anchor="ctr"/>
+          <a:lstStyle/>
+          <a:p>
+            <a:pPr algn="ctr"/>
+            <a:endParaRPr lang="en-US"/>
+          </a:p>
+        </p:txBody>
+      </p:sp>
+      <p:pic>
+        <p:nvPicPr>
+          <p:cNvPr id="35" name="Picture 34" descr="google_logo.png"/>
+          <p:cNvPicPr>
+            <a:picLocks noChangeAspect="1"/>
+          </p:cNvPicPr>
+          <p:nvPr/>
+        </p:nvPicPr>
+        <p:blipFill>
+          <a:blip r:embed="rId5" cstate="print"/>
+          <a:srcRect l="13576" r="13576" b="86594"/>
+          <a:stretch>
+            <a:fillRect/>
+          </a:stretch>
+        </p:blipFill>
+        <p:spPr>
+          <a:xfrm>
+            <a:off x="2132790" y="2663552"/>
+            <a:ext cx="1361851" cy="432048"/>
+          </a:xfrm>
+          <a:prstGeom prst="rect">
+            <a:avLst/>
+          </a:prstGeom>
+          <a:effectLst/>
+        </p:spPr>
+      </p:pic>
+      <p:pic>
+        <p:nvPicPr>
+          <p:cNvPr id="36" name="Picture 4" descr="http://www.userlogos.org/files/logos/macleod.mac/server.png"/>
+          <p:cNvPicPr>
+            <a:picLocks noChangeAspect="1" noChangeArrowheads="1"/>
+          </p:cNvPicPr>
+          <p:nvPr/>
+        </p:nvPicPr>
+        <p:blipFill>
+          <a:blip r:embed="rId4">
+            <a:extLst>
+              <a:ext uri="{28A0092B-C50C-407E-A947-70E740481C1C}">
+                <a14:useLocalDpi xmlns:a14="http://schemas.microsoft.com/office/drawing/2010/main" val="0"/>
+              </a:ext>
+            </a:extLst>
+          </a:blip>
+          <a:srcRect/>
+          <a:stretch>
+            <a:fillRect/>
+          </a:stretch>
+        </p:blipFill>
+        <p:spPr bwMode="auto">
+          <a:xfrm>
+            <a:off x="1971621" y="1604412"/>
+            <a:ext cx="1662281" cy="1246711"/>
+          </a:xfrm>
+          <a:prstGeom prst="rect">
+            <a:avLst/>
+          </a:prstGeom>
+          <a:noFill/>
+          <a:scene3d>
+            <a:camera prst="orthographicFront">
+              <a:rot lat="0" lon="10800000" rev="0"/>
+            </a:camera>
+            <a:lightRig rig="threePt" dir="t"/>
+          </a:scene3d>
+          <a:extLst>
+            <a:ext uri="{909E8E84-426E-40DD-AFC4-6F175D3DCCD1}">
+              <a14:hiddenFill xmlns:a14="http://schemas.microsoft.com/office/drawing/2010/main">
+                <a:solidFill>
+                  <a:srgbClr val="FFFFFF"/>
+                </a:solidFill>
+              </a14:hiddenFill>
+            </a:ext>
+          </a:extLst>
+        </p:spPr>
+      </p:pic>
+      <p:sp>
+        <p:nvSpPr>
+          <p:cNvPr id="19" name="Rectangle 18"/>
+          <p:cNvSpPr/>
+          <p:nvPr/>
+        </p:nvSpPr>
+        <p:spPr>
+          <a:xfrm>
+            <a:off x="3707904" y="4915535"/>
+            <a:ext cx="1944216" cy="1656184"/>
+          </a:xfrm>
+          <a:prstGeom prst="rect">
+            <a:avLst/>
+          </a:prstGeom>
+          <a:solidFill>
+            <a:schemeClr val="accent1">
+              <a:alpha val="20000"/>
+            </a:schemeClr>
+          </a:solidFill>
+        </p:spPr>
+        <p:style>
+          <a:lnRef idx="2">
+            <a:schemeClr val="accent1">
+              <a:shade val="50000"/>
+            </a:schemeClr>
+          </a:lnRef>
+          <a:fillRef idx="1">
+            <a:schemeClr val="accent1"/>
+          </a:fillRef>
+          <a:effectRef idx="0">
+            <a:schemeClr val="accent1"/>
+          </a:effectRef>
+          <a:fontRef idx="minor">
+            <a:schemeClr val="lt1"/>
+          </a:fontRef>
+        </p:style>
+        <p:txBody>
+          <a:bodyPr rtlCol="0" anchor="ctr"/>
+          <a:lstStyle/>
+          <a:p>
+            <a:pPr algn="ctr"/>
+            <a:endParaRPr lang="en-US"/>
+          </a:p>
+        </p:txBody>
+      </p:sp>
+      <p:pic>
+        <p:nvPicPr>
+          <p:cNvPr id="1033" name="Picture 9"/>
+          <p:cNvPicPr>
+            <a:picLocks noChangeAspect="1" noChangeArrowheads="1"/>
+          </p:cNvPicPr>
+          <p:nvPr/>
+        </p:nvPicPr>
+        <p:blipFill>
+          <a:blip r:embed="rId6">
+            <a:extLst>
+              <a:ext uri="{28A0092B-C50C-407E-A947-70E740481C1C}">
+                <a14:useLocalDpi xmlns:a14="http://schemas.microsoft.com/office/drawing/2010/main" val="0"/>
+              </a:ext>
+            </a:extLst>
+          </a:blip>
+          <a:srcRect/>
+          <a:stretch>
+            <a:fillRect/>
+          </a:stretch>
+        </p:blipFill>
+        <p:spPr bwMode="auto">
+          <a:xfrm>
+            <a:off x="912424" y="1239748"/>
+            <a:ext cx="7279553" cy="5292902"/>
+          </a:xfrm>
+          <a:prstGeom prst="rect">
+            <a:avLst/>
+          </a:prstGeom>
+          <a:noFill/>
+          <a:ln>
+            <a:noFill/>
+          </a:ln>
+          <a:effectLst>
+            <a:outerShdw blurRad="215900" dist="254000" dir="2700000" algn="tl" rotWithShape="0">
+              <a:prstClr val="black">
+                <a:alpha val="15000"/>
+              </a:prstClr>
+            </a:outerShdw>
+          </a:effectLst>
+          <a:extLst>
+            <a:ext uri="{909E8E84-426E-40DD-AFC4-6F175D3DCCD1}">
+              <a14:hiddenFill xmlns:a14="http://schemas.microsoft.com/office/drawing/2010/main">
+                <a:solidFill>
+                  <a:schemeClr val="accent1"/>
+                </a:solidFill>
+              </a14:hiddenFill>
+            </a:ext>
+            <a:ext uri="{91240B29-F687-4F45-9708-019B960494DF}">
+              <a14:hiddenLine xmlns:a14="http://schemas.microsoft.com/office/drawing/2010/main" w="9525">
+                <a:solidFill>
+                  <a:schemeClr val="tx1"/>
+                </a:solidFill>
+                <a:miter lim="800000"/>
+                <a:headEnd/>
+                <a:tailEnd/>
+              </a14:hiddenLine>
+            </a:ext>
+          </a:extLst>
+        </p:spPr>
+      </p:pic>
+      <p:sp>
+        <p:nvSpPr>
+          <p:cNvPr id="20" name="Line Callout 2 19"/>
+          <p:cNvSpPr/>
+          <p:nvPr/>
+        </p:nvSpPr>
+        <p:spPr>
+          <a:xfrm>
+            <a:off x="5511541" y="3610470"/>
+            <a:ext cx="3455605" cy="1190129"/>
+          </a:xfrm>
+          <a:prstGeom prst="borderCallout2">
+            <a:avLst>
+              <a:gd name="adj1" fmla="val 65315"/>
+              <a:gd name="adj2" fmla="val -715"/>
+              <a:gd name="adj3" fmla="val 65315"/>
+              <a:gd name="adj4" fmla="val -16266"/>
+              <a:gd name="adj5" fmla="val 142767"/>
+              <a:gd name="adj6" fmla="val -50677"/>
+            </a:avLst>
+          </a:prstGeom>
+          <a:ln w="28575"/>
+        </p:spPr>
+        <p:style>
+          <a:lnRef idx="1">
+            <a:schemeClr val="accent1"/>
+          </a:lnRef>
+          <a:fillRef idx="2">
+            <a:schemeClr val="accent1"/>
+          </a:fillRef>
+          <a:effectRef idx="1">
+            <a:schemeClr val="accent1"/>
+          </a:effectRef>
+          <a:fontRef idx="minor">
+            <a:schemeClr val="dk1"/>
+          </a:fontRef>
+        </p:style>
+        <p:txBody>
+          <a:bodyPr rtlCol="0" anchor="ctr"/>
+          <a:lstStyle/>
+          <a:p>
+            <a:pPr marL="285750" indent="-285750">
+              <a:buFont typeface="Arial" pitchFamily="34" charset="0"/>
+              <a:buChar char="•"/>
+            </a:pPr>
+            <a:r>
+              <a:rPr lang="en-US" dirty="0" smtClean="0"/>
+              <a:t>User inputs password</a:t>
+            </a:r>
+          </a:p>
+          <a:p>
+            <a:pPr marL="285750" indent="-285750">
+              <a:buFont typeface="Arial" pitchFamily="34" charset="0"/>
+              <a:buChar char="•"/>
+            </a:pPr>
+            <a:r>
+              <a:rPr lang="en-US" dirty="0" smtClean="0"/>
+              <a:t>Computes password strength</a:t>
+            </a:r>
+          </a:p>
+          <a:p>
+            <a:pPr marL="285750" indent="-285750">
+              <a:buFont typeface="Arial" pitchFamily="34" charset="0"/>
+              <a:buChar char="•"/>
+            </a:pPr>
+            <a:r>
+              <a:rPr lang="en-US" dirty="0" smtClean="0"/>
+              <a:t>Reports result</a:t>
+            </a:r>
+            <a:endParaRPr lang="en-US" dirty="0"/>
+          </a:p>
+        </p:txBody>
+      </p:sp>
+    </p:spTree>
+    <p:extLst>
+      <p:ext uri="{BB962C8B-B14F-4D97-AF65-F5344CB8AC3E}">
+        <p14:creationId xmlns:p14="http://schemas.microsoft.com/office/powerpoint/2010/main" val="3312198811"/>
+      </p:ext>
+    </p:extLst>
+  </p:cSld>
+  <p:clrMapOvr>
+    <a:masterClrMapping/>
+  </p:clrMapOvr>
+  <p:timing>
+    <p:tnLst>
+      <p:par>
+        <p:cTn id="1" dur="indefinite" restart="never" nodeType="tmRoot">
+          <p:childTnLst>
+            <p:seq concurrent="1" nextAc="seek">
+              <p:cTn id="2" dur="indefinite" nodeType="mainSeq">
+                <p:childTnLst>
+                  <p:par>
+                    <p:cTn id="3" fill="hold">
+                      <p:stCondLst>
+                        <p:cond delay="indefinite"/>
+                      </p:stCondLst>
+                      <p:childTnLst>
+                        <p:par>
+                          <p:cTn id="4" fill="hold">
+                            <p:stCondLst>
+                              <p:cond delay="0"/>
+                            </p:stCondLst>
+                            <p:childTnLst>
+                              <p:par>
+                                <p:cTn id="5" presetID="10" presetClass="entr" presetSubtype="0" fill="hold" grpId="1" nodeType="clickEffect">
+                                  <p:stCondLst>
+                                    <p:cond delay="0"/>
+                                  </p:stCondLst>
+                                  <p:childTnLst>
+                                    <p:set>
+                                      <p:cBhvr>
+                                        <p:cTn id="6" dur="1" fill="hold">
+                                          <p:stCondLst>
+                                            <p:cond delay="0"/>
+                                          </p:stCondLst>
+                                        </p:cTn>
+                                        <p:tgtEl>
+                                          <p:spTgt spid="20"/>
+                                        </p:tgtEl>
+                                        <p:attrNameLst>
+                                          <p:attrName>style.visibility</p:attrName>
+                                        </p:attrNameLst>
+                                      </p:cBhvr>
+                                      <p:to>
+                                        <p:strVal val="visible"/>
+                                      </p:to>
+                                    </p:set>
+                                    <p:animEffect transition="in" filter="fade">
+                                      <p:cBhvr>
+                                        <p:cTn id="7" dur="500"/>
+                                        <p:tgtEl>
+                                          <p:spTgt spid="20"/>
+                                        </p:tgtEl>
+                                      </p:cBhvr>
+                                    </p:animEffect>
+                                  </p:childTnLst>
+                                </p:cTn>
+                              </p:par>
+                            </p:childTnLst>
+                          </p:cTn>
+                        </p:par>
+                      </p:childTnLst>
+                    </p:cTn>
+                  </p:par>
+                  <p:par>
+                    <p:cTn id="8" fill="hold">
+                      <p:stCondLst>
+                        <p:cond delay="indefinite"/>
+                      </p:stCondLst>
+                      <p:childTnLst>
+                        <p:par>
+                          <p:cTn id="9" fill="hold">
+                            <p:stCondLst>
+                              <p:cond delay="0"/>
+                            </p:stCondLst>
+                            <p:childTnLst>
+                              <p:par>
+                                <p:cTn id="10" presetID="10" presetClass="exit" presetSubtype="0" fill="hold" grpId="0" nodeType="clickEffect">
+                                  <p:stCondLst>
+                                    <p:cond delay="0"/>
+                                  </p:stCondLst>
+                                  <p:childTnLst>
+                                    <p:animEffect transition="out" filter="fade">
+                                      <p:cBhvr>
+                                        <p:cTn id="11" dur="500"/>
+                                        <p:tgtEl>
+                                          <p:spTgt spid="20"/>
+                                        </p:tgtEl>
+                                      </p:cBhvr>
+                                    </p:animEffect>
+                                    <p:set>
+                                      <p:cBhvr>
+                                        <p:cTn id="12" dur="1" fill="hold">
+                                          <p:stCondLst>
+                                            <p:cond delay="499"/>
+                                          </p:stCondLst>
+                                        </p:cTn>
+                                        <p:tgtEl>
+                                          <p:spTgt spid="20"/>
+                                        </p:tgtEl>
+                                        <p:attrNameLst>
+                                          <p:attrName>style.visibility</p:attrName>
+                                        </p:attrNameLst>
+                                      </p:cBhvr>
+                                      <p:to>
+                                        <p:strVal val="hidden"/>
+                                      </p:to>
+                                    </p:set>
+                                  </p:childTnLst>
+                                </p:cTn>
+                              </p:par>
+                              <p:par>
+                                <p:cTn id="13" presetID="6" presetClass="emph" presetSubtype="0" accel="50000" decel="50000" fill="hold" nodeType="withEffect">
+                                  <p:stCondLst>
+                                    <p:cond delay="0"/>
+                                  </p:stCondLst>
+                                  <p:childTnLst>
+                                    <p:animScale>
+                                      <p:cBhvr>
+                                        <p:cTn id="14" dur="500" fill="hold"/>
+                                        <p:tgtEl>
+                                          <p:spTgt spid="1033"/>
+                                        </p:tgtEl>
+                                      </p:cBhvr>
+                                      <p:by x="25000" y="25000"/>
+                                    </p:animScale>
+                                  </p:childTnLst>
+                                </p:cTn>
+                              </p:par>
+                              <p:par>
+                                <p:cTn id="15" presetID="42" presetClass="path" presetSubtype="0" accel="50000" decel="50000" fill="hold" nodeType="withEffect">
+                                  <p:stCondLst>
+                                    <p:cond delay="0"/>
+                                  </p:stCondLst>
+                                  <p:childTnLst>
+                                    <p:animMotion origin="layout" path="M 0 0 L 0 0.25 E" pathEditMode="relative" ptsTypes="">
+                                      <p:cBhvr>
+                                        <p:cTn id="16" dur="500" fill="hold"/>
+                                        <p:tgtEl>
+                                          <p:spTgt spid="1033"/>
+                                        </p:tgtEl>
+                                        <p:attrNameLst>
+                                          <p:attrName>ppt_x</p:attrName>
+                                          <p:attrName>ppt_y</p:attrName>
+                                        </p:attrNameLst>
+                                      </p:cBhvr>
+                                    </p:animMotion>
+                                  </p:childTnLst>
+                                </p:cTn>
+                              </p:par>
+                            </p:childTnLst>
+                          </p:cTn>
+                        </p:par>
+                      </p:childTnLst>
+                    </p:cTn>
+                  </p:par>
+                  <p:par>
+                    <p:cTn id="17" fill="hold">
+                      <p:stCondLst>
+                        <p:cond delay="indefinite"/>
+                      </p:stCondLst>
+                      <p:childTnLst>
+                        <p:par>
+                          <p:cTn id="18" fill="hold">
+                            <p:stCondLst>
+                              <p:cond delay="0"/>
+                            </p:stCondLst>
+                            <p:childTnLst>
+                              <p:par>
+                                <p:cTn id="19" presetID="10" presetClass="entr" presetSubtype="0" fill="hold" grpId="0" nodeType="clickEffect">
+                                  <p:stCondLst>
+                                    <p:cond delay="0"/>
+                                  </p:stCondLst>
+                                  <p:childTnLst>
+                                    <p:set>
+                                      <p:cBhvr>
+                                        <p:cTn id="20" dur="1" fill="hold">
+                                          <p:stCondLst>
+                                            <p:cond delay="0"/>
+                                          </p:stCondLst>
+                                        </p:cTn>
+                                        <p:tgtEl>
+                                          <p:spTgt spid="34"/>
+                                        </p:tgtEl>
+                                        <p:attrNameLst>
+                                          <p:attrName>style.visibility</p:attrName>
+                                        </p:attrNameLst>
+                                      </p:cBhvr>
+                                      <p:to>
+                                        <p:strVal val="visible"/>
+                                      </p:to>
+                                    </p:set>
+                                    <p:animEffect transition="in" filter="fade">
+                                      <p:cBhvr>
+                                        <p:cTn id="21" dur="500"/>
+                                        <p:tgtEl>
+                                          <p:spTgt spid="34"/>
+                                        </p:tgtEl>
+                                      </p:cBhvr>
+                                    </p:animEffect>
+                                  </p:childTnLst>
+                                </p:cTn>
+                              </p:par>
+                              <p:par>
+                                <p:cTn id="22" presetID="10" presetClass="entr" presetSubtype="0" fill="hold" nodeType="withEffect">
+                                  <p:stCondLst>
+                                    <p:cond delay="0"/>
+                                  </p:stCondLst>
+                                  <p:childTnLst>
+                                    <p:set>
+                                      <p:cBhvr>
+                                        <p:cTn id="23" dur="1" fill="hold">
+                                          <p:stCondLst>
+                                            <p:cond delay="0"/>
+                                          </p:stCondLst>
+                                        </p:cTn>
+                                        <p:tgtEl>
+                                          <p:spTgt spid="36"/>
+                                        </p:tgtEl>
+                                        <p:attrNameLst>
+                                          <p:attrName>style.visibility</p:attrName>
+                                        </p:attrNameLst>
+                                      </p:cBhvr>
+                                      <p:to>
+                                        <p:strVal val="visible"/>
+                                      </p:to>
+                                    </p:set>
+                                    <p:animEffect transition="in" filter="fade">
+                                      <p:cBhvr>
+                                        <p:cTn id="24" dur="500"/>
+                                        <p:tgtEl>
+                                          <p:spTgt spid="36"/>
+                                        </p:tgtEl>
+                                      </p:cBhvr>
+                                    </p:animEffect>
+                                  </p:childTnLst>
+                                </p:cTn>
+                              </p:par>
+                              <p:par>
+                                <p:cTn id="25" presetID="10" presetClass="entr" presetSubtype="0" fill="hold" nodeType="withEffect">
+                                  <p:stCondLst>
+                                    <p:cond delay="0"/>
+                                  </p:stCondLst>
+                                  <p:childTnLst>
+                                    <p:set>
+                                      <p:cBhvr>
+                                        <p:cTn id="26" dur="1" fill="hold">
+                                          <p:stCondLst>
+                                            <p:cond delay="0"/>
+                                          </p:stCondLst>
+                                        </p:cTn>
+                                        <p:tgtEl>
+                                          <p:spTgt spid="35"/>
+                                        </p:tgtEl>
+                                        <p:attrNameLst>
+                                          <p:attrName>style.visibility</p:attrName>
+                                        </p:attrNameLst>
+                                      </p:cBhvr>
+                                      <p:to>
+                                        <p:strVal val="visible"/>
+                                      </p:to>
+                                    </p:set>
+                                    <p:animEffect transition="in" filter="fade">
+                                      <p:cBhvr>
+                                        <p:cTn id="27" dur="500"/>
+                                        <p:tgtEl>
+                                          <p:spTgt spid="35"/>
+                                        </p:tgtEl>
+                                      </p:cBhvr>
+                                    </p:animEffect>
+                                  </p:childTnLst>
+                                </p:cTn>
+                              </p:par>
+                            </p:childTnLst>
+                          </p:cTn>
+                        </p:par>
+                      </p:childTnLst>
+                    </p:cTn>
+                  </p:par>
+                  <p:par>
+                    <p:cTn id="28" fill="hold">
+                      <p:stCondLst>
+                        <p:cond delay="indefinite"/>
+                      </p:stCondLst>
+                      <p:childTnLst>
+                        <p:par>
+                          <p:cTn id="29" fill="hold">
+                            <p:stCondLst>
+                              <p:cond delay="0"/>
+                            </p:stCondLst>
+                            <p:childTnLst>
+                              <p:par>
+                                <p:cTn id="30" presetID="10" presetClass="entr" presetSubtype="0" fill="hold" nodeType="clickEffect">
+                                  <p:stCondLst>
+                                    <p:cond delay="0"/>
+                                  </p:stCondLst>
+                                  <p:childTnLst>
+                                    <p:set>
+                                      <p:cBhvr>
+                                        <p:cTn id="31" dur="1" fill="hold">
+                                          <p:stCondLst>
+                                            <p:cond delay="0"/>
+                                          </p:stCondLst>
+                                        </p:cTn>
+                                        <p:tgtEl>
+                                          <p:spTgt spid="1035"/>
+                                        </p:tgtEl>
+                                        <p:attrNameLst>
+                                          <p:attrName>style.visibility</p:attrName>
+                                        </p:attrNameLst>
+                                      </p:cBhvr>
+                                      <p:to>
+                                        <p:strVal val="visible"/>
+                                      </p:to>
+                                    </p:set>
+                                    <p:animEffect transition="in" filter="fade">
+                                      <p:cBhvr>
+                                        <p:cTn id="32" dur="500"/>
+                                        <p:tgtEl>
+                                          <p:spTgt spid="1035"/>
+                                        </p:tgtEl>
+                                      </p:cBhvr>
+                                    </p:animEffect>
+                                  </p:childTnLst>
+                                </p:cTn>
+                              </p:par>
+                            </p:childTnLst>
+                          </p:cTn>
+                        </p:par>
+                      </p:childTnLst>
+                    </p:cTn>
+                  </p:par>
+                  <p:par>
+                    <p:cTn id="33" fill="hold">
+                      <p:stCondLst>
+                        <p:cond delay="indefinite"/>
+                      </p:stCondLst>
+                      <p:childTnLst>
+                        <p:par>
+                          <p:cTn id="34" fill="hold">
+                            <p:stCondLst>
+                              <p:cond delay="0"/>
+                            </p:stCondLst>
+                            <p:childTnLst>
+                              <p:par>
+                                <p:cTn id="35" presetID="1" presetClass="entr" presetSubtype="0" fill="hold" grpId="2" nodeType="clickEffect">
+                                  <p:stCondLst>
+                                    <p:cond delay="0"/>
+                                  </p:stCondLst>
+                                  <p:childTnLst>
+                                    <p:set>
+                                      <p:cBhvr>
+                                        <p:cTn id="36" dur="1" fill="hold">
+                                          <p:stCondLst>
+                                            <p:cond delay="0"/>
+                                          </p:stCondLst>
+                                        </p:cTn>
+                                        <p:tgtEl>
+                                          <p:spTgt spid="19"/>
+                                        </p:tgtEl>
+                                        <p:attrNameLst>
+                                          <p:attrName>style.visibility</p:attrName>
+                                        </p:attrNameLst>
+                                      </p:cBhvr>
+                                      <p:to>
+                                        <p:strVal val="visible"/>
+                                      </p:to>
+                                    </p:set>
+                                  </p:childTnLst>
+                                </p:cTn>
+                              </p:par>
+                            </p:childTnLst>
+                          </p:cTn>
+                        </p:par>
+                      </p:childTnLst>
+                    </p:cTn>
+                  </p:par>
+                  <p:par>
+                    <p:cTn id="37" fill="hold">
+                      <p:stCondLst>
+                        <p:cond delay="indefinite"/>
+                      </p:stCondLst>
+                      <p:childTnLst>
+                        <p:par>
+                          <p:cTn id="38" fill="hold">
+                            <p:stCondLst>
+                              <p:cond delay="0"/>
+                            </p:stCondLst>
+                            <p:childTnLst>
+                              <p:par>
+                                <p:cTn id="39" presetID="64" presetClass="path" presetSubtype="0" accel="50000" decel="50000" fill="hold" grpId="0" nodeType="clickEffect">
+                                  <p:stCondLst>
+                                    <p:cond delay="0"/>
+                                  </p:stCondLst>
+                                  <p:childTnLst>
+                                    <p:animMotion origin="layout" path="M 0 0 L 0 -0.25 E" pathEditMode="relative" ptsTypes="">
+                                      <p:cBhvr>
+                                        <p:cTn id="40" dur="500" fill="hold"/>
+                                        <p:tgtEl>
+                                          <p:spTgt spid="19"/>
+                                        </p:tgtEl>
+                                        <p:attrNameLst>
+                                          <p:attrName>ppt_x</p:attrName>
+                                          <p:attrName>ppt_y</p:attrName>
+                                        </p:attrNameLst>
+                                      </p:cBhvr>
+                                    </p:animMotion>
+                                  </p:childTnLst>
+                                </p:cTn>
+                              </p:par>
+                            </p:childTnLst>
+                          </p:cTn>
+                        </p:par>
+                      </p:childTnLst>
+                    </p:cTn>
+                  </p:par>
+                  <p:par>
+                    <p:cTn id="41" fill="hold">
+                      <p:stCondLst>
+                        <p:cond delay="indefinite"/>
+                      </p:stCondLst>
+                      <p:childTnLst>
+                        <p:par>
+                          <p:cTn id="42" fill="hold">
+                            <p:stCondLst>
+                              <p:cond delay="0"/>
+                            </p:stCondLst>
+                            <p:childTnLst>
+                              <p:par>
+                                <p:cTn id="43" presetID="64" presetClass="path" presetSubtype="0" accel="50000" decel="50000" fill="hold" grpId="1" nodeType="clickEffect">
+                                  <p:stCondLst>
+                                    <p:cond delay="0"/>
+                                  </p:stCondLst>
+                                  <p:childTnLst>
+                                    <p:animMotion origin="layout" path="M 4.44444E-6 -0.25 L 0.00104 -0.50301 " pathEditMode="relative" rAng="0" ptsTypes="AA">
+                                      <p:cBhvr>
+                                        <p:cTn id="44" dur="500" fill="hold"/>
+                                        <p:tgtEl>
+                                          <p:spTgt spid="19"/>
+                                        </p:tgtEl>
+                                        <p:attrNameLst>
+                                          <p:attrName>ppt_x</p:attrName>
+                                          <p:attrName>ppt_y</p:attrName>
+                                        </p:attrNameLst>
+                                      </p:cBhvr>
+                                      <p:rCtr x="52" y="-12662"/>
+                                    </p:animMotion>
+                                  </p:childTnLst>
+                                </p:cTn>
+                              </p:par>
+                            </p:childTnLst>
+                          </p:cTn>
+                        </p:par>
+                      </p:childTnLst>
+                    </p:cTn>
+                  </p:par>
+                </p:childTnLst>
+              </p:cTn>
+              <p:prevCondLst>
+                <p:cond evt="onPrev" delay="0">
+                  <p:tgtEl>
+                    <p:sldTgt/>
+                  </p:tgtEl>
+                </p:cond>
+              </p:prevCondLst>
+              <p:nextCondLst>
+                <p:cond evt="onNext" delay="0">
+                  <p:tgtEl>
+                    <p:sldTgt/>
+                  </p:tgtEl>
+                </p:cond>
+              </p:nextCondLst>
+            </p:seq>
+          </p:childTnLst>
+        </p:cTn>
+      </p:par>
+    </p:tnLst>
+    <p:bldLst>
+      <p:bldP spid="34" grpId="0" animBg="1"/>
+      <p:bldP spid="19" grpId="0" animBg="1"/>
+      <p:bldP spid="19" grpId="1" animBg="1"/>
+      <p:bldP spid="19" grpId="2" animBg="1"/>
+      <p:bldP spid="20" grpId="0" animBg="1"/>
+      <p:bldP spid="20" grpId="1" animBg="1"/>
+    </p:bldLst>
+  </p:timing>
+</p:sld>
+</file>
+
+<file path=ppt/slides/slide3.xml><?xml version="1.0" encoding="utf-8"?>
+<p:sld xmlns:a="http://schemas.openxmlformats.org/drawingml/2006/main" xmlns:r="http://schemas.openxmlformats.org/officeDocument/2006/relationships" xmlns:p="http://schemas.openxmlformats.org/presentationml/2006/main" show="0">
+  <p:cSld>
+    <p:spTree>
+      <p:nvGrpSpPr>
+        <p:cNvPr id="1" name=""/>
+        <p:cNvGrpSpPr/>
+        <p:nvPr/>
+      </p:nvGrpSpPr>
+      <p:grpSpPr>
+        <a:xfrm>
+          <a:off x="0" y="0"/>
+          <a:ext cx="0" cy="0"/>
+          <a:chOff x="0" y="0"/>
+          <a:chExt cx="0" cy="0"/>
+        </a:xfrm>
+      </p:grpSpPr>
+      <p:pic>
+        <p:nvPicPr>
+          <p:cNvPr id="25" name="Picture 24" descr="Apps-preferences-plugin-icon.png"/>
+          <p:cNvPicPr>
+            <a:picLocks noChangeAspect="1"/>
+          </p:cNvPicPr>
+          <p:nvPr/>
+        </p:nvPicPr>
+        <p:blipFill>
+          <a:blip r:embed="rId2" cstate="print"/>
+          <a:stretch>
+            <a:fillRect/>
+          </a:stretch>
+        </p:blipFill>
+        <p:spPr>
+          <a:xfrm>
+            <a:off x="3276600" y="4267200"/>
+            <a:ext cx="2438400" cy="2438400"/>
+          </a:xfrm>
+          <a:prstGeom prst="rect">
+            <a:avLst/>
+          </a:prstGeom>
+        </p:spPr>
+      </p:pic>
+      <p:sp>
+        <p:nvSpPr>
+          <p:cNvPr id="2" name="Title 1"/>
+          <p:cNvSpPr>
+            <a:spLocks noGrp="1"/>
+          </p:cNvSpPr>
+          <p:nvPr>
+            <p:ph type="title"/>
+          </p:nvPr>
+        </p:nvSpPr>
+        <p:spPr/>
+        <p:txBody>
+          <a:bodyPr/>
+          <a:lstStyle/>
+          <a:p>
             <a:endParaRPr lang="en-US" dirty="0"/>
           </a:p>
         </p:txBody>
@@ -3391,7 +7991,7 @@
             <a:fld id="{3A1DA351-F027-44D3-A2E3-D0803F782AED}" type="slidenum">
               <a:rPr lang="en-US" smtClean="0"/>
               <a:pPr/>
-              <a:t>2</a:t>
+              <a:t>3</a:t>
             </a:fld>
             <a:endParaRPr lang="en-US"/>
           </a:p>
@@ -3420,7 +8020,7 @@
             <p:nvPr/>
           </p:nvPicPr>
           <p:blipFill>
-            <a:blip r:embed="rId2" cstate="print"/>
+            <a:blip r:embed="rId3" cstate="print"/>
             <a:srcRect/>
             <a:stretch>
               <a:fillRect/>
@@ -3453,7 +8053,7 @@
             <p:nvPr/>
           </p:nvPicPr>
           <p:blipFill>
-            <a:blip r:embed="rId3" cstate="print"/>
+            <a:blip r:embed="rId4" cstate="print"/>
             <a:srcRect l="13576" r="13576" b="86594"/>
             <a:stretch>
               <a:fillRect/>
@@ -3494,7 +8094,7 @@
             <p:nvPr/>
           </p:nvPicPr>
           <p:blipFill>
-            <a:blip r:embed="rId2" cstate="print"/>
+            <a:blip r:embed="rId3" cstate="print"/>
             <a:srcRect/>
             <a:stretch>
               <a:fillRect/>
@@ -3527,7 +8127,7 @@
             <p:nvPr/>
           </p:nvPicPr>
           <p:blipFill>
-            <a:blip r:embed="rId4" cstate="print"/>
+            <a:blip r:embed="rId5" cstate="print"/>
             <a:stretch>
               <a:fillRect/>
             </a:stretch>
@@ -3566,7 +8166,7 @@
             <p:nvPr/>
           </p:nvPicPr>
           <p:blipFill>
-            <a:blip r:embed="rId2" cstate="print"/>
+            <a:blip r:embed="rId3" cstate="print"/>
             <a:srcRect/>
             <a:stretch>
               <a:fillRect/>
@@ -3599,7 +8199,7 @@
             <p:nvPr/>
           </p:nvPicPr>
           <p:blipFill>
-            <a:blip r:embed="rId5" cstate="print"/>
+            <a:blip r:embed="rId6" cstate="print"/>
             <a:stretch>
               <a:fillRect/>
             </a:stretch>
@@ -3624,7 +8224,7 @@
           <p:nvPr/>
         </p:nvPicPr>
         <p:blipFill>
-          <a:blip r:embed="rId6" cstate="print"/>
+          <a:blip r:embed="rId7" cstate="print"/>
           <a:stretch>
             <a:fillRect/>
           </a:stretch>
@@ -3655,7 +8255,7 @@
           <p:nvPr/>
         </p:nvPicPr>
         <p:blipFill>
-          <a:blip r:embed="rId7" cstate="print"/>
+          <a:blip r:embed="rId8" cstate="print"/>
           <a:stretch>
             <a:fillRect/>
           </a:stretch>
@@ -3679,7 +8279,7 @@
           <p:nvPr/>
         </p:nvPicPr>
         <p:blipFill>
-          <a:blip r:embed="rId8" cstate="print"/>
+          <a:blip r:embed="rId9" cstate="print"/>
           <a:stretch>
             <a:fillRect/>
           </a:stretch>
@@ -3703,7 +8303,7 @@
           <p:nvPr/>
         </p:nvPicPr>
         <p:blipFill>
-          <a:blip r:embed="rId8" cstate="print"/>
+          <a:blip r:embed="rId9" cstate="print"/>
           <a:stretch>
             <a:fillRect/>
           </a:stretch>
@@ -3727,7 +8327,7 @@
           <p:nvPr/>
         </p:nvPicPr>
         <p:blipFill>
-          <a:blip r:embed="rId8" cstate="print"/>
+          <a:blip r:embed="rId9" cstate="print"/>
           <a:stretch>
             <a:fillRect/>
           </a:stretch>
@@ -3751,7 +8351,7 @@
           <p:nvPr/>
         </p:nvPicPr>
         <p:blipFill>
-          <a:blip r:embed="rId8" cstate="print"/>
+          <a:blip r:embed="rId9" cstate="print"/>
           <a:stretch>
             <a:fillRect/>
           </a:stretch>
@@ -3775,7 +8375,7 @@
           <p:nvPr/>
         </p:nvPicPr>
         <p:blipFill>
-          <a:blip r:embed="rId8" cstate="print"/>
+          <a:blip r:embed="rId9" cstate="print"/>
           <a:stretch>
             <a:fillRect/>
           </a:stretch>
@@ -3912,30 +8512,6 @@
           </a:p>
         </p:txBody>
       </p:sp>
-      <p:pic>
-        <p:nvPicPr>
-          <p:cNvPr id="25" name="Picture 24" descr="Apps-preferences-plugin-icon.png"/>
-          <p:cNvPicPr>
-            <a:picLocks noChangeAspect="1"/>
-          </p:cNvPicPr>
-          <p:nvPr/>
-        </p:nvPicPr>
-        <p:blipFill>
-          <a:blip r:embed="rId9" cstate="print"/>
-          <a:stretch>
-            <a:fillRect/>
-          </a:stretch>
-        </p:blipFill>
-        <p:spPr>
-          <a:xfrm>
-            <a:off x="3276600" y="4267200"/>
-            <a:ext cx="2438400" cy="2438400"/>
-          </a:xfrm>
-          <a:prstGeom prst="rect">
-            <a:avLst/>
-          </a:prstGeom>
-        </p:spPr>
-      </p:pic>
       <p:sp>
         <p:nvSpPr>
           <p:cNvPr id="26" name="Up-Down Arrow 25"/>
@@ -4129,7 +8705,7 @@
           <p:nvPr/>
         </p:nvPicPr>
         <p:blipFill>
-          <a:blip r:embed="rId2" cstate="print"/>
+          <a:blip r:embed="rId3" cstate="print"/>
           <a:srcRect/>
           <a:stretch>
             <a:fillRect/>
@@ -4239,6 +8815,14 @@
   <p:clrMapOvr>
     <a:masterClrMapping/>
   </p:clrMapOvr>
+  <mc:AlternateContent xmlns:mc="http://schemas.openxmlformats.org/markup-compatibility/2006">
+    <mc:Choice xmlns:p14="http://schemas.microsoft.com/office/powerpoint/2010/main" Requires="p14">
+      <p:transition spd="slow" p14:dur="2000"/>
+    </mc:Choice>
+    <mc:Fallback>
+      <p:transition spd="slow"/>
+    </mc:Fallback>
+  </mc:AlternateContent>
   <p:timing>
     <p:tnLst>
       <p:par>
@@ -5220,8 +9804,8 @@
 </p:sld>
 </file>
 
-<file path=ppt/slides/slide3.xml><?xml version="1.0" encoding="utf-8"?>
-<p:sld xmlns:a="http://schemas.openxmlformats.org/drawingml/2006/main" xmlns:r="http://schemas.openxmlformats.org/officeDocument/2006/relationships" xmlns:p="http://schemas.openxmlformats.org/presentationml/2006/main">
+<file path=ppt/slides/slide4.xml><?xml version="1.0" encoding="utf-8"?>
+<p:sld xmlns:a="http://schemas.openxmlformats.org/drawingml/2006/main" xmlns:r="http://schemas.openxmlformats.org/officeDocument/2006/relationships" xmlns:p="http://schemas.openxmlformats.org/presentationml/2006/main" show="0">
   <p:cSld>
     <p:spTree>
       <p:nvGrpSpPr>
@@ -5237,9 +9821,33 @@
           <a:chExt cx="0" cy="0"/>
         </a:xfrm>
       </p:grpSpPr>
-      <p:sp>
-        <p:nvSpPr>
-          <p:cNvPr id="2" name="Title 1"/>
+      <p:pic>
+        <p:nvPicPr>
+          <p:cNvPr id="4" name="Picture 3" descr="Apps-preferences-plugin-icon.png"/>
+          <p:cNvPicPr>
+            <a:picLocks noChangeAspect="1"/>
+          </p:cNvPicPr>
+          <p:nvPr/>
+        </p:nvPicPr>
+        <p:blipFill>
+          <a:blip r:embed="rId2" cstate="print"/>
+          <a:stretch>
+            <a:fillRect/>
+          </a:stretch>
+        </p:blipFill>
+        <p:spPr>
+          <a:xfrm>
+            <a:off x="6438900" y="2060848"/>
+            <a:ext cx="2438400" cy="2438400"/>
+          </a:xfrm>
+          <a:prstGeom prst="rect">
+            <a:avLst/>
+          </a:prstGeom>
+        </p:spPr>
+      </p:pic>
+      <p:sp>
+        <p:nvSpPr>
+          <p:cNvPr id="5" name="Title 4"/>
           <p:cNvSpPr>
             <a:spLocks noGrp="1"/>
           </p:cNvSpPr>
@@ -5260,274 +9868,761 @@
           </a:p>
         </p:txBody>
       </p:sp>
-      <p:sp>
-        <p:nvSpPr>
-          <p:cNvPr id="3" name="Content Placeholder 2"/>
-          <p:cNvSpPr>
-            <a:spLocks noGrp="1"/>
-          </p:cNvSpPr>
-          <p:nvPr>
-            <p:ph idx="1"/>
-          </p:nvPr>
-        </p:nvSpPr>
-        <p:spPr/>
-        <p:txBody>
-          <a:bodyPr/>
-          <a:lstStyle/>
-          <a:p>
-            <a:r>
-              <a:rPr lang="en-US" dirty="0" smtClean="0"/>
-              <a:t>Replace the browsers JavaScript engine</a:t>
-            </a:r>
-          </a:p>
-          <a:p>
-            <a:pPr lvl="1"/>
-            <a:r>
-              <a:rPr lang="en-US" dirty="0" smtClean="0"/>
-              <a:t>Turn off the engine</a:t>
-            </a:r>
-          </a:p>
-          <a:p>
-            <a:pPr lvl="1"/>
-            <a:r>
-              <a:rPr lang="en-US" dirty="0" smtClean="0"/>
-              <a:t>Traverse the page</a:t>
-            </a:r>
-          </a:p>
-          <a:p>
-            <a:pPr lvl="1"/>
-            <a:r>
-              <a:rPr lang="en-US" dirty="0" smtClean="0"/>
-              <a:t>Monitor interprets all scripts in order</a:t>
-            </a:r>
-          </a:p>
-          <a:p>
-            <a:pPr lvl="1"/>
-            <a:r>
-              <a:rPr lang="en-US" dirty="0" smtClean="0"/>
-              <a:t>Hook all events</a:t>
-            </a:r>
-          </a:p>
-          <a:p>
-            <a:endParaRPr lang="en-US" dirty="0"/>
-          </a:p>
-          <a:p>
-            <a:r>
-              <a:rPr lang="en-US" dirty="0" smtClean="0"/>
-              <a:t>Implemented as an extension for Firefox</a:t>
-            </a:r>
-          </a:p>
-          <a:p>
-            <a:endParaRPr lang="en-US" dirty="0"/>
-          </a:p>
-        </p:txBody>
-      </p:sp>
+      <p:grpSp>
+        <p:nvGrpSpPr>
+          <p:cNvPr id="9" name="Group 8"/>
+          <p:cNvGrpSpPr/>
+          <p:nvPr/>
+        </p:nvGrpSpPr>
+        <p:grpSpPr>
+          <a:xfrm>
+            <a:off x="3971501" y="1295400"/>
+            <a:ext cx="1287780" cy="1402432"/>
+            <a:chOff x="3795569" y="1295400"/>
+            <a:chExt cx="1287780" cy="1402432"/>
+          </a:xfrm>
+        </p:grpSpPr>
+        <p:pic>
+          <p:nvPicPr>
+            <p:cNvPr id="10" name="Picture 9"/>
+            <p:cNvPicPr>
+              <a:picLocks noChangeAspect="1" noChangeArrowheads="1"/>
+            </p:cNvPicPr>
+            <p:nvPr/>
+          </p:nvPicPr>
+          <p:blipFill>
+            <a:blip r:embed="rId3" cstate="print"/>
+            <a:srcRect/>
+            <a:stretch>
+              <a:fillRect/>
+            </a:stretch>
+          </p:blipFill>
+          <p:spPr bwMode="auto">
+            <a:xfrm>
+              <a:off x="4038600" y="1295400"/>
+              <a:ext cx="840093" cy="1152128"/>
+            </a:xfrm>
+            <a:prstGeom prst="rect">
+              <a:avLst/>
+            </a:prstGeom>
+            <a:noFill/>
+            <a:ln w="9525">
+              <a:noFill/>
+              <a:miter lim="800000"/>
+              <a:headEnd/>
+              <a:tailEnd/>
+            </a:ln>
+            <a:effectLst/>
+          </p:spPr>
+        </p:pic>
+        <p:pic>
+          <p:nvPicPr>
+            <p:cNvPr id="11" name="Picture 10" descr="chalmers-logo.png"/>
+            <p:cNvPicPr>
+              <a:picLocks noChangeAspect="1"/>
+            </p:cNvPicPr>
+            <p:nvPr/>
+          </p:nvPicPr>
+          <p:blipFill>
+            <a:blip r:embed="rId4" cstate="print"/>
+            <a:stretch>
+              <a:fillRect/>
+            </a:stretch>
+          </p:blipFill>
+          <p:spPr>
+            <a:xfrm>
+              <a:off x="3795569" y="2545432"/>
+              <a:ext cx="1287780" cy="152400"/>
+            </a:xfrm>
+            <a:prstGeom prst="rect">
+              <a:avLst/>
+            </a:prstGeom>
+          </p:spPr>
+        </p:pic>
+      </p:grpSp>
+      <p:grpSp>
+        <p:nvGrpSpPr>
+          <p:cNvPr id="12" name="Group 11"/>
+          <p:cNvGrpSpPr/>
+          <p:nvPr/>
+        </p:nvGrpSpPr>
+        <p:grpSpPr>
+          <a:xfrm>
+            <a:off x="937932" y="1295400"/>
+            <a:ext cx="1361851" cy="1584176"/>
+            <a:chOff x="169168" y="2362200"/>
+            <a:chExt cx="1361851" cy="1584176"/>
+          </a:xfrm>
+        </p:grpSpPr>
+        <p:pic>
+          <p:nvPicPr>
+            <p:cNvPr id="13" name="Picture 12"/>
+            <p:cNvPicPr>
+              <a:picLocks noChangeAspect="1" noChangeArrowheads="1"/>
+            </p:cNvPicPr>
+            <p:nvPr/>
+          </p:nvPicPr>
+          <p:blipFill>
+            <a:blip r:embed="rId3" cstate="print"/>
+            <a:srcRect/>
+            <a:stretch>
+              <a:fillRect/>
+            </a:stretch>
+          </p:blipFill>
+          <p:spPr bwMode="auto">
+            <a:xfrm>
+              <a:off x="457200" y="2362200"/>
+              <a:ext cx="840093" cy="1152128"/>
+            </a:xfrm>
+            <a:prstGeom prst="rect">
+              <a:avLst/>
+            </a:prstGeom>
+            <a:noFill/>
+            <a:ln w="9525">
+              <a:noFill/>
+              <a:miter lim="800000"/>
+              <a:headEnd/>
+              <a:tailEnd/>
+            </a:ln>
+            <a:effectLst/>
+          </p:spPr>
+        </p:pic>
+        <p:pic>
+          <p:nvPicPr>
+            <p:cNvPr id="14" name="Picture 13" descr="google_logo.png"/>
+            <p:cNvPicPr>
+              <a:picLocks noChangeAspect="1"/>
+            </p:cNvPicPr>
+            <p:nvPr/>
+          </p:nvPicPr>
+          <p:blipFill>
+            <a:blip r:embed="rId5" cstate="print"/>
+            <a:srcRect l="13576" r="13576" b="86594"/>
+            <a:stretch>
+              <a:fillRect/>
+            </a:stretch>
+          </p:blipFill>
+          <p:spPr>
+            <a:xfrm>
+              <a:off x="169168" y="3514328"/>
+              <a:ext cx="1361851" cy="432048"/>
+            </a:xfrm>
+            <a:prstGeom prst="rect">
+              <a:avLst/>
+            </a:prstGeom>
+            <a:effectLst/>
+          </p:spPr>
+        </p:pic>
+      </p:grpSp>
+      <p:grpSp>
+        <p:nvGrpSpPr>
+          <p:cNvPr id="25" name="Group 24"/>
+          <p:cNvGrpSpPr/>
+          <p:nvPr/>
+        </p:nvGrpSpPr>
+        <p:grpSpPr>
+          <a:xfrm>
+            <a:off x="1646010" y="5572420"/>
+            <a:ext cx="9144000" cy="1861737"/>
+            <a:chOff x="1646010" y="5572420"/>
+            <a:chExt cx="9144000" cy="1861737"/>
+          </a:xfrm>
+        </p:grpSpPr>
+        <p:pic>
+          <p:nvPicPr>
+            <p:cNvPr id="15" name="Picture 14" descr="browser_logos-256.png"/>
+            <p:cNvPicPr>
+              <a:picLocks noChangeAspect="1"/>
+            </p:cNvPicPr>
+            <p:nvPr/>
+          </p:nvPicPr>
+          <p:blipFill>
+            <a:blip r:embed="rId6" cstate="print"/>
+            <a:stretch>
+              <a:fillRect/>
+            </a:stretch>
+          </p:blipFill>
+          <p:spPr>
+            <a:xfrm>
+              <a:off x="1646010" y="5724820"/>
+              <a:ext cx="9144000" cy="1709337"/>
+            </a:xfrm>
+            <a:prstGeom prst="rect">
+              <a:avLst/>
+            </a:prstGeom>
+          </p:spPr>
+        </p:pic>
+        <p:pic>
+          <p:nvPicPr>
+            <p:cNvPr id="16" name="Picture 15" descr="Apps-preferences-plugin-icon.png"/>
+            <p:cNvPicPr>
+              <a:picLocks noChangeAspect="1"/>
+            </p:cNvPicPr>
+            <p:nvPr/>
+          </p:nvPicPr>
+          <p:blipFill>
+            <a:blip r:embed="rId7" cstate="print"/>
+            <a:stretch>
+              <a:fillRect/>
+            </a:stretch>
+          </p:blipFill>
+          <p:spPr>
+            <a:xfrm>
+              <a:off x="1646010" y="5572420"/>
+              <a:ext cx="685800" cy="685800"/>
+            </a:xfrm>
+            <a:prstGeom prst="rect">
+              <a:avLst/>
+            </a:prstGeom>
+          </p:spPr>
+        </p:pic>
+        <p:pic>
+          <p:nvPicPr>
+            <p:cNvPr id="17" name="Picture 16" descr="Apps-preferences-plugin-icon.png"/>
+            <p:cNvPicPr>
+              <a:picLocks noChangeAspect="1"/>
+            </p:cNvPicPr>
+            <p:nvPr/>
+          </p:nvPicPr>
+          <p:blipFill>
+            <a:blip r:embed="rId7" cstate="print"/>
+            <a:stretch>
+              <a:fillRect/>
+            </a:stretch>
+          </p:blipFill>
+          <p:spPr>
+            <a:xfrm>
+              <a:off x="3551010" y="5572420"/>
+              <a:ext cx="685800" cy="685800"/>
+            </a:xfrm>
+            <a:prstGeom prst="rect">
+              <a:avLst/>
+            </a:prstGeom>
+          </p:spPr>
+        </p:pic>
+        <p:pic>
+          <p:nvPicPr>
+            <p:cNvPr id="18" name="Picture 17" descr="Apps-preferences-plugin-icon.png"/>
+            <p:cNvPicPr>
+              <a:picLocks noChangeAspect="1"/>
+            </p:cNvPicPr>
+            <p:nvPr/>
+          </p:nvPicPr>
+          <p:blipFill>
+            <a:blip r:embed="rId7" cstate="print"/>
+            <a:stretch>
+              <a:fillRect/>
+            </a:stretch>
+          </p:blipFill>
+          <p:spPr>
+            <a:xfrm>
+              <a:off x="7056210" y="5572420"/>
+              <a:ext cx="685800" cy="685800"/>
+            </a:xfrm>
+            <a:prstGeom prst="rect">
+              <a:avLst/>
+            </a:prstGeom>
+          </p:spPr>
+        </p:pic>
+        <p:pic>
+          <p:nvPicPr>
+            <p:cNvPr id="19" name="Picture 18" descr="Apps-preferences-plugin-icon.png"/>
+            <p:cNvPicPr>
+              <a:picLocks noChangeAspect="1"/>
+            </p:cNvPicPr>
+            <p:nvPr/>
+          </p:nvPicPr>
+          <p:blipFill>
+            <a:blip r:embed="rId7" cstate="print"/>
+            <a:stretch>
+              <a:fillRect/>
+            </a:stretch>
+          </p:blipFill>
+          <p:spPr>
+            <a:xfrm>
+              <a:off x="8961210" y="5572420"/>
+              <a:ext cx="685800" cy="685800"/>
+            </a:xfrm>
+            <a:prstGeom prst="rect">
+              <a:avLst/>
+            </a:prstGeom>
+          </p:spPr>
+        </p:pic>
+        <p:pic>
+          <p:nvPicPr>
+            <p:cNvPr id="21" name="Picture 20" descr="Apps-preferences-plugin-icon.png"/>
+            <p:cNvPicPr>
+              <a:picLocks noChangeAspect="1"/>
+            </p:cNvPicPr>
+            <p:nvPr/>
+          </p:nvPicPr>
+          <p:blipFill>
+            <a:blip r:embed="rId7" cstate="print"/>
+            <a:stretch>
+              <a:fillRect/>
+            </a:stretch>
+          </p:blipFill>
+          <p:spPr>
+            <a:xfrm>
+              <a:off x="5274611" y="5572420"/>
+              <a:ext cx="685800" cy="685800"/>
+            </a:xfrm>
+            <a:prstGeom prst="rect">
+              <a:avLst/>
+            </a:prstGeom>
+          </p:spPr>
+        </p:pic>
+      </p:grpSp>
+      <p:pic>
+        <p:nvPicPr>
+          <p:cNvPr id="22" name="Picture 9"/>
+          <p:cNvPicPr>
+            <a:picLocks noChangeAspect="1" noChangeArrowheads="1"/>
+          </p:cNvPicPr>
+          <p:nvPr/>
+        </p:nvPicPr>
+        <p:blipFill>
+          <a:blip r:embed="rId8" cstate="print">
+            <a:extLst>
+              <a:ext uri="{28A0092B-C50C-407E-A947-70E740481C1C}">
+                <a14:useLocalDpi xmlns:a14="http://schemas.microsoft.com/office/drawing/2010/main" val="0"/>
+              </a:ext>
+            </a:extLst>
+          </a:blip>
+          <a:srcRect/>
+          <a:stretch>
+            <a:fillRect/>
+          </a:stretch>
+        </p:blipFill>
+        <p:spPr bwMode="auto">
+          <a:xfrm>
+            <a:off x="3724634" y="4910807"/>
+            <a:ext cx="1819888" cy="1323226"/>
+          </a:xfrm>
+          <a:prstGeom prst="rect">
+            <a:avLst/>
+          </a:prstGeom>
+          <a:noFill/>
+          <a:ln>
+            <a:noFill/>
+          </a:ln>
+          <a:effectLst>
+            <a:outerShdw blurRad="50800" dist="38100" dir="2700000" algn="tl" rotWithShape="0">
+              <a:prstClr val="black">
+                <a:alpha val="15000"/>
+              </a:prstClr>
+            </a:outerShdw>
+          </a:effectLst>
+          <a:extLst>
+            <a:ext uri="{909E8E84-426E-40DD-AFC4-6F175D3DCCD1}">
+              <a14:hiddenFill xmlns:a14="http://schemas.microsoft.com/office/drawing/2010/main">
+                <a:solidFill>
+                  <a:schemeClr val="accent1"/>
+                </a:solidFill>
+              </a14:hiddenFill>
+            </a:ext>
+            <a:ext uri="{91240B29-F687-4F45-9708-019B960494DF}">
+              <a14:hiddenLine xmlns:a14="http://schemas.microsoft.com/office/drawing/2010/main" w="9525">
+                <a:solidFill>
+                  <a:schemeClr val="tx1"/>
+                </a:solidFill>
+                <a:miter lim="800000"/>
+                <a:headEnd/>
+                <a:tailEnd/>
+              </a14:hiddenLine>
+            </a:ext>
+          </a:extLst>
+        </p:spPr>
+      </p:pic>
+      <p:grpSp>
+        <p:nvGrpSpPr>
+          <p:cNvPr id="34" name="Group 33"/>
+          <p:cNvGrpSpPr/>
+          <p:nvPr/>
+        </p:nvGrpSpPr>
+        <p:grpSpPr>
+          <a:xfrm>
+            <a:off x="307975" y="3886199"/>
+            <a:ext cx="3906557" cy="1452737"/>
+            <a:chOff x="307975" y="3886199"/>
+            <a:chExt cx="3906557" cy="1452737"/>
+          </a:xfrm>
+        </p:grpSpPr>
+        <p:pic>
+          <p:nvPicPr>
+            <p:cNvPr id="24" name="Picture 23" descr="Apps-preferences-plugin-icon.png"/>
+            <p:cNvPicPr>
+              <a:picLocks noChangeAspect="1"/>
+            </p:cNvPicPr>
+            <p:nvPr/>
+          </p:nvPicPr>
+          <p:blipFill>
+            <a:blip r:embed="rId7" cstate="print"/>
+            <a:stretch>
+              <a:fillRect/>
+            </a:stretch>
+          </p:blipFill>
+          <p:spPr>
+            <a:xfrm>
+              <a:off x="3528732" y="4653136"/>
+              <a:ext cx="685800" cy="685800"/>
+            </a:xfrm>
+            <a:prstGeom prst="rect">
+              <a:avLst/>
+            </a:prstGeom>
+          </p:spPr>
+        </p:pic>
+        <p:sp>
+          <p:nvSpPr>
+            <p:cNvPr id="26" name="Line Callout 2 25"/>
+            <p:cNvSpPr/>
+            <p:nvPr/>
+          </p:nvSpPr>
+          <p:spPr>
+            <a:xfrm>
+              <a:off x="307975" y="3886199"/>
+              <a:ext cx="2366322" cy="1368152"/>
+            </a:xfrm>
+            <a:prstGeom prst="borderCallout2">
+              <a:avLst>
+                <a:gd name="adj1" fmla="val 50142"/>
+                <a:gd name="adj2" fmla="val 101153"/>
+                <a:gd name="adj3" fmla="val 50142"/>
+                <a:gd name="adj4" fmla="val 109213"/>
+                <a:gd name="adj5" fmla="val 83133"/>
+                <a:gd name="adj6" fmla="val 135420"/>
+              </a:avLst>
+            </a:prstGeom>
+            <a:ln w="28575"/>
+            <a:effectLst>
+              <a:outerShdw blurRad="50800" dist="165100" dir="2700000" algn="tl" rotWithShape="0">
+                <a:prstClr val="black">
+                  <a:alpha val="15000"/>
+                </a:prstClr>
+              </a:outerShdw>
+            </a:effectLst>
+          </p:spPr>
+          <p:style>
+            <a:lnRef idx="1">
+              <a:schemeClr val="accent3"/>
+            </a:lnRef>
+            <a:fillRef idx="2">
+              <a:schemeClr val="accent3"/>
+            </a:fillRef>
+            <a:effectRef idx="1">
+              <a:schemeClr val="accent3"/>
+            </a:effectRef>
+            <a:fontRef idx="minor">
+              <a:schemeClr val="dk1"/>
+            </a:fontRef>
+          </p:style>
+          <p:txBody>
+            <a:bodyPr rtlCol="0" anchor="ctr"/>
+            <a:lstStyle/>
+            <a:p>
+              <a:pPr algn="ctr"/>
+              <a:r>
+                <a:rPr lang="en-US" dirty="0" smtClean="0"/>
+                <a:t>Replace the JavaScript Engine</a:t>
+              </a:r>
+              <a:endParaRPr lang="en-US" dirty="0"/>
+            </a:p>
+          </p:txBody>
+        </p:sp>
+      </p:grpSp>
+      <p:grpSp>
+        <p:nvGrpSpPr>
+          <p:cNvPr id="27" name="Group 26"/>
+          <p:cNvGrpSpPr/>
+          <p:nvPr/>
+        </p:nvGrpSpPr>
+        <p:grpSpPr>
+          <a:xfrm>
+            <a:off x="62578" y="4996263"/>
+            <a:ext cx="9144000" cy="1861737"/>
+            <a:chOff x="1646010" y="5572420"/>
+            <a:chExt cx="9144000" cy="1861737"/>
+          </a:xfrm>
+        </p:grpSpPr>
+        <p:pic>
+          <p:nvPicPr>
+            <p:cNvPr id="28" name="Picture 27" descr="browser_logos-256.png"/>
+            <p:cNvPicPr>
+              <a:picLocks noChangeAspect="1"/>
+            </p:cNvPicPr>
+            <p:nvPr/>
+          </p:nvPicPr>
+          <p:blipFill>
+            <a:blip r:embed="rId6" cstate="print"/>
+            <a:stretch>
+              <a:fillRect/>
+            </a:stretch>
+          </p:blipFill>
+          <p:spPr>
+            <a:xfrm>
+              <a:off x="1646010" y="5724820"/>
+              <a:ext cx="9144000" cy="1709337"/>
+            </a:xfrm>
+            <a:prstGeom prst="rect">
+              <a:avLst/>
+            </a:prstGeom>
+          </p:spPr>
+        </p:pic>
+        <p:pic>
+          <p:nvPicPr>
+            <p:cNvPr id="29" name="Picture 28" descr="Apps-preferences-plugin-icon.png"/>
+            <p:cNvPicPr>
+              <a:picLocks noChangeAspect="1"/>
+            </p:cNvPicPr>
+            <p:nvPr/>
+          </p:nvPicPr>
+          <p:blipFill>
+            <a:blip r:embed="rId7" cstate="print"/>
+            <a:stretch>
+              <a:fillRect/>
+            </a:stretch>
+          </p:blipFill>
+          <p:spPr>
+            <a:xfrm>
+              <a:off x="1646010" y="5572420"/>
+              <a:ext cx="685800" cy="685800"/>
+            </a:xfrm>
+            <a:prstGeom prst="rect">
+              <a:avLst/>
+            </a:prstGeom>
+          </p:spPr>
+        </p:pic>
+        <p:pic>
+          <p:nvPicPr>
+            <p:cNvPr id="30" name="Picture 29" descr="Apps-preferences-plugin-icon.png"/>
+            <p:cNvPicPr>
+              <a:picLocks noChangeAspect="1"/>
+            </p:cNvPicPr>
+            <p:nvPr/>
+          </p:nvPicPr>
+          <p:blipFill>
+            <a:blip r:embed="rId7" cstate="print"/>
+            <a:stretch>
+              <a:fillRect/>
+            </a:stretch>
+          </p:blipFill>
+          <p:spPr>
+            <a:xfrm>
+              <a:off x="3551010" y="5572420"/>
+              <a:ext cx="685800" cy="685800"/>
+            </a:xfrm>
+            <a:prstGeom prst="rect">
+              <a:avLst/>
+            </a:prstGeom>
+          </p:spPr>
+        </p:pic>
+        <p:pic>
+          <p:nvPicPr>
+            <p:cNvPr id="31" name="Picture 30" descr="Apps-preferences-plugin-icon.png"/>
+            <p:cNvPicPr>
+              <a:picLocks noChangeAspect="1"/>
+            </p:cNvPicPr>
+            <p:nvPr/>
+          </p:nvPicPr>
+          <p:blipFill>
+            <a:blip r:embed="rId7" cstate="print"/>
+            <a:stretch>
+              <a:fillRect/>
+            </a:stretch>
+          </p:blipFill>
+          <p:spPr>
+            <a:xfrm>
+              <a:off x="7056210" y="5572420"/>
+              <a:ext cx="685800" cy="685800"/>
+            </a:xfrm>
+            <a:prstGeom prst="rect">
+              <a:avLst/>
+            </a:prstGeom>
+          </p:spPr>
+        </p:pic>
+        <p:pic>
+          <p:nvPicPr>
+            <p:cNvPr id="32" name="Picture 31" descr="Apps-preferences-plugin-icon.png"/>
+            <p:cNvPicPr>
+              <a:picLocks noChangeAspect="1"/>
+            </p:cNvPicPr>
+            <p:nvPr/>
+          </p:nvPicPr>
+          <p:blipFill>
+            <a:blip r:embed="rId7" cstate="print"/>
+            <a:stretch>
+              <a:fillRect/>
+            </a:stretch>
+          </p:blipFill>
+          <p:spPr>
+            <a:xfrm>
+              <a:off x="8961210" y="5572420"/>
+              <a:ext cx="685800" cy="685800"/>
+            </a:xfrm>
+            <a:prstGeom prst="rect">
+              <a:avLst/>
+            </a:prstGeom>
+          </p:spPr>
+        </p:pic>
+        <p:pic>
+          <p:nvPicPr>
+            <p:cNvPr id="33" name="Picture 32" descr="Apps-preferences-plugin-icon.png"/>
+            <p:cNvPicPr>
+              <a:picLocks noChangeAspect="1"/>
+            </p:cNvPicPr>
+            <p:nvPr/>
+          </p:nvPicPr>
+          <p:blipFill>
+            <a:blip r:embed="rId7" cstate="print"/>
+            <a:stretch>
+              <a:fillRect/>
+            </a:stretch>
+          </p:blipFill>
+          <p:spPr>
+            <a:xfrm>
+              <a:off x="5274611" y="5572420"/>
+              <a:ext cx="685800" cy="685800"/>
+            </a:xfrm>
+            <a:prstGeom prst="rect">
+              <a:avLst/>
+            </a:prstGeom>
+          </p:spPr>
+        </p:pic>
+      </p:grpSp>
     </p:spTree>
     <p:extLst>
       <p:ext uri="{BB962C8B-B14F-4D97-AF65-F5344CB8AC3E}">
-        <p14:creationId xmlns:p14="http://schemas.microsoft.com/office/powerpoint/2010/main" val="3854923001"/>
+        <p14:creationId xmlns:p14="http://schemas.microsoft.com/office/powerpoint/2010/main" val="2770436317"/>
       </p:ext>
     </p:extLst>
   </p:cSld>
   <p:clrMapOvr>
     <a:masterClrMapping/>
   </p:clrMapOvr>
-</p:sld>
-</file>
-
-<file path=ppt/slides/slide4.xml><?xml version="1.0" encoding="utf-8"?>
-<p:sld xmlns:a="http://schemas.openxmlformats.org/drawingml/2006/main" xmlns:r="http://schemas.openxmlformats.org/officeDocument/2006/relationships" xmlns:p="http://schemas.openxmlformats.org/presentationml/2006/main">
-  <p:cSld>
-    <p:spTree>
-      <p:nvGrpSpPr>
-        <p:cNvPr id="1" name=""/>
-        <p:cNvGrpSpPr/>
-        <p:nvPr/>
-      </p:nvGrpSpPr>
-      <p:grpSpPr>
-        <a:xfrm>
-          <a:off x="0" y="0"/>
-          <a:ext cx="0" cy="0"/>
-          <a:chOff x="0" y="0"/>
-          <a:chExt cx="0" cy="0"/>
-        </a:xfrm>
-      </p:grpSpPr>
-      <p:sp>
-        <p:nvSpPr>
-          <p:cNvPr id="2" name="Title 1"/>
-          <p:cNvSpPr>
-            <a:spLocks noGrp="1"/>
-          </p:cNvSpPr>
-          <p:nvPr>
-            <p:ph type="title"/>
-          </p:nvPr>
-        </p:nvSpPr>
-        <p:spPr/>
-        <p:txBody>
-          <a:bodyPr/>
-          <a:lstStyle/>
-          <a:p>
-            <a:r>
-              <a:rPr lang="en-US" dirty="0" smtClean="0"/>
-              <a:t>Browser extension</a:t>
-            </a:r>
-            <a:endParaRPr lang="en-US" dirty="0"/>
-          </a:p>
-        </p:txBody>
-      </p:sp>
-      <p:sp>
-        <p:nvSpPr>
-          <p:cNvPr id="4" name="Text Placeholder 3"/>
-          <p:cNvSpPr>
-            <a:spLocks noGrp="1"/>
-          </p:cNvSpPr>
-          <p:nvPr>
-            <p:ph type="body" idx="1"/>
-          </p:nvPr>
-        </p:nvSpPr>
-        <p:spPr/>
-        <p:txBody>
-          <a:bodyPr/>
-          <a:lstStyle/>
-          <a:p>
-            <a:r>
-              <a:rPr lang="en-US" dirty="0" smtClean="0"/>
-              <a:t>Pros</a:t>
-            </a:r>
-            <a:endParaRPr lang="en-US" dirty="0"/>
-          </a:p>
-        </p:txBody>
-      </p:sp>
-      <p:sp>
-        <p:nvSpPr>
-          <p:cNvPr id="5" name="Content Placeholder 4"/>
-          <p:cNvSpPr>
-            <a:spLocks noGrp="1"/>
-          </p:cNvSpPr>
-          <p:nvPr>
-            <p:ph sz="half" idx="2"/>
-          </p:nvPr>
-        </p:nvSpPr>
-        <p:spPr/>
-        <p:txBody>
-          <a:bodyPr/>
-          <a:lstStyle/>
-          <a:p>
-            <a:r>
-              <a:rPr lang="en-US" dirty="0" smtClean="0"/>
-              <a:t>Direct control over policies</a:t>
-            </a:r>
-          </a:p>
-          <a:p>
-            <a:r>
-              <a:rPr lang="en-US" dirty="0" smtClean="0"/>
-              <a:t>Cannot be bypassed</a:t>
-            </a:r>
-          </a:p>
-          <a:p>
-            <a:pPr lvl="1"/>
-            <a:r>
-              <a:rPr lang="en-US" dirty="0" smtClean="0"/>
-              <a:t>JavaScript won’t execute since engine is turned off</a:t>
-            </a:r>
-          </a:p>
-          <a:p>
-            <a:r>
-              <a:rPr lang="en-US" dirty="0" smtClean="0"/>
-              <a:t>Protocol agnostic (HTTP/HTTPS)</a:t>
-            </a:r>
-          </a:p>
-          <a:p>
-            <a:endParaRPr lang="en-US" dirty="0" smtClean="0"/>
-          </a:p>
-          <a:p>
-            <a:endParaRPr lang="en-US" dirty="0"/>
-          </a:p>
-        </p:txBody>
-      </p:sp>
-      <p:sp>
-        <p:nvSpPr>
-          <p:cNvPr id="6" name="Text Placeholder 5"/>
-          <p:cNvSpPr>
-            <a:spLocks noGrp="1"/>
-          </p:cNvSpPr>
-          <p:nvPr>
-            <p:ph type="body" sz="quarter" idx="3"/>
-          </p:nvPr>
-        </p:nvSpPr>
-        <p:spPr/>
-        <p:txBody>
-          <a:bodyPr/>
-          <a:lstStyle/>
-          <a:p>
-            <a:r>
-              <a:rPr lang="en-US" dirty="0" smtClean="0"/>
-              <a:t>Cons</a:t>
-            </a:r>
-            <a:endParaRPr lang="en-US" dirty="0"/>
-          </a:p>
-        </p:txBody>
-      </p:sp>
-      <p:sp>
-        <p:nvSpPr>
-          <p:cNvPr id="7" name="Content Placeholder 6"/>
-          <p:cNvSpPr>
-            <a:spLocks noGrp="1"/>
-          </p:cNvSpPr>
-          <p:nvPr>
-            <p:ph sz="quarter" idx="4"/>
-          </p:nvPr>
-        </p:nvSpPr>
-        <p:spPr/>
-        <p:txBody>
-          <a:bodyPr/>
-          <a:lstStyle/>
-          <a:p>
-            <a:r>
-              <a:rPr lang="en-US" dirty="0" smtClean="0"/>
-              <a:t>Execution order must match</a:t>
-            </a:r>
-          </a:p>
-          <a:p>
-            <a:r>
-              <a:rPr lang="en-US" dirty="0" err="1" smtClean="0"/>
-              <a:t>document.write</a:t>
-            </a:r>
-            <a:endParaRPr lang="en-US" dirty="0" smtClean="0"/>
-          </a:p>
-          <a:p>
-            <a:pPr lvl="1"/>
-            <a:endParaRPr lang="en-US" dirty="0"/>
-          </a:p>
-          <a:p>
-            <a:r>
-              <a:rPr lang="en-US" smtClean="0"/>
-              <a:t>Must run with </a:t>
-            </a:r>
-            <a:r>
-              <a:rPr lang="en-US" dirty="0" smtClean="0"/>
-              <a:t>privilege of the browser</a:t>
-            </a:r>
-          </a:p>
-          <a:p>
-            <a:endParaRPr lang="en-US" dirty="0"/>
-          </a:p>
-        </p:txBody>
-      </p:sp>
-    </p:spTree>
-    <p:extLst>
-      <p:ext uri="{BB962C8B-B14F-4D97-AF65-F5344CB8AC3E}">
-        <p14:creationId xmlns:p14="http://schemas.microsoft.com/office/powerpoint/2010/main" val="4053740965"/>
-      </p:ext>
-    </p:extLst>
-  </p:cSld>
-  <p:clrMapOvr>
-    <a:masterClrMapping/>
-  </p:clrMapOvr>
+  <mc:AlternateContent xmlns:mc="http://schemas.openxmlformats.org/markup-compatibility/2006">
+    <mc:Choice xmlns:p14="http://schemas.microsoft.com/office/powerpoint/2010/main" Requires="p14">
+      <p:transition spd="slow" p14:dur="2000"/>
+    </mc:Choice>
+    <mc:Fallback>
+      <p:transition spd="slow"/>
+    </mc:Fallback>
+  </mc:AlternateContent>
   <p:timing>
     <p:tnLst>
       <p:par>
-        <p:cTn id="1" dur="indefinite" restart="never" nodeType="tmRoot"/>
+        <p:cTn id="1" dur="indefinite" restart="never" nodeType="tmRoot">
+          <p:childTnLst>
+            <p:seq concurrent="1" nextAc="seek">
+              <p:cTn id="2" dur="indefinite" nodeType="mainSeq">
+                <p:childTnLst>
+                  <p:par>
+                    <p:cTn id="3" fill="hold">
+                      <p:stCondLst>
+                        <p:cond delay="indefinite"/>
+                      </p:stCondLst>
+                      <p:childTnLst>
+                        <p:par>
+                          <p:cTn id="4" fill="hold">
+                            <p:stCondLst>
+                              <p:cond delay="0"/>
+                            </p:stCondLst>
+                            <p:childTnLst>
+                              <p:par>
+                                <p:cTn id="5" presetID="1" presetClass="entr" presetSubtype="0" fill="hold" nodeType="clickEffect">
+                                  <p:stCondLst>
+                                    <p:cond delay="0"/>
+                                  </p:stCondLst>
+                                  <p:childTnLst>
+                                    <p:set>
+                                      <p:cBhvr>
+                                        <p:cTn id="6" dur="1" fill="hold">
+                                          <p:stCondLst>
+                                            <p:cond delay="0"/>
+                                          </p:stCondLst>
+                                        </p:cTn>
+                                        <p:tgtEl>
+                                          <p:spTgt spid="4"/>
+                                        </p:tgtEl>
+                                        <p:attrNameLst>
+                                          <p:attrName>style.visibility</p:attrName>
+                                        </p:attrNameLst>
+                                      </p:cBhvr>
+                                      <p:to>
+                                        <p:strVal val="visible"/>
+                                      </p:to>
+                                    </p:set>
+                                  </p:childTnLst>
+                                </p:cTn>
+                              </p:par>
+                            </p:childTnLst>
+                          </p:cTn>
+                        </p:par>
+                        <p:par>
+                          <p:cTn id="7" fill="hold">
+                            <p:stCondLst>
+                              <p:cond delay="0"/>
+                            </p:stCondLst>
+                            <p:childTnLst>
+                              <p:par>
+                                <p:cTn id="8" presetID="10" presetClass="entr" presetSubtype="0" fill="hold" nodeType="afterEffect">
+                                  <p:stCondLst>
+                                    <p:cond delay="0"/>
+                                  </p:stCondLst>
+                                  <p:childTnLst>
+                                    <p:set>
+                                      <p:cBhvr>
+                                        <p:cTn id="9" dur="1" fill="hold">
+                                          <p:stCondLst>
+                                            <p:cond delay="0"/>
+                                          </p:stCondLst>
+                                        </p:cTn>
+                                        <p:tgtEl>
+                                          <p:spTgt spid="27"/>
+                                        </p:tgtEl>
+                                        <p:attrNameLst>
+                                          <p:attrName>style.visibility</p:attrName>
+                                        </p:attrNameLst>
+                                      </p:cBhvr>
+                                      <p:to>
+                                        <p:strVal val="visible"/>
+                                      </p:to>
+                                    </p:set>
+                                    <p:animEffect transition="in" filter="fade">
+                                      <p:cBhvr>
+                                        <p:cTn id="10" dur="500"/>
+                                        <p:tgtEl>
+                                          <p:spTgt spid="27"/>
+                                        </p:tgtEl>
+                                      </p:cBhvr>
+                                    </p:animEffect>
+                                  </p:childTnLst>
+                                </p:cTn>
+                              </p:par>
+                            </p:childTnLst>
+                          </p:cTn>
+                        </p:par>
+                      </p:childTnLst>
+                    </p:cTn>
+                  </p:par>
+                </p:childTnLst>
+              </p:cTn>
+              <p:prevCondLst>
+                <p:cond evt="onPrev" delay="0">
+                  <p:tgtEl>
+                    <p:sldTgt/>
+                  </p:tgtEl>
+                </p:cond>
+              </p:prevCondLst>
+              <p:nextCondLst>
+                <p:cond evt="onNext" delay="0">
+                  <p:tgtEl>
+                    <p:sldTgt/>
+                  </p:tgtEl>
+                </p:cond>
+              </p:nextCondLst>
+            </p:seq>
+          </p:childTnLst>
+        </p:cTn>
       </p:par>
     </p:tnLst>
   </p:timing>
@@ -5553,7 +10648,7 @@
       </p:grpSpPr>
       <p:sp>
         <p:nvSpPr>
-          <p:cNvPr id="7" name="Title 6"/>
+          <p:cNvPr id="2" name="Title 1"/>
           <p:cNvSpPr>
             <a:spLocks noGrp="1"/>
           </p:cNvSpPr>
@@ -5568,7 +10663,7 @@
           <a:p>
             <a:r>
               <a:rPr lang="en-US" dirty="0" smtClean="0"/>
-              <a:t>Web proxy</a:t>
+              <a:t>Browser extension</a:t>
             </a:r>
             <a:endParaRPr lang="en-US" dirty="0"/>
           </a:p>
@@ -5576,38 +10671,739 @@
       </p:sp>
       <p:sp>
         <p:nvSpPr>
-          <p:cNvPr id="8" name="Content Placeholder 7"/>
-          <p:cNvSpPr>
-            <a:spLocks noGrp="1"/>
-          </p:cNvSpPr>
-          <p:nvPr>
-            <p:ph idx="1"/>
-          </p:nvPr>
-        </p:nvSpPr>
-        <p:spPr/>
-        <p:txBody>
-          <a:bodyPr/>
+          <p:cNvPr id="4" name="Up-Down Arrow 3"/>
+          <p:cNvSpPr/>
+          <p:nvPr/>
+        </p:nvSpPr>
+        <p:spPr>
+          <a:xfrm>
+            <a:off x="4489512" y="3284984"/>
+            <a:ext cx="381000" cy="1515615"/>
+          </a:xfrm>
+          <a:prstGeom prst="upDownArrow">
+            <a:avLst/>
+          </a:prstGeom>
+        </p:spPr>
+        <p:style>
+          <a:lnRef idx="1">
+            <a:schemeClr val="accent3"/>
+          </a:lnRef>
+          <a:fillRef idx="3">
+            <a:schemeClr val="accent3"/>
+          </a:fillRef>
+          <a:effectRef idx="2">
+            <a:schemeClr val="accent3"/>
+          </a:effectRef>
+          <a:fontRef idx="minor">
+            <a:schemeClr val="lt1"/>
+          </a:fontRef>
+        </p:style>
+        <p:txBody>
+          <a:bodyPr rtlCol="0" anchor="ctr"/>
           <a:lstStyle/>
           <a:p>
+            <a:pPr algn="ctr"/>
             <a:endParaRPr lang="en-US"/>
           </a:p>
         </p:txBody>
       </p:sp>
+      <p:sp>
+        <p:nvSpPr>
+          <p:cNvPr id="7" name="Up-Down Arrow 6"/>
+          <p:cNvSpPr/>
+          <p:nvPr/>
+        </p:nvSpPr>
+        <p:spPr>
+          <a:xfrm rot="20064916">
+            <a:off x="3166754" y="3241611"/>
+            <a:ext cx="381000" cy="1602360"/>
+          </a:xfrm>
+          <a:prstGeom prst="upDownArrow">
+            <a:avLst/>
+          </a:prstGeom>
+        </p:spPr>
+        <p:style>
+          <a:lnRef idx="1">
+            <a:schemeClr val="accent3"/>
+          </a:lnRef>
+          <a:fillRef idx="3">
+            <a:schemeClr val="accent3"/>
+          </a:fillRef>
+          <a:effectRef idx="2">
+            <a:schemeClr val="accent3"/>
+          </a:effectRef>
+          <a:fontRef idx="minor">
+            <a:schemeClr val="lt1"/>
+          </a:fontRef>
+        </p:style>
+        <p:txBody>
+          <a:bodyPr rtlCol="0" anchor="ctr"/>
+          <a:lstStyle/>
+          <a:p>
+            <a:pPr algn="ctr"/>
+            <a:endParaRPr lang="en-US"/>
+          </a:p>
+        </p:txBody>
+      </p:sp>
+      <p:pic>
+        <p:nvPicPr>
+          <p:cNvPr id="10" name="Picture 7"/>
+          <p:cNvPicPr>
+            <a:picLocks noChangeAspect="1" noChangeArrowheads="1"/>
+          </p:cNvPicPr>
+          <p:nvPr/>
+        </p:nvPicPr>
+        <p:blipFill>
+          <a:blip r:embed="rId2">
+            <a:extLst>
+              <a:ext uri="{28A0092B-C50C-407E-A947-70E740481C1C}">
+                <a14:useLocalDpi xmlns:a14="http://schemas.microsoft.com/office/drawing/2010/main" val="0"/>
+              </a:ext>
+            </a:extLst>
+          </a:blip>
+          <a:srcRect/>
+          <a:stretch>
+            <a:fillRect/>
+          </a:stretch>
+        </p:blipFill>
+        <p:spPr bwMode="auto">
+          <a:xfrm>
+            <a:off x="4340767" y="2714602"/>
+            <a:ext cx="678490" cy="380998"/>
+          </a:xfrm>
+          <a:prstGeom prst="rect">
+            <a:avLst/>
+          </a:prstGeom>
+          <a:noFill/>
+          <a:ln>
+            <a:noFill/>
+          </a:ln>
+          <a:extLst>
+            <a:ext uri="{909E8E84-426E-40DD-AFC4-6F175D3DCCD1}">
+              <a14:hiddenFill xmlns:a14="http://schemas.microsoft.com/office/drawing/2010/main">
+                <a:solidFill>
+                  <a:schemeClr val="accent1"/>
+                </a:solidFill>
+              </a14:hiddenFill>
+            </a:ext>
+            <a:ext uri="{91240B29-F687-4F45-9708-019B960494DF}">
+              <a14:hiddenLine xmlns:a14="http://schemas.microsoft.com/office/drawing/2010/main" w="9525">
+                <a:solidFill>
+                  <a:schemeClr val="tx1"/>
+                </a:solidFill>
+                <a:miter lim="800000"/>
+                <a:headEnd/>
+                <a:tailEnd/>
+              </a14:hiddenLine>
+            </a:ext>
+          </a:extLst>
+        </p:spPr>
+      </p:pic>
+      <p:pic>
+        <p:nvPicPr>
+          <p:cNvPr id="14" name="Picture 9"/>
+          <p:cNvPicPr>
+            <a:picLocks noChangeAspect="1" noChangeArrowheads="1"/>
+          </p:cNvPicPr>
+          <p:nvPr/>
+        </p:nvPicPr>
+        <p:blipFill>
+          <a:blip r:embed="rId3" cstate="print">
+            <a:extLst>
+              <a:ext uri="{28A0092B-C50C-407E-A947-70E740481C1C}">
+                <a14:useLocalDpi xmlns:a14="http://schemas.microsoft.com/office/drawing/2010/main" val="0"/>
+              </a:ext>
+            </a:extLst>
+          </a:blip>
+          <a:srcRect/>
+          <a:stretch>
+            <a:fillRect/>
+          </a:stretch>
+        </p:blipFill>
+        <p:spPr bwMode="auto">
+          <a:xfrm>
+            <a:off x="3770068" y="5082014"/>
+            <a:ext cx="1819888" cy="1323226"/>
+          </a:xfrm>
+          <a:prstGeom prst="rect">
+            <a:avLst/>
+          </a:prstGeom>
+          <a:noFill/>
+          <a:ln>
+            <a:noFill/>
+          </a:ln>
+          <a:effectLst>
+            <a:outerShdw blurRad="50800" dist="38100" dir="2700000" algn="tl" rotWithShape="0">
+              <a:prstClr val="black">
+                <a:alpha val="15000"/>
+              </a:prstClr>
+            </a:outerShdw>
+          </a:effectLst>
+          <a:extLst>
+            <a:ext uri="{909E8E84-426E-40DD-AFC4-6F175D3DCCD1}">
+              <a14:hiddenFill xmlns:a14="http://schemas.microsoft.com/office/drawing/2010/main">
+                <a:solidFill>
+                  <a:schemeClr val="accent1"/>
+                </a:solidFill>
+              </a14:hiddenFill>
+            </a:ext>
+            <a:ext uri="{91240B29-F687-4F45-9708-019B960494DF}">
+              <a14:hiddenLine xmlns:a14="http://schemas.microsoft.com/office/drawing/2010/main" w="9525">
+                <a:solidFill>
+                  <a:schemeClr val="tx1"/>
+                </a:solidFill>
+                <a:miter lim="800000"/>
+                <a:headEnd/>
+                <a:tailEnd/>
+              </a14:hiddenLine>
+            </a:ext>
+          </a:extLst>
+        </p:spPr>
+      </p:pic>
+      <p:pic>
+        <p:nvPicPr>
+          <p:cNvPr id="19" name="Picture 18" descr="browser_logos-256.png"/>
+          <p:cNvPicPr>
+            <a:picLocks noChangeAspect="1"/>
+          </p:cNvPicPr>
+          <p:nvPr/>
+        </p:nvPicPr>
+        <p:blipFill>
+          <a:blip r:embed="rId4" cstate="print"/>
+          <a:stretch>
+            <a:fillRect/>
+          </a:stretch>
+        </p:blipFill>
+        <p:spPr>
+          <a:xfrm>
+            <a:off x="0" y="5082014"/>
+            <a:ext cx="9144000" cy="1709337"/>
+          </a:xfrm>
+          <a:prstGeom prst="rect">
+            <a:avLst/>
+          </a:prstGeom>
+        </p:spPr>
+      </p:pic>
+      <p:pic>
+        <p:nvPicPr>
+          <p:cNvPr id="25" name="Picture 24" descr="browser_logos-256.png"/>
+          <p:cNvPicPr>
+            <a:picLocks noChangeAspect="1"/>
+          </p:cNvPicPr>
+          <p:nvPr/>
+        </p:nvPicPr>
+        <p:blipFill rotWithShape="1">
+          <a:blip r:embed="rId4" cstate="print"/>
+          <a:srcRect l="20077" r="58264"/>
+          <a:stretch/>
+        </p:blipFill>
+        <p:spPr>
+          <a:xfrm>
+            <a:off x="1849447" y="5097863"/>
+            <a:ext cx="1980000" cy="1709337"/>
+          </a:xfrm>
+          <a:prstGeom prst="rect">
+            <a:avLst/>
+          </a:prstGeom>
+        </p:spPr>
+      </p:pic>
+      <p:grpSp>
+        <p:nvGrpSpPr>
+          <p:cNvPr id="26" name="Group 25"/>
+          <p:cNvGrpSpPr/>
+          <p:nvPr/>
+        </p:nvGrpSpPr>
+        <p:grpSpPr>
+          <a:xfrm>
+            <a:off x="307975" y="3886199"/>
+            <a:ext cx="3906557" cy="1452737"/>
+            <a:chOff x="307975" y="3886199"/>
+            <a:chExt cx="3906557" cy="1452737"/>
+          </a:xfrm>
+        </p:grpSpPr>
+        <p:pic>
+          <p:nvPicPr>
+            <p:cNvPr id="16" name="Picture 15" descr="Apps-preferences-plugin-icon.png"/>
+            <p:cNvPicPr>
+              <a:picLocks noChangeAspect="1"/>
+            </p:cNvPicPr>
+            <p:nvPr/>
+          </p:nvPicPr>
+          <p:blipFill>
+            <a:blip r:embed="rId5" cstate="print"/>
+            <a:stretch>
+              <a:fillRect/>
+            </a:stretch>
+          </p:blipFill>
+          <p:spPr>
+            <a:xfrm>
+              <a:off x="3528732" y="4653136"/>
+              <a:ext cx="685800" cy="685800"/>
+            </a:xfrm>
+            <a:prstGeom prst="rect">
+              <a:avLst/>
+            </a:prstGeom>
+          </p:spPr>
+        </p:pic>
+        <p:sp>
+          <p:nvSpPr>
+            <p:cNvPr id="17" name="Line Callout 2 16"/>
+            <p:cNvSpPr/>
+            <p:nvPr/>
+          </p:nvSpPr>
+          <p:spPr>
+            <a:xfrm>
+              <a:off x="307975" y="3886199"/>
+              <a:ext cx="2366322" cy="1368152"/>
+            </a:xfrm>
+            <a:prstGeom prst="borderCallout2">
+              <a:avLst>
+                <a:gd name="adj1" fmla="val 50142"/>
+                <a:gd name="adj2" fmla="val 101153"/>
+                <a:gd name="adj3" fmla="val 50142"/>
+                <a:gd name="adj4" fmla="val 109213"/>
+                <a:gd name="adj5" fmla="val 83133"/>
+                <a:gd name="adj6" fmla="val 135420"/>
+              </a:avLst>
+            </a:prstGeom>
+            <a:solidFill>
+              <a:schemeClr val="bg1"/>
+            </a:solidFill>
+            <a:ln w="28575"/>
+            <a:effectLst>
+              <a:outerShdw blurRad="50800" dist="165100" dir="2700000" algn="tl" rotWithShape="0">
+                <a:prstClr val="black">
+                  <a:alpha val="15000"/>
+                </a:prstClr>
+              </a:outerShdw>
+            </a:effectLst>
+          </p:spPr>
+          <p:style>
+            <a:lnRef idx="1">
+              <a:schemeClr val="accent3"/>
+            </a:lnRef>
+            <a:fillRef idx="2">
+              <a:schemeClr val="accent3"/>
+            </a:fillRef>
+            <a:effectRef idx="1">
+              <a:schemeClr val="accent3"/>
+            </a:effectRef>
+            <a:fontRef idx="minor">
+              <a:schemeClr val="dk1"/>
+            </a:fontRef>
+          </p:style>
+          <p:txBody>
+            <a:bodyPr rtlCol="0" anchor="ctr"/>
+            <a:lstStyle/>
+            <a:p>
+              <a:pPr algn="ctr"/>
+              <a:r>
+                <a:rPr lang="en-US" dirty="0" smtClean="0"/>
+                <a:t>Replace the </a:t>
+              </a:r>
+            </a:p>
+            <a:p>
+              <a:pPr algn="ctr"/>
+              <a:r>
+                <a:rPr lang="en-US" dirty="0" smtClean="0"/>
+                <a:t>JavaScript Engine</a:t>
+              </a:r>
+              <a:endParaRPr lang="en-US" dirty="0"/>
+            </a:p>
+          </p:txBody>
+        </p:sp>
+        <p:pic>
+          <p:nvPicPr>
+            <p:cNvPr id="13" name="Picture 11" descr="http://audienceinnovation.com/images/icons/do-training-cogwheel-icon-300x297-gray.gif"/>
+            <p:cNvPicPr>
+              <a:picLocks noChangeAspect="1" noChangeArrowheads="1"/>
+            </p:cNvPicPr>
+            <p:nvPr/>
+          </p:nvPicPr>
+          <p:blipFill>
+            <a:blip r:embed="rId6" cstate="print">
+              <a:extLst>
+                <a:ext uri="{28A0092B-C50C-407E-A947-70E740481C1C}">
+                  <a14:useLocalDpi xmlns:a14="http://schemas.microsoft.com/office/drawing/2010/main" val="0"/>
+                </a:ext>
+              </a:extLst>
+            </a:blip>
+            <a:srcRect/>
+            <a:stretch>
+              <a:fillRect/>
+            </a:stretch>
+          </p:blipFill>
+          <p:spPr bwMode="auto">
+            <a:xfrm>
+              <a:off x="467543" y="4005901"/>
+              <a:ext cx="475215" cy="470463"/>
+            </a:xfrm>
+            <a:prstGeom prst="rect">
+              <a:avLst/>
+            </a:prstGeom>
+            <a:noFill/>
+          </p:spPr>
+        </p:pic>
+      </p:grpSp>
+      <p:pic>
+        <p:nvPicPr>
+          <p:cNvPr id="27" name="Picture 4" descr="http://www.userlogos.org/files/logos/macleod.mac/server.png"/>
+          <p:cNvPicPr>
+            <a:picLocks noChangeAspect="1" noChangeArrowheads="1"/>
+          </p:cNvPicPr>
+          <p:nvPr/>
+        </p:nvPicPr>
+        <p:blipFill>
+          <a:blip r:embed="rId7">
+            <a:extLst>
+              <a:ext uri="{28A0092B-C50C-407E-A947-70E740481C1C}">
+                <a14:useLocalDpi xmlns:a14="http://schemas.microsoft.com/office/drawing/2010/main" val="0"/>
+              </a:ext>
+            </a:extLst>
+          </a:blip>
+          <a:srcRect/>
+          <a:stretch>
+            <a:fillRect/>
+          </a:stretch>
+        </p:blipFill>
+        <p:spPr bwMode="auto">
+          <a:xfrm>
+            <a:off x="3849261" y="1594932"/>
+            <a:ext cx="1662281" cy="1246711"/>
+          </a:xfrm>
+          <a:prstGeom prst="rect">
+            <a:avLst/>
+          </a:prstGeom>
+          <a:noFill/>
+          <a:scene3d>
+            <a:camera prst="orthographicFront">
+              <a:rot lat="0" lon="10800000" rev="0"/>
+            </a:camera>
+            <a:lightRig rig="threePt" dir="t"/>
+          </a:scene3d>
+          <a:extLst>
+            <a:ext uri="{909E8E84-426E-40DD-AFC4-6F175D3DCCD1}">
+              <a14:hiddenFill xmlns:a14="http://schemas.microsoft.com/office/drawing/2010/main">
+                <a:solidFill>
+                  <a:srgbClr val="FFFFFF"/>
+                </a:solidFill>
+              </a14:hiddenFill>
+            </a:ext>
+          </a:extLst>
+        </p:spPr>
+      </p:pic>
+      <p:pic>
+        <p:nvPicPr>
+          <p:cNvPr id="29" name="Picture 28" descr="google_logo.png"/>
+          <p:cNvPicPr>
+            <a:picLocks noChangeAspect="1"/>
+          </p:cNvPicPr>
+          <p:nvPr/>
+        </p:nvPicPr>
+        <p:blipFill>
+          <a:blip r:embed="rId8" cstate="print"/>
+          <a:srcRect l="13576" r="13576" b="86594"/>
+          <a:stretch>
+            <a:fillRect/>
+          </a:stretch>
+        </p:blipFill>
+        <p:spPr>
+          <a:xfrm>
+            <a:off x="2132790" y="2663552"/>
+            <a:ext cx="1361851" cy="432048"/>
+          </a:xfrm>
+          <a:prstGeom prst="rect">
+            <a:avLst/>
+          </a:prstGeom>
+          <a:effectLst/>
+        </p:spPr>
+      </p:pic>
+      <p:pic>
+        <p:nvPicPr>
+          <p:cNvPr id="30" name="Picture 4" descr="http://www.userlogos.org/files/logos/macleod.mac/server.png"/>
+          <p:cNvPicPr>
+            <a:picLocks noChangeAspect="1" noChangeArrowheads="1"/>
+          </p:cNvPicPr>
+          <p:nvPr/>
+        </p:nvPicPr>
+        <p:blipFill>
+          <a:blip r:embed="rId7">
+            <a:extLst>
+              <a:ext uri="{28A0092B-C50C-407E-A947-70E740481C1C}">
+                <a14:useLocalDpi xmlns:a14="http://schemas.microsoft.com/office/drawing/2010/main" val="0"/>
+              </a:ext>
+            </a:extLst>
+          </a:blip>
+          <a:srcRect/>
+          <a:stretch>
+            <a:fillRect/>
+          </a:stretch>
+        </p:blipFill>
+        <p:spPr bwMode="auto">
+          <a:xfrm>
+            <a:off x="1971621" y="1604412"/>
+            <a:ext cx="1662281" cy="1246711"/>
+          </a:xfrm>
+          <a:prstGeom prst="rect">
+            <a:avLst/>
+          </a:prstGeom>
+          <a:noFill/>
+          <a:scene3d>
+            <a:camera prst="orthographicFront">
+              <a:rot lat="0" lon="10800000" rev="0"/>
+            </a:camera>
+            <a:lightRig rig="threePt" dir="t"/>
+          </a:scene3d>
+          <a:extLst>
+            <a:ext uri="{909E8E84-426E-40DD-AFC4-6F175D3DCCD1}">
+              <a14:hiddenFill xmlns:a14="http://schemas.microsoft.com/office/drawing/2010/main">
+                <a:solidFill>
+                  <a:srgbClr val="FFFFFF"/>
+                </a:solidFill>
+              </a14:hiddenFill>
+            </a:ext>
+          </a:extLst>
+        </p:spPr>
+      </p:pic>
     </p:spTree>
     <p:extLst>
       <p:ext uri="{BB962C8B-B14F-4D97-AF65-F5344CB8AC3E}">
-        <p14:creationId xmlns:p14="http://schemas.microsoft.com/office/powerpoint/2010/main" val="1135865827"/>
+        <p14:creationId xmlns:p14="http://schemas.microsoft.com/office/powerpoint/2010/main" val="1652461562"/>
       </p:ext>
     </p:extLst>
   </p:cSld>
   <p:clrMapOvr>
     <a:masterClrMapping/>
   </p:clrMapOvr>
+  <p:timing>
+    <p:tnLst>
+      <p:par>
+        <p:cTn id="1" dur="indefinite" restart="never" nodeType="tmRoot">
+          <p:childTnLst>
+            <p:seq concurrent="1" nextAc="seek">
+              <p:cTn id="2" dur="indefinite" nodeType="mainSeq">
+                <p:childTnLst>
+                  <p:par>
+                    <p:cTn id="3" fill="hold">
+                      <p:stCondLst>
+                        <p:cond delay="indefinite"/>
+                      </p:stCondLst>
+                      <p:childTnLst>
+                        <p:par>
+                          <p:cTn id="4" fill="hold">
+                            <p:stCondLst>
+                              <p:cond delay="0"/>
+                            </p:stCondLst>
+                            <p:childTnLst>
+                              <p:par>
+                                <p:cTn id="5" presetID="10" presetClass="entr" presetSubtype="0" fill="hold" nodeType="clickEffect">
+                                  <p:stCondLst>
+                                    <p:cond delay="0"/>
+                                  </p:stCondLst>
+                                  <p:childTnLst>
+                                    <p:set>
+                                      <p:cBhvr>
+                                        <p:cTn id="6" dur="1" fill="hold">
+                                          <p:stCondLst>
+                                            <p:cond delay="0"/>
+                                          </p:stCondLst>
+                                        </p:cTn>
+                                        <p:tgtEl>
+                                          <p:spTgt spid="26"/>
+                                        </p:tgtEl>
+                                        <p:attrNameLst>
+                                          <p:attrName>style.visibility</p:attrName>
+                                        </p:attrNameLst>
+                                      </p:cBhvr>
+                                      <p:to>
+                                        <p:strVal val="visible"/>
+                                      </p:to>
+                                    </p:set>
+                                    <p:animEffect transition="in" filter="fade">
+                                      <p:cBhvr>
+                                        <p:cTn id="7" dur="500"/>
+                                        <p:tgtEl>
+                                          <p:spTgt spid="26"/>
+                                        </p:tgtEl>
+                                      </p:cBhvr>
+                                    </p:animEffect>
+                                  </p:childTnLst>
+                                </p:cTn>
+                              </p:par>
+                            </p:childTnLst>
+                          </p:cTn>
+                        </p:par>
+                      </p:childTnLst>
+                    </p:cTn>
+                  </p:par>
+                  <p:par>
+                    <p:cTn id="8" fill="hold">
+                      <p:stCondLst>
+                        <p:cond delay="indefinite"/>
+                      </p:stCondLst>
+                      <p:childTnLst>
+                        <p:par>
+                          <p:cTn id="9" fill="hold">
+                            <p:stCondLst>
+                              <p:cond delay="0"/>
+                            </p:stCondLst>
+                            <p:childTnLst>
+                              <p:par>
+                                <p:cTn id="10" presetID="10" presetClass="entr" presetSubtype="0" fill="hold" nodeType="clickEffect">
+                                  <p:stCondLst>
+                                    <p:cond delay="0"/>
+                                  </p:stCondLst>
+                                  <p:childTnLst>
+                                    <p:set>
+                                      <p:cBhvr>
+                                        <p:cTn id="11" dur="1" fill="hold">
+                                          <p:stCondLst>
+                                            <p:cond delay="0"/>
+                                          </p:stCondLst>
+                                        </p:cTn>
+                                        <p:tgtEl>
+                                          <p:spTgt spid="25"/>
+                                        </p:tgtEl>
+                                        <p:attrNameLst>
+                                          <p:attrName>style.visibility</p:attrName>
+                                        </p:attrNameLst>
+                                      </p:cBhvr>
+                                      <p:to>
+                                        <p:strVal val="visible"/>
+                                      </p:to>
+                                    </p:set>
+                                    <p:animEffect transition="in" filter="fade">
+                                      <p:cBhvr>
+                                        <p:cTn id="12" dur="500"/>
+                                        <p:tgtEl>
+                                          <p:spTgt spid="25"/>
+                                        </p:tgtEl>
+                                      </p:cBhvr>
+                                    </p:animEffect>
+                                  </p:childTnLst>
+                                </p:cTn>
+                              </p:par>
+                            </p:childTnLst>
+                          </p:cTn>
+                        </p:par>
+                      </p:childTnLst>
+                    </p:cTn>
+                  </p:par>
+                  <p:par>
+                    <p:cTn id="13" fill="hold">
+                      <p:stCondLst>
+                        <p:cond delay="indefinite"/>
+                      </p:stCondLst>
+                      <p:childTnLst>
+                        <p:par>
+                          <p:cTn id="14" fill="hold">
+                            <p:stCondLst>
+                              <p:cond delay="0"/>
+                            </p:stCondLst>
+                            <p:childTnLst>
+                              <p:par>
+                                <p:cTn id="15" presetID="10" presetClass="entr" presetSubtype="0" fill="hold" nodeType="clickEffect">
+                                  <p:stCondLst>
+                                    <p:cond delay="0"/>
+                                  </p:stCondLst>
+                                  <p:childTnLst>
+                                    <p:set>
+                                      <p:cBhvr>
+                                        <p:cTn id="16" dur="1" fill="hold">
+                                          <p:stCondLst>
+                                            <p:cond delay="0"/>
+                                          </p:stCondLst>
+                                        </p:cTn>
+                                        <p:tgtEl>
+                                          <p:spTgt spid="19"/>
+                                        </p:tgtEl>
+                                        <p:attrNameLst>
+                                          <p:attrName>style.visibility</p:attrName>
+                                        </p:attrNameLst>
+                                      </p:cBhvr>
+                                      <p:to>
+                                        <p:strVal val="visible"/>
+                                      </p:to>
+                                    </p:set>
+                                    <p:animEffect transition="in" filter="fade">
+                                      <p:cBhvr>
+                                        <p:cTn id="17" dur="500"/>
+                                        <p:tgtEl>
+                                          <p:spTgt spid="19"/>
+                                        </p:tgtEl>
+                                      </p:cBhvr>
+                                    </p:animEffect>
+                                  </p:childTnLst>
+                                </p:cTn>
+                              </p:par>
+                              <p:par>
+                                <p:cTn id="18" presetID="10" presetClass="exit" presetSubtype="0" fill="hold" nodeType="withEffect">
+                                  <p:stCondLst>
+                                    <p:cond delay="0"/>
+                                  </p:stCondLst>
+                                  <p:childTnLst>
+                                    <p:animEffect transition="out" filter="fade">
+                                      <p:cBhvr>
+                                        <p:cTn id="19" dur="500"/>
+                                        <p:tgtEl>
+                                          <p:spTgt spid="25"/>
+                                        </p:tgtEl>
+                                      </p:cBhvr>
+                                    </p:animEffect>
+                                    <p:set>
+                                      <p:cBhvr>
+                                        <p:cTn id="20" dur="1" fill="hold">
+                                          <p:stCondLst>
+                                            <p:cond delay="499"/>
+                                          </p:stCondLst>
+                                        </p:cTn>
+                                        <p:tgtEl>
+                                          <p:spTgt spid="25"/>
+                                        </p:tgtEl>
+                                        <p:attrNameLst>
+                                          <p:attrName>style.visibility</p:attrName>
+                                        </p:attrNameLst>
+                                      </p:cBhvr>
+                                      <p:to>
+                                        <p:strVal val="hidden"/>
+                                      </p:to>
+                                    </p:set>
+                                  </p:childTnLst>
+                                </p:cTn>
+                              </p:par>
+                            </p:childTnLst>
+                          </p:cTn>
+                        </p:par>
+                      </p:childTnLst>
+                    </p:cTn>
+                  </p:par>
+                </p:childTnLst>
+              </p:cTn>
+              <p:prevCondLst>
+                <p:cond evt="onPrev" delay="0">
+                  <p:tgtEl>
+                    <p:sldTgt/>
+                  </p:tgtEl>
+                </p:cond>
+              </p:prevCondLst>
+              <p:nextCondLst>
+                <p:cond evt="onNext" delay="0">
+                  <p:tgtEl>
+                    <p:sldTgt/>
+                  </p:tgtEl>
+                </p:cond>
+              </p:nextCondLst>
+            </p:seq>
+          </p:childTnLst>
+        </p:cTn>
+      </p:par>
+    </p:tnLst>
+  </p:timing>
 </p:sld>
 </file>
 
 <file path=ppt/slides/slide6.xml><?xml version="1.0" encoding="utf-8"?>
-<p:sld xmlns:a="http://schemas.openxmlformats.org/drawingml/2006/main" xmlns:r="http://schemas.openxmlformats.org/officeDocument/2006/relationships" xmlns:p="http://schemas.openxmlformats.org/presentationml/2006/main">
+<p:sld xmlns:a="http://schemas.openxmlformats.org/drawingml/2006/main" xmlns:r="http://schemas.openxmlformats.org/officeDocument/2006/relationships" xmlns:p="http://schemas.openxmlformats.org/presentationml/2006/main" show="0">
   <p:cSld>
     <p:spTree>
       <p:nvGrpSpPr>
@@ -5640,7 +11436,7 @@
           <a:p>
             <a:r>
               <a:rPr lang="en-US" dirty="0" smtClean="0"/>
-              <a:t>Web proxy</a:t>
+              <a:t>Browser extension</a:t>
             </a:r>
             <a:endParaRPr lang="en-US" dirty="0"/>
           </a:p>
@@ -5648,12 +11444,12 @@
       </p:sp>
       <p:sp>
         <p:nvSpPr>
-          <p:cNvPr id="4" name="Text Placeholder 3"/>
+          <p:cNvPr id="3" name="Content Placeholder 2"/>
           <p:cNvSpPr>
             <a:spLocks noGrp="1"/>
           </p:cNvSpPr>
           <p:nvPr>
-            <p:ph type="body" idx="1"/>
+            <p:ph idx="1"/>
           </p:nvPr>
         </p:nvSpPr>
         <p:spPr/>
@@ -5663,68 +11459,46 @@
           <a:p>
             <a:r>
               <a:rPr lang="en-US" dirty="0" smtClean="0"/>
-              <a:t>Pros</a:t>
-            </a:r>
+              <a:t>Replace the browser’s JavaScript engine</a:t>
+            </a:r>
+          </a:p>
+          <a:p>
+            <a:pPr lvl="1"/>
+            <a:r>
+              <a:rPr lang="en-US" dirty="0" smtClean="0"/>
+              <a:t>Turn off the engine</a:t>
+            </a:r>
+          </a:p>
+          <a:p>
+            <a:pPr lvl="1"/>
+            <a:r>
+              <a:rPr lang="en-US" dirty="0" smtClean="0"/>
+              <a:t>Traverse the page</a:t>
+            </a:r>
+          </a:p>
+          <a:p>
+            <a:pPr lvl="1"/>
+            <a:r>
+              <a:rPr lang="en-US" dirty="0" smtClean="0"/>
+              <a:t>Monitor interprets all scripts in order</a:t>
+            </a:r>
+          </a:p>
+          <a:p>
+            <a:pPr lvl="1"/>
+            <a:r>
+              <a:rPr lang="en-US" dirty="0" smtClean="0"/>
+              <a:t>Hook all events</a:t>
+            </a:r>
+          </a:p>
+          <a:p>
             <a:endParaRPr lang="en-US" dirty="0"/>
           </a:p>
-        </p:txBody>
-      </p:sp>
-      <p:sp>
-        <p:nvSpPr>
-          <p:cNvPr id="5" name="Content Placeholder 4"/>
-          <p:cNvSpPr>
-            <a:spLocks noGrp="1"/>
-          </p:cNvSpPr>
-          <p:nvPr>
-            <p:ph sz="half" idx="2"/>
-          </p:nvPr>
-        </p:nvSpPr>
-        <p:spPr/>
-        <p:txBody>
-          <a:bodyPr/>
-          <a:lstStyle/>
-          <a:p>
-            <a:endParaRPr lang="en-US"/>
-          </a:p>
-        </p:txBody>
-      </p:sp>
-      <p:sp>
-        <p:nvSpPr>
-          <p:cNvPr id="6" name="Text Placeholder 5"/>
-          <p:cNvSpPr>
-            <a:spLocks noGrp="1"/>
-          </p:cNvSpPr>
-          <p:nvPr>
-            <p:ph type="body" sz="quarter" idx="3"/>
-          </p:nvPr>
-        </p:nvSpPr>
-        <p:spPr/>
-        <p:txBody>
-          <a:bodyPr/>
-          <a:lstStyle/>
           <a:p>
             <a:r>
               <a:rPr lang="en-US" dirty="0" smtClean="0"/>
-              <a:t>Cons</a:t>
-            </a:r>
-            <a:endParaRPr lang="en-US" dirty="0"/>
-          </a:p>
-        </p:txBody>
-      </p:sp>
-      <p:sp>
-        <p:nvSpPr>
-          <p:cNvPr id="7" name="Content Placeholder 6"/>
-          <p:cNvSpPr>
-            <a:spLocks noGrp="1"/>
-          </p:cNvSpPr>
-          <p:nvPr>
-            <p:ph sz="quarter" idx="4"/>
-          </p:nvPr>
-        </p:nvSpPr>
-        <p:spPr/>
-        <p:txBody>
-          <a:bodyPr/>
-          <a:lstStyle/>
+              <a:t>Implemented as an extension for Firefox</a:t>
+            </a:r>
+          </a:p>
           <a:p>
             <a:endParaRPr lang="en-US" dirty="0"/>
           </a:p>
@@ -5733,13 +11507,21 @@
     </p:spTree>
     <p:extLst>
       <p:ext uri="{BB962C8B-B14F-4D97-AF65-F5344CB8AC3E}">
-        <p14:creationId xmlns:p14="http://schemas.microsoft.com/office/powerpoint/2010/main" val="2940478660"/>
+        <p14:creationId xmlns:p14="http://schemas.microsoft.com/office/powerpoint/2010/main" val="3854923001"/>
       </p:ext>
     </p:extLst>
   </p:cSld>
   <p:clrMapOvr>
     <a:masterClrMapping/>
   </p:clrMapOvr>
+  <mc:AlternateContent xmlns:mc="http://schemas.openxmlformats.org/markup-compatibility/2006">
+    <mc:Choice xmlns:p14="http://schemas.microsoft.com/office/powerpoint/2010/main" Requires="p14">
+      <p:transition spd="slow" p14:dur="2000"/>
+    </mc:Choice>
+    <mc:Fallback>
+      <p:transition spd="slow"/>
+    </mc:Fallback>
+  </mc:AlternateContent>
   <p:timing>
     <p:tnLst>
       <p:par>
@@ -5769,7 +11551,7 @@
       </p:grpSpPr>
       <p:sp>
         <p:nvSpPr>
-          <p:cNvPr id="7" name="Title 6"/>
+          <p:cNvPr id="2" name="Title 1"/>
           <p:cNvSpPr>
             <a:spLocks noGrp="1"/>
           </p:cNvSpPr>
@@ -5784,7 +11566,7 @@
           <a:p>
             <a:r>
               <a:rPr lang="en-US" dirty="0" smtClean="0"/>
-              <a:t>Suffix proxy</a:t>
+              <a:t>Browser extension</a:t>
             </a:r>
             <a:endParaRPr lang="en-US" dirty="0"/>
           </a:p>
@@ -5792,12 +11574,12 @@
       </p:sp>
       <p:sp>
         <p:nvSpPr>
-          <p:cNvPr id="8" name="Content Placeholder 7"/>
+          <p:cNvPr id="4" name="Text Placeholder 3"/>
           <p:cNvSpPr>
             <a:spLocks noGrp="1"/>
           </p:cNvSpPr>
           <p:nvPr>
-            <p:ph idx="1"/>
+            <p:ph type="body" idx="1"/>
           </p:nvPr>
         </p:nvSpPr>
         <p:spPr/>
@@ -5805,20 +11587,144 @@
           <a:bodyPr/>
           <a:lstStyle/>
           <a:p>
-            <a:endParaRPr lang="en-US"/>
+            <a:r>
+              <a:rPr lang="en-US" dirty="0" smtClean="0"/>
+              <a:t>Pros</a:t>
+            </a:r>
+            <a:endParaRPr lang="en-US" dirty="0"/>
+          </a:p>
+        </p:txBody>
+      </p:sp>
+      <p:sp>
+        <p:nvSpPr>
+          <p:cNvPr id="5" name="Content Placeholder 4"/>
+          <p:cNvSpPr>
+            <a:spLocks noGrp="1"/>
+          </p:cNvSpPr>
+          <p:nvPr>
+            <p:ph sz="half" idx="2"/>
+          </p:nvPr>
+        </p:nvSpPr>
+        <p:spPr/>
+        <p:txBody>
+          <a:bodyPr/>
+          <a:lstStyle/>
+          <a:p>
+            <a:r>
+              <a:rPr lang="en-US" dirty="0" smtClean="0"/>
+              <a:t>Direct control over policies</a:t>
+            </a:r>
+          </a:p>
+          <a:p>
+            <a:r>
+              <a:rPr lang="en-US" dirty="0" smtClean="0"/>
+              <a:t>Cannot be bypassed</a:t>
+            </a:r>
+          </a:p>
+          <a:p>
+            <a:pPr lvl="1"/>
+            <a:r>
+              <a:rPr lang="en-US" dirty="0" smtClean="0"/>
+              <a:t>JavaScript engine is turned off</a:t>
+            </a:r>
+          </a:p>
+          <a:p>
+            <a:r>
+              <a:rPr lang="en-US" dirty="0" smtClean="0"/>
+              <a:t>Protocol agnostic (HTTP/HTTPS)</a:t>
+            </a:r>
+          </a:p>
+          <a:p>
+            <a:endParaRPr lang="en-US" dirty="0" smtClean="0"/>
+          </a:p>
+          <a:p>
+            <a:endParaRPr lang="en-US" dirty="0"/>
+          </a:p>
+        </p:txBody>
+      </p:sp>
+      <p:sp>
+        <p:nvSpPr>
+          <p:cNvPr id="6" name="Text Placeholder 5"/>
+          <p:cNvSpPr>
+            <a:spLocks noGrp="1"/>
+          </p:cNvSpPr>
+          <p:nvPr>
+            <p:ph type="body" sz="quarter" idx="3"/>
+          </p:nvPr>
+        </p:nvSpPr>
+        <p:spPr/>
+        <p:txBody>
+          <a:bodyPr/>
+          <a:lstStyle/>
+          <a:p>
+            <a:r>
+              <a:rPr lang="en-US" dirty="0" smtClean="0"/>
+              <a:t>Cons</a:t>
+            </a:r>
+            <a:endParaRPr lang="en-US" dirty="0"/>
+          </a:p>
+        </p:txBody>
+      </p:sp>
+      <p:sp>
+        <p:nvSpPr>
+          <p:cNvPr id="7" name="Content Placeholder 6"/>
+          <p:cNvSpPr>
+            <a:spLocks noGrp="1"/>
+          </p:cNvSpPr>
+          <p:nvPr>
+            <p:ph sz="quarter" idx="4"/>
+          </p:nvPr>
+        </p:nvSpPr>
+        <p:spPr/>
+        <p:txBody>
+          <a:bodyPr/>
+          <a:lstStyle/>
+          <a:p>
+            <a:r>
+              <a:rPr lang="en-US" dirty="0" smtClean="0"/>
+              <a:t>Execution order must match</a:t>
+            </a:r>
+          </a:p>
+          <a:p>
+            <a:r>
+              <a:rPr lang="en-US" dirty="0" smtClean="0"/>
+              <a:t>Modifies the browser</a:t>
+            </a:r>
+          </a:p>
+          <a:p>
+            <a:r>
+              <a:rPr lang="en-US" dirty="0" smtClean="0"/>
+              <a:t>Runs with privilege of the browser</a:t>
+            </a:r>
+          </a:p>
+          <a:p>
+            <a:r>
+              <a:rPr lang="en-US" dirty="0" smtClean="0"/>
+              <a:t>One implementation per browser</a:t>
+            </a:r>
+          </a:p>
+          <a:p>
+            <a:endParaRPr lang="en-US" dirty="0"/>
           </a:p>
         </p:txBody>
       </p:sp>
     </p:spTree>
     <p:extLst>
       <p:ext uri="{BB962C8B-B14F-4D97-AF65-F5344CB8AC3E}">
-        <p14:creationId xmlns:p14="http://schemas.microsoft.com/office/powerpoint/2010/main" val="3076324109"/>
+        <p14:creationId xmlns:p14="http://schemas.microsoft.com/office/powerpoint/2010/main" val="4053740965"/>
       </p:ext>
     </p:extLst>
   </p:cSld>
   <p:clrMapOvr>
     <a:masterClrMapping/>
   </p:clrMapOvr>
+  <p:timing>
+    <p:tnLst>
+      <p:par>
+        <p:cTn id="1" dur="indefinite" restart="never" nodeType="tmRoot"/>
+      </p:par>
+    </p:tnLst>
+  </p:timing>
 </p:sld>
 </file>
 
@@ -5839,129 +11745,1283 @@
           <a:chExt cx="0" cy="0"/>
         </a:xfrm>
       </p:grpSpPr>
-      <p:sp>
-        <p:nvSpPr>
-          <p:cNvPr id="2" name="Title 1"/>
-          <p:cNvSpPr>
-            <a:spLocks noGrp="1"/>
+      <p:pic>
+        <p:nvPicPr>
+          <p:cNvPr id="29" name="Picture 2" descr="http://a.dryicons.com/images/icon_sets/coquette_part_5_icons_set/png/128x128/html_file.png"/>
+          <p:cNvPicPr>
+            <a:picLocks noChangeAspect="1" noChangeArrowheads="1"/>
+          </p:cNvPicPr>
+          <p:nvPr/>
+        </p:nvPicPr>
+        <p:blipFill>
+          <a:blip r:embed="rId3" cstate="print">
+            <a:extLst>
+              <a:ext uri="{28A0092B-C50C-407E-A947-70E740481C1C}">
+                <a14:useLocalDpi xmlns:a14="http://schemas.microsoft.com/office/drawing/2010/main" val="0"/>
+              </a:ext>
+            </a:extLst>
+          </a:blip>
+          <a:srcRect/>
+          <a:stretch>
+            <a:fillRect/>
+          </a:stretch>
+        </p:blipFill>
+        <p:spPr bwMode="auto">
+          <a:xfrm>
+            <a:off x="5826482" y="3284981"/>
+            <a:ext cx="1809860" cy="1809864"/>
+          </a:xfrm>
+          <a:prstGeom prst="rect">
+            <a:avLst/>
+          </a:prstGeom>
+          <a:noFill/>
+          <a:extLst>
+            <a:ext uri="{909E8E84-426E-40DD-AFC4-6F175D3DCCD1}">
+              <a14:hiddenFill xmlns:a14="http://schemas.microsoft.com/office/drawing/2010/main">
+                <a:solidFill>
+                  <a:srgbClr val="FFFFFF"/>
+                </a:solidFill>
+              </a14:hiddenFill>
+            </a:ext>
+          </a:extLst>
+        </p:spPr>
+      </p:pic>
+      <p:sp>
+        <p:nvSpPr>
+          <p:cNvPr id="7" name="Title 1"/>
+          <p:cNvSpPr txBox="1">
+            <a:spLocks/>
           </p:cNvSpPr>
-          <p:nvPr>
-            <p:ph type="title"/>
-          </p:nvPr>
-        </p:nvSpPr>
-        <p:spPr/>
-        <p:txBody>
-          <a:bodyPr/>
+          <p:nvPr/>
+        </p:nvSpPr>
+        <p:spPr>
+          <a:xfrm>
+            <a:off x="457200" y="274638"/>
+            <a:ext cx="8229600" cy="1143000"/>
+          </a:xfrm>
+          <a:prstGeom prst="rect">
+            <a:avLst/>
+          </a:prstGeom>
+        </p:spPr>
+        <p:txBody>
+          <a:bodyPr vert="horz" lIns="91440" tIns="45720" rIns="91440" bIns="45720" rtlCol="0" anchor="ctr">
+            <a:normAutofit/>
+          </a:bodyPr>
+          <a:lstStyle>
+            <a:lvl1pPr algn="ctr" defTabSz="914400" rtl="0" eaLnBrk="1" latinLnBrk="0" hangingPunct="1">
+              <a:spcBef>
+                <a:spcPct val="0"/>
+              </a:spcBef>
+              <a:buNone/>
+              <a:defRPr sz="4400" kern="1200">
+                <a:solidFill>
+                  <a:schemeClr val="tx1"/>
+                </a:solidFill>
+                <a:latin typeface="+mj-lt"/>
+                <a:ea typeface="+mj-ea"/>
+                <a:cs typeface="+mj-cs"/>
+              </a:defRPr>
+            </a:lvl1pPr>
+          </a:lstStyle>
+          <a:p>
+            <a:r>
+              <a:rPr lang="en-US" dirty="0" smtClean="0"/>
+              <a:t>Web proxy</a:t>
+            </a:r>
+            <a:endParaRPr lang="en-US" dirty="0"/>
+          </a:p>
+        </p:txBody>
+      </p:sp>
+      <p:pic>
+        <p:nvPicPr>
+          <p:cNvPr id="14" name="Picture 13" descr="google_logo.png"/>
+          <p:cNvPicPr>
+            <a:picLocks noChangeAspect="1"/>
+          </p:cNvPicPr>
+          <p:nvPr/>
+        </p:nvPicPr>
+        <p:blipFill>
+          <a:blip r:embed="rId4" cstate="print"/>
+          <a:srcRect l="13576" r="13576" b="86594"/>
+          <a:stretch>
+            <a:fillRect/>
+          </a:stretch>
+        </p:blipFill>
+        <p:spPr>
+          <a:xfrm>
+            <a:off x="2132790" y="2663552"/>
+            <a:ext cx="1361851" cy="432048"/>
+          </a:xfrm>
+          <a:prstGeom prst="rect">
+            <a:avLst/>
+          </a:prstGeom>
+          <a:effectLst/>
+        </p:spPr>
+      </p:pic>
+      <p:pic>
+        <p:nvPicPr>
+          <p:cNvPr id="15" name="Picture 7"/>
+          <p:cNvPicPr>
+            <a:picLocks noChangeAspect="1" noChangeArrowheads="1"/>
+          </p:cNvPicPr>
+          <p:nvPr/>
+        </p:nvPicPr>
+        <p:blipFill>
+          <a:blip r:embed="rId5">
+            <a:extLst>
+              <a:ext uri="{28A0092B-C50C-407E-A947-70E740481C1C}">
+                <a14:useLocalDpi xmlns:a14="http://schemas.microsoft.com/office/drawing/2010/main" val="0"/>
+              </a:ext>
+            </a:extLst>
+          </a:blip>
+          <a:srcRect/>
+          <a:stretch>
+            <a:fillRect/>
+          </a:stretch>
+        </p:blipFill>
+        <p:spPr bwMode="auto">
+          <a:xfrm>
+            <a:off x="4340767" y="2714602"/>
+            <a:ext cx="678490" cy="380998"/>
+          </a:xfrm>
+          <a:prstGeom prst="rect">
+            <a:avLst/>
+          </a:prstGeom>
+          <a:noFill/>
+          <a:ln>
+            <a:noFill/>
+          </a:ln>
+          <a:extLst>
+            <a:ext uri="{909E8E84-426E-40DD-AFC4-6F175D3DCCD1}">
+              <a14:hiddenFill xmlns:a14="http://schemas.microsoft.com/office/drawing/2010/main">
+                <a:solidFill>
+                  <a:schemeClr val="accent1"/>
+                </a:solidFill>
+              </a14:hiddenFill>
+            </a:ext>
+            <a:ext uri="{91240B29-F687-4F45-9708-019B960494DF}">
+              <a14:hiddenLine xmlns:a14="http://schemas.microsoft.com/office/drawing/2010/main" w="9525">
+                <a:solidFill>
+                  <a:schemeClr val="tx1"/>
+                </a:solidFill>
+                <a:miter lim="800000"/>
+                <a:headEnd/>
+                <a:tailEnd/>
+              </a14:hiddenLine>
+            </a:ext>
+          </a:extLst>
+        </p:spPr>
+      </p:pic>
+      <p:pic>
+        <p:nvPicPr>
+          <p:cNvPr id="16" name="Picture 9"/>
+          <p:cNvPicPr>
+            <a:picLocks noChangeAspect="1" noChangeArrowheads="1"/>
+          </p:cNvPicPr>
+          <p:nvPr/>
+        </p:nvPicPr>
+        <p:blipFill>
+          <a:blip r:embed="rId6" cstate="print">
+            <a:extLst>
+              <a:ext uri="{28A0092B-C50C-407E-A947-70E740481C1C}">
+                <a14:useLocalDpi xmlns:a14="http://schemas.microsoft.com/office/drawing/2010/main" val="0"/>
+              </a:ext>
+            </a:extLst>
+          </a:blip>
+          <a:srcRect/>
+          <a:stretch>
+            <a:fillRect/>
+          </a:stretch>
+        </p:blipFill>
+        <p:spPr bwMode="auto">
+          <a:xfrm>
+            <a:off x="3770068" y="5082014"/>
+            <a:ext cx="1819888" cy="1323226"/>
+          </a:xfrm>
+          <a:prstGeom prst="rect">
+            <a:avLst/>
+          </a:prstGeom>
+          <a:noFill/>
+          <a:ln>
+            <a:noFill/>
+          </a:ln>
+          <a:effectLst>
+            <a:outerShdw blurRad="50800" dist="38100" dir="2700000" algn="tl" rotWithShape="0">
+              <a:prstClr val="black">
+                <a:alpha val="15000"/>
+              </a:prstClr>
+            </a:outerShdw>
+          </a:effectLst>
+          <a:extLst>
+            <a:ext uri="{909E8E84-426E-40DD-AFC4-6F175D3DCCD1}">
+              <a14:hiddenFill xmlns:a14="http://schemas.microsoft.com/office/drawing/2010/main">
+                <a:solidFill>
+                  <a:schemeClr val="accent1"/>
+                </a:solidFill>
+              </a14:hiddenFill>
+            </a:ext>
+            <a:ext uri="{91240B29-F687-4F45-9708-019B960494DF}">
+              <a14:hiddenLine xmlns:a14="http://schemas.microsoft.com/office/drawing/2010/main" w="9525">
+                <a:solidFill>
+                  <a:schemeClr val="tx1"/>
+                </a:solidFill>
+                <a:miter lim="800000"/>
+                <a:headEnd/>
+                <a:tailEnd/>
+              </a14:hiddenLine>
+            </a:ext>
+          </a:extLst>
+        </p:spPr>
+      </p:pic>
+      <p:pic>
+        <p:nvPicPr>
+          <p:cNvPr id="26" name="Picture 11" descr="http://audienceinnovation.com/images/icons/do-training-cogwheel-icon-300x297-gray.gif"/>
+          <p:cNvPicPr>
+            <a:picLocks noChangeAspect="1" noChangeArrowheads="1"/>
+          </p:cNvPicPr>
+          <p:nvPr/>
+        </p:nvPicPr>
+        <p:blipFill>
+          <a:blip r:embed="rId7" cstate="print">
+            <a:extLst>
+              <a:ext uri="{28A0092B-C50C-407E-A947-70E740481C1C}">
+                <a14:useLocalDpi xmlns:a14="http://schemas.microsoft.com/office/drawing/2010/main" val="0"/>
+              </a:ext>
+            </a:extLst>
+          </a:blip>
+          <a:srcRect/>
+          <a:stretch>
+            <a:fillRect/>
+          </a:stretch>
+        </p:blipFill>
+        <p:spPr bwMode="auto">
+          <a:xfrm>
+            <a:off x="5985690" y="3167667"/>
+            <a:ext cx="745722" cy="738265"/>
+          </a:xfrm>
+          <a:prstGeom prst="rect">
+            <a:avLst/>
+          </a:prstGeom>
+          <a:noFill/>
+        </p:spPr>
+      </p:pic>
+      <p:sp>
+        <p:nvSpPr>
+          <p:cNvPr id="27" name="Curved Left Arrow 26"/>
+          <p:cNvSpPr/>
+          <p:nvPr/>
+        </p:nvSpPr>
+        <p:spPr>
+          <a:xfrm rot="10800000">
+            <a:off x="4839076" y="3284981"/>
+            <a:ext cx="750878" cy="1704999"/>
+          </a:xfrm>
+          <a:prstGeom prst="curvedLeftArrow">
+            <a:avLst/>
+          </a:prstGeom>
+        </p:spPr>
+        <p:style>
+          <a:lnRef idx="1">
+            <a:schemeClr val="accent3"/>
+          </a:lnRef>
+          <a:fillRef idx="3">
+            <a:schemeClr val="accent3"/>
+          </a:fillRef>
+          <a:effectRef idx="2">
+            <a:schemeClr val="accent3"/>
+          </a:effectRef>
+          <a:fontRef idx="minor">
+            <a:schemeClr val="lt1"/>
+          </a:fontRef>
+        </p:style>
+        <p:txBody>
+          <a:bodyPr rtlCol="0" anchor="ctr"/>
           <a:lstStyle/>
           <a:p>
+            <a:pPr algn="ctr"/>
+            <a:endParaRPr lang="en-US">
+              <a:solidFill>
+                <a:schemeClr val="tx1"/>
+              </a:solidFill>
+            </a:endParaRPr>
+          </a:p>
+        </p:txBody>
+      </p:sp>
+      <p:sp>
+        <p:nvSpPr>
+          <p:cNvPr id="28" name="Curved Right Arrow 27"/>
+          <p:cNvSpPr/>
+          <p:nvPr/>
+        </p:nvSpPr>
+        <p:spPr>
+          <a:xfrm rot="10800000">
+            <a:off x="3770068" y="3284980"/>
+            <a:ext cx="719444" cy="1704999"/>
+          </a:xfrm>
+          <a:prstGeom prst="curvedRightArrow">
+            <a:avLst/>
+          </a:prstGeom>
+        </p:spPr>
+        <p:style>
+          <a:lnRef idx="1">
+            <a:schemeClr val="accent3"/>
+          </a:lnRef>
+          <a:fillRef idx="3">
+            <a:schemeClr val="accent3"/>
+          </a:fillRef>
+          <a:effectRef idx="2">
+            <a:schemeClr val="accent3"/>
+          </a:effectRef>
+          <a:fontRef idx="minor">
+            <a:schemeClr val="lt1"/>
+          </a:fontRef>
+        </p:style>
+        <p:txBody>
+          <a:bodyPr rtlCol="0" anchor="ctr"/>
+          <a:lstStyle/>
+          <a:p>
+            <a:pPr algn="ctr"/>
+            <a:endParaRPr lang="en-US">
+              <a:solidFill>
+                <a:schemeClr val="tx1"/>
+              </a:solidFill>
+            </a:endParaRPr>
+          </a:p>
+        </p:txBody>
+      </p:sp>
+      <p:sp>
+        <p:nvSpPr>
+          <p:cNvPr id="9" name="Up-Down Arrow 8"/>
+          <p:cNvSpPr/>
+          <p:nvPr/>
+        </p:nvSpPr>
+        <p:spPr>
+          <a:xfrm>
+            <a:off x="4489512" y="3284980"/>
+            <a:ext cx="381000" cy="1705000"/>
+          </a:xfrm>
+          <a:prstGeom prst="upDownArrow">
+            <a:avLst/>
+          </a:prstGeom>
+        </p:spPr>
+        <p:style>
+          <a:lnRef idx="1">
+            <a:schemeClr val="accent3"/>
+          </a:lnRef>
+          <a:fillRef idx="3">
+            <a:schemeClr val="accent3"/>
+          </a:fillRef>
+          <a:effectRef idx="2">
+            <a:schemeClr val="accent3"/>
+          </a:effectRef>
+          <a:fontRef idx="minor">
+            <a:schemeClr val="lt1"/>
+          </a:fontRef>
+        </p:style>
+        <p:txBody>
+          <a:bodyPr rtlCol="0" anchor="ctr"/>
+          <a:lstStyle/>
+          <a:p>
+            <a:pPr algn="ctr"/>
+            <a:endParaRPr lang="en-US"/>
+          </a:p>
+        </p:txBody>
+      </p:sp>
+      <p:pic>
+        <p:nvPicPr>
+          <p:cNvPr id="3074" name="Picture 2" descr="http://c.dryicons.com/images/icon_sets/coquette_part_5_icons_set/png/128x128/js_file.png"/>
+          <p:cNvPicPr>
+            <a:picLocks noChangeAspect="1" noChangeArrowheads="1"/>
+          </p:cNvPicPr>
+          <p:nvPr/>
+        </p:nvPicPr>
+        <p:blipFill>
+          <a:blip r:embed="rId8">
+            <a:extLst>
+              <a:ext uri="{28A0092B-C50C-407E-A947-70E740481C1C}">
+                <a14:useLocalDpi xmlns:a14="http://schemas.microsoft.com/office/drawing/2010/main" val="0"/>
+              </a:ext>
+            </a:extLst>
+          </a:blip>
+          <a:srcRect/>
+          <a:stretch>
+            <a:fillRect/>
+          </a:stretch>
+        </p:blipFill>
+        <p:spPr bwMode="auto">
+          <a:xfrm>
+            <a:off x="1684778" y="3284981"/>
+            <a:ext cx="1809863" cy="1809864"/>
+          </a:xfrm>
+          <a:prstGeom prst="rect">
+            <a:avLst/>
+          </a:prstGeom>
+          <a:noFill/>
+          <a:extLst>
+            <a:ext uri="{909E8E84-426E-40DD-AFC4-6F175D3DCCD1}">
+              <a14:hiddenFill xmlns:a14="http://schemas.microsoft.com/office/drawing/2010/main">
+                <a:solidFill>
+                  <a:srgbClr val="FFFFFF"/>
+                </a:solidFill>
+              </a14:hiddenFill>
+            </a:ext>
+          </a:extLst>
+        </p:spPr>
+      </p:pic>
+      <p:sp>
+        <p:nvSpPr>
+          <p:cNvPr id="30" name="TextBox 29"/>
+          <p:cNvSpPr txBox="1"/>
+          <p:nvPr/>
+        </p:nvSpPr>
+        <p:spPr>
+          <a:xfrm>
+            <a:off x="467009" y="3959079"/>
+            <a:ext cx="3166893" cy="461665"/>
+          </a:xfrm>
+          <a:prstGeom prst="rect">
+            <a:avLst/>
+          </a:prstGeom>
+          <a:noFill/>
+        </p:spPr>
+        <p:txBody>
+          <a:bodyPr wrap="none" rtlCol="0">
+            <a:spAutoFit/>
+          </a:bodyPr>
+          <a:lstStyle/>
+          <a:p>
+            <a:r>
+              <a:rPr lang="en-US" sz="2400" dirty="0" smtClean="0"/>
+              <a:t>.evaluate(                        )</a:t>
+            </a:r>
+            <a:endParaRPr lang="en-US" sz="2400" dirty="0"/>
+          </a:p>
+        </p:txBody>
+      </p:sp>
+      <p:pic>
+        <p:nvPicPr>
+          <p:cNvPr id="33" name="Picture 11" descr="http://audienceinnovation.com/images/icons/do-training-cogwheel-icon-300x297-gray.gif"/>
+          <p:cNvPicPr>
+            <a:picLocks noChangeAspect="1" noChangeArrowheads="1"/>
+          </p:cNvPicPr>
+          <p:nvPr/>
+        </p:nvPicPr>
+        <p:blipFill>
+          <a:blip r:embed="rId7" cstate="print">
+            <a:extLst>
+              <a:ext uri="{28A0092B-C50C-407E-A947-70E740481C1C}">
+                <a14:useLocalDpi xmlns:a14="http://schemas.microsoft.com/office/drawing/2010/main" val="0"/>
+              </a:ext>
+            </a:extLst>
+          </a:blip>
+          <a:srcRect/>
+          <a:stretch>
+            <a:fillRect/>
+          </a:stretch>
+        </p:blipFill>
+        <p:spPr bwMode="auto">
+          <a:xfrm>
+            <a:off x="0" y="3916147"/>
+            <a:ext cx="553062" cy="547532"/>
+          </a:xfrm>
+          <a:prstGeom prst="rect">
+            <a:avLst/>
+          </a:prstGeom>
+          <a:noFill/>
+        </p:spPr>
+      </p:pic>
+      <p:pic>
+        <p:nvPicPr>
+          <p:cNvPr id="36" name="Picture 4" descr="http://www.userlogos.org/files/logos/macleod.mac/server.png"/>
+          <p:cNvPicPr>
+            <a:picLocks noChangeAspect="1" noChangeArrowheads="1"/>
+          </p:cNvPicPr>
+          <p:nvPr/>
+        </p:nvPicPr>
+        <p:blipFill>
+          <a:blip r:embed="rId9" cstate="print">
+            <a:extLst>
+              <a:ext uri="{28A0092B-C50C-407E-A947-70E740481C1C}">
+                <a14:useLocalDpi xmlns:a14="http://schemas.microsoft.com/office/drawing/2010/main" val="0"/>
+              </a:ext>
+            </a:extLst>
+          </a:blip>
+          <a:srcRect/>
+          <a:stretch>
+            <a:fillRect/>
+          </a:stretch>
+        </p:blipFill>
+        <p:spPr bwMode="auto">
+          <a:xfrm>
+            <a:off x="4068724" y="3757864"/>
+            <a:ext cx="1223356" cy="917517"/>
+          </a:xfrm>
+          <a:prstGeom prst="rect">
+            <a:avLst/>
+          </a:prstGeom>
+          <a:noFill/>
+          <a:scene3d>
+            <a:camera prst="orthographicFront">
+              <a:rot lat="0" lon="10800000" rev="0"/>
+            </a:camera>
+            <a:lightRig rig="threePt" dir="t"/>
+          </a:scene3d>
+          <a:extLst>
+            <a:ext uri="{909E8E84-426E-40DD-AFC4-6F175D3DCCD1}">
+              <a14:hiddenFill xmlns:a14="http://schemas.microsoft.com/office/drawing/2010/main">
+                <a:solidFill>
+                  <a:srgbClr val="FFFFFF"/>
+                </a:solidFill>
+              </a14:hiddenFill>
+            </a:ext>
+          </a:extLst>
+        </p:spPr>
+      </p:pic>
+      <p:pic>
+        <p:nvPicPr>
+          <p:cNvPr id="3076" name="Picture 4" descr="http://www.userlogos.org/files/logos/macleod.mac/server.png"/>
+          <p:cNvPicPr>
+            <a:picLocks noChangeAspect="1" noChangeArrowheads="1"/>
+          </p:cNvPicPr>
+          <p:nvPr/>
+        </p:nvPicPr>
+        <p:blipFill>
+          <a:blip r:embed="rId10">
+            <a:extLst>
+              <a:ext uri="{28A0092B-C50C-407E-A947-70E740481C1C}">
+                <a14:useLocalDpi xmlns:a14="http://schemas.microsoft.com/office/drawing/2010/main" val="0"/>
+              </a:ext>
+            </a:extLst>
+          </a:blip>
+          <a:srcRect/>
+          <a:stretch>
+            <a:fillRect/>
+          </a:stretch>
+        </p:blipFill>
+        <p:spPr bwMode="auto">
+          <a:xfrm>
+            <a:off x="1971621" y="1604412"/>
+            <a:ext cx="1662281" cy="1246711"/>
+          </a:xfrm>
+          <a:prstGeom prst="rect">
+            <a:avLst/>
+          </a:prstGeom>
+          <a:noFill/>
+          <a:scene3d>
+            <a:camera prst="orthographicFront">
+              <a:rot lat="0" lon="10800000" rev="0"/>
+            </a:camera>
+            <a:lightRig rig="threePt" dir="t"/>
+          </a:scene3d>
+          <a:extLst>
+            <a:ext uri="{909E8E84-426E-40DD-AFC4-6F175D3DCCD1}">
+              <a14:hiddenFill xmlns:a14="http://schemas.microsoft.com/office/drawing/2010/main">
+                <a:solidFill>
+                  <a:srgbClr val="FFFFFF"/>
+                </a:solidFill>
+              </a14:hiddenFill>
+            </a:ext>
+          </a:extLst>
+        </p:spPr>
+      </p:pic>
+      <p:pic>
+        <p:nvPicPr>
+          <p:cNvPr id="35" name="Picture 4" descr="http://www.userlogos.org/files/logos/macleod.mac/server.png"/>
+          <p:cNvPicPr>
+            <a:picLocks noChangeAspect="1" noChangeArrowheads="1"/>
+          </p:cNvPicPr>
+          <p:nvPr/>
+        </p:nvPicPr>
+        <p:blipFill>
+          <a:blip r:embed="rId10">
+            <a:extLst>
+              <a:ext uri="{28A0092B-C50C-407E-A947-70E740481C1C}">
+                <a14:useLocalDpi xmlns:a14="http://schemas.microsoft.com/office/drawing/2010/main" val="0"/>
+              </a:ext>
+            </a:extLst>
+          </a:blip>
+          <a:srcRect/>
+          <a:stretch>
+            <a:fillRect/>
+          </a:stretch>
+        </p:blipFill>
+        <p:spPr bwMode="auto">
+          <a:xfrm>
+            <a:off x="3849261" y="1594932"/>
+            <a:ext cx="1662281" cy="1246711"/>
+          </a:xfrm>
+          <a:prstGeom prst="rect">
+            <a:avLst/>
+          </a:prstGeom>
+          <a:noFill/>
+          <a:scene3d>
+            <a:camera prst="orthographicFront">
+              <a:rot lat="0" lon="10800000" rev="0"/>
+            </a:camera>
+            <a:lightRig rig="threePt" dir="t"/>
+          </a:scene3d>
+          <a:extLst>
+            <a:ext uri="{909E8E84-426E-40DD-AFC4-6F175D3DCCD1}">
+              <a14:hiddenFill xmlns:a14="http://schemas.microsoft.com/office/drawing/2010/main">
+                <a:solidFill>
+                  <a:srgbClr val="FFFFFF"/>
+                </a:solidFill>
+              </a14:hiddenFill>
+            </a:ext>
+          </a:extLst>
+        </p:spPr>
+      </p:pic>
+      <p:sp>
+        <p:nvSpPr>
+          <p:cNvPr id="32" name="Line Callout 2 31"/>
+          <p:cNvSpPr/>
+          <p:nvPr/>
+        </p:nvSpPr>
+        <p:spPr>
+          <a:xfrm>
+            <a:off x="6156176" y="1417638"/>
+            <a:ext cx="2592288" cy="1245914"/>
+          </a:xfrm>
+          <a:prstGeom prst="borderCallout2">
+            <a:avLst>
+              <a:gd name="adj1" fmla="val 50858"/>
+              <a:gd name="adj2" fmla="val -317"/>
+              <a:gd name="adj3" fmla="val 50858"/>
+              <a:gd name="adj4" fmla="val -10254"/>
+              <a:gd name="adj5" fmla="val 195496"/>
+              <a:gd name="adj6" fmla="val -50942"/>
+            </a:avLst>
+          </a:prstGeom>
+        </p:spPr>
+        <p:style>
+          <a:lnRef idx="1">
+            <a:schemeClr val="accent1"/>
+          </a:lnRef>
+          <a:fillRef idx="2">
+            <a:schemeClr val="accent1"/>
+          </a:fillRef>
+          <a:effectRef idx="1">
+            <a:schemeClr val="accent1"/>
+          </a:effectRef>
+          <a:fontRef idx="minor">
+            <a:schemeClr val="dk1"/>
+          </a:fontRef>
+        </p:style>
+        <p:txBody>
+          <a:bodyPr rtlCol="0" anchor="ctr"/>
+          <a:lstStyle/>
+          <a:p>
             <a:r>
               <a:rPr lang="en-US" dirty="0" smtClean="0"/>
-              <a:t>Suffix proxy</a:t>
-            </a:r>
-            <a:endParaRPr lang="en-US" dirty="0"/>
-          </a:p>
-        </p:txBody>
-      </p:sp>
-      <p:sp>
-        <p:nvSpPr>
-          <p:cNvPr id="4" name="Text Placeholder 3"/>
-          <p:cNvSpPr>
-            <a:spLocks noGrp="1"/>
-          </p:cNvSpPr>
-          <p:nvPr>
-            <p:ph type="body" idx="1"/>
-          </p:nvPr>
-        </p:nvSpPr>
-        <p:spPr/>
-        <p:txBody>
-          <a:bodyPr/>
-          <a:lstStyle/>
-          <a:p>
+              <a:t>Deployment affects policy control:</a:t>
+            </a:r>
+          </a:p>
+          <a:p>
+            <a:pPr marL="285750" indent="-285750">
+              <a:buFontTx/>
+              <a:buChar char="-"/>
+            </a:pPr>
             <a:r>
               <a:rPr lang="en-US" dirty="0" smtClean="0"/>
-              <a:t>Pros</a:t>
-            </a:r>
-            <a:endParaRPr lang="en-US" dirty="0"/>
-          </a:p>
-        </p:txBody>
-      </p:sp>
-      <p:sp>
-        <p:nvSpPr>
-          <p:cNvPr id="5" name="Content Placeholder 4"/>
-          <p:cNvSpPr>
-            <a:spLocks noGrp="1"/>
-          </p:cNvSpPr>
-          <p:nvPr>
-            <p:ph sz="half" idx="2"/>
-          </p:nvPr>
-        </p:nvSpPr>
-        <p:spPr/>
-        <p:txBody>
-          <a:bodyPr/>
-          <a:lstStyle/>
-          <a:p>
-            <a:endParaRPr lang="en-US"/>
-          </a:p>
-        </p:txBody>
-      </p:sp>
-      <p:sp>
-        <p:nvSpPr>
-          <p:cNvPr id="6" name="Text Placeholder 5"/>
-          <p:cNvSpPr>
-            <a:spLocks noGrp="1"/>
-          </p:cNvSpPr>
-          <p:nvPr>
-            <p:ph type="body" sz="quarter" idx="3"/>
-          </p:nvPr>
-        </p:nvSpPr>
-        <p:spPr/>
-        <p:txBody>
-          <a:bodyPr/>
-          <a:lstStyle/>
-          <a:p>
+              <a:t>Reverse proxy</a:t>
+            </a:r>
+          </a:p>
+          <a:p>
+            <a:pPr marL="285750" indent="-285750">
+              <a:buFontTx/>
+              <a:buChar char="-"/>
+            </a:pPr>
             <a:r>
               <a:rPr lang="en-US" dirty="0" smtClean="0"/>
-              <a:t>Cons</a:t>
-            </a:r>
-            <a:endParaRPr lang="en-US" dirty="0"/>
-          </a:p>
-        </p:txBody>
-      </p:sp>
-      <p:sp>
-        <p:nvSpPr>
-          <p:cNvPr id="7" name="Content Placeholder 6"/>
-          <p:cNvSpPr>
-            <a:spLocks noGrp="1"/>
-          </p:cNvSpPr>
-          <p:nvPr>
-            <p:ph sz="quarter" idx="4"/>
-          </p:nvPr>
-        </p:nvSpPr>
-        <p:spPr/>
-        <p:txBody>
-          <a:bodyPr/>
-          <a:lstStyle/>
-          <a:p>
-            <a:endParaRPr lang="en-US"/>
-          </a:p>
-        </p:txBody>
-      </p:sp>
+              <a:t>Client side proxy</a:t>
+            </a:r>
+          </a:p>
+        </p:txBody>
+      </p:sp>
+      <p:pic>
+        <p:nvPicPr>
+          <p:cNvPr id="3078" name="Picture 6" descr="http://nodejs.org/images/logo.png"/>
+          <p:cNvPicPr>
+            <a:picLocks noChangeAspect="1" noChangeArrowheads="1"/>
+          </p:cNvPicPr>
+          <p:nvPr/>
+        </p:nvPicPr>
+        <p:blipFill>
+          <a:blip r:embed="rId11">
+            <a:extLst>
+              <a:ext uri="{28A0092B-C50C-407E-A947-70E740481C1C}">
+                <a14:useLocalDpi xmlns:a14="http://schemas.microsoft.com/office/drawing/2010/main" val="0"/>
+              </a:ext>
+            </a:extLst>
+          </a:blip>
+          <a:srcRect/>
+          <a:stretch>
+            <a:fillRect/>
+          </a:stretch>
+        </p:blipFill>
+        <p:spPr bwMode="auto">
+          <a:xfrm>
+            <a:off x="683568" y="5429299"/>
+            <a:ext cx="2333625" cy="628651"/>
+          </a:xfrm>
+          <a:prstGeom prst="rect">
+            <a:avLst/>
+          </a:prstGeom>
+          <a:solidFill>
+            <a:schemeClr val="tx1">
+              <a:lumMod val="50000"/>
+              <a:lumOff val="50000"/>
+            </a:schemeClr>
+          </a:solidFill>
+        </p:spPr>
+      </p:pic>
     </p:spTree>
     <p:extLst>
       <p:ext uri="{BB962C8B-B14F-4D97-AF65-F5344CB8AC3E}">
-        <p14:creationId xmlns:p14="http://schemas.microsoft.com/office/powerpoint/2010/main" val="958856248"/>
+        <p14:creationId xmlns:p14="http://schemas.microsoft.com/office/powerpoint/2010/main" val="2469108671"/>
       </p:ext>
     </p:extLst>
   </p:cSld>
   <p:clrMapOvr>
     <a:masterClrMapping/>
   </p:clrMapOvr>
+  <mc:AlternateContent xmlns:mc="http://schemas.openxmlformats.org/markup-compatibility/2006">
+    <mc:Choice xmlns:p14="http://schemas.microsoft.com/office/powerpoint/2010/main" Requires="p14">
+      <p:transition p14:dur="0"/>
+    </mc:Choice>
+    <mc:Fallback>
+      <p:transition/>
+    </mc:Fallback>
+  </mc:AlternateContent>
   <p:timing>
     <p:tnLst>
       <p:par>
-        <p:cTn id="1" dur="indefinite" restart="never" nodeType="tmRoot"/>
+        <p:cTn id="1" dur="indefinite" restart="never" nodeType="tmRoot">
+          <p:childTnLst>
+            <p:seq concurrent="1" nextAc="seek">
+              <p:cTn id="2" dur="indefinite" nodeType="mainSeq">
+                <p:childTnLst>
+                  <p:par>
+                    <p:cTn id="3" fill="hold">
+                      <p:stCondLst>
+                        <p:cond delay="indefinite"/>
+                      </p:stCondLst>
+                      <p:childTnLst>
+                        <p:par>
+                          <p:cTn id="4" fill="hold">
+                            <p:stCondLst>
+                              <p:cond delay="0"/>
+                            </p:stCondLst>
+                            <p:childTnLst>
+                              <p:par>
+                                <p:cTn id="5" presetID="10" presetClass="entr" presetSubtype="0" fill="hold" nodeType="clickEffect">
+                                  <p:stCondLst>
+                                    <p:cond delay="0"/>
+                                  </p:stCondLst>
+                                  <p:childTnLst>
+                                    <p:set>
+                                      <p:cBhvr>
+                                        <p:cTn id="6" dur="1" fill="hold">
+                                          <p:stCondLst>
+                                            <p:cond delay="0"/>
+                                          </p:stCondLst>
+                                        </p:cTn>
+                                        <p:tgtEl>
+                                          <p:spTgt spid="36"/>
+                                        </p:tgtEl>
+                                        <p:attrNameLst>
+                                          <p:attrName>style.visibility</p:attrName>
+                                        </p:attrNameLst>
+                                      </p:cBhvr>
+                                      <p:to>
+                                        <p:strVal val="visible"/>
+                                      </p:to>
+                                    </p:set>
+                                    <p:animEffect transition="in" filter="fade">
+                                      <p:cBhvr>
+                                        <p:cTn id="7" dur="500"/>
+                                        <p:tgtEl>
+                                          <p:spTgt spid="36"/>
+                                        </p:tgtEl>
+                                      </p:cBhvr>
+                                    </p:animEffect>
+                                  </p:childTnLst>
+                                </p:cTn>
+                              </p:par>
+                            </p:childTnLst>
+                          </p:cTn>
+                        </p:par>
+                      </p:childTnLst>
+                    </p:cTn>
+                  </p:par>
+                  <p:par>
+                    <p:cTn id="8" fill="hold">
+                      <p:stCondLst>
+                        <p:cond delay="indefinite"/>
+                      </p:stCondLst>
+                      <p:childTnLst>
+                        <p:par>
+                          <p:cTn id="9" fill="hold">
+                            <p:stCondLst>
+                              <p:cond delay="0"/>
+                            </p:stCondLst>
+                            <p:childTnLst>
+                              <p:par>
+                                <p:cTn id="10" presetID="10" presetClass="entr" presetSubtype="0" fill="hold" grpId="0" nodeType="clickEffect">
+                                  <p:stCondLst>
+                                    <p:cond delay="0"/>
+                                  </p:stCondLst>
+                                  <p:childTnLst>
+                                    <p:set>
+                                      <p:cBhvr>
+                                        <p:cTn id="11" dur="1" fill="hold">
+                                          <p:stCondLst>
+                                            <p:cond delay="0"/>
+                                          </p:stCondLst>
+                                        </p:cTn>
+                                        <p:tgtEl>
+                                          <p:spTgt spid="28"/>
+                                        </p:tgtEl>
+                                        <p:attrNameLst>
+                                          <p:attrName>style.visibility</p:attrName>
+                                        </p:attrNameLst>
+                                      </p:cBhvr>
+                                      <p:to>
+                                        <p:strVal val="visible"/>
+                                      </p:to>
+                                    </p:set>
+                                    <p:animEffect transition="in" filter="fade">
+                                      <p:cBhvr>
+                                        <p:cTn id="12" dur="500"/>
+                                        <p:tgtEl>
+                                          <p:spTgt spid="28"/>
+                                        </p:tgtEl>
+                                      </p:cBhvr>
+                                    </p:animEffect>
+                                  </p:childTnLst>
+                                </p:cTn>
+                              </p:par>
+                              <p:par>
+                                <p:cTn id="13" presetID="10" presetClass="entr" presetSubtype="0" fill="hold" grpId="0" nodeType="withEffect">
+                                  <p:stCondLst>
+                                    <p:cond delay="0"/>
+                                  </p:stCondLst>
+                                  <p:childTnLst>
+                                    <p:set>
+                                      <p:cBhvr>
+                                        <p:cTn id="14" dur="1" fill="hold">
+                                          <p:stCondLst>
+                                            <p:cond delay="0"/>
+                                          </p:stCondLst>
+                                        </p:cTn>
+                                        <p:tgtEl>
+                                          <p:spTgt spid="27"/>
+                                        </p:tgtEl>
+                                        <p:attrNameLst>
+                                          <p:attrName>style.visibility</p:attrName>
+                                        </p:attrNameLst>
+                                      </p:cBhvr>
+                                      <p:to>
+                                        <p:strVal val="visible"/>
+                                      </p:to>
+                                    </p:set>
+                                    <p:animEffect transition="in" filter="fade">
+                                      <p:cBhvr>
+                                        <p:cTn id="15" dur="500"/>
+                                        <p:tgtEl>
+                                          <p:spTgt spid="27"/>
+                                        </p:tgtEl>
+                                      </p:cBhvr>
+                                    </p:animEffect>
+                                  </p:childTnLst>
+                                </p:cTn>
+                              </p:par>
+                            </p:childTnLst>
+                          </p:cTn>
+                        </p:par>
+                      </p:childTnLst>
+                    </p:cTn>
+                  </p:par>
+                  <p:par>
+                    <p:cTn id="16" fill="hold">
+                      <p:stCondLst>
+                        <p:cond delay="indefinite"/>
+                      </p:stCondLst>
+                      <p:childTnLst>
+                        <p:par>
+                          <p:cTn id="17" fill="hold">
+                            <p:stCondLst>
+                              <p:cond delay="0"/>
+                            </p:stCondLst>
+                            <p:childTnLst>
+                              <p:par>
+                                <p:cTn id="18" presetID="10" presetClass="entr" presetSubtype="0" fill="hold" nodeType="clickEffect">
+                                  <p:stCondLst>
+                                    <p:cond delay="0"/>
+                                  </p:stCondLst>
+                                  <p:childTnLst>
+                                    <p:set>
+                                      <p:cBhvr>
+                                        <p:cTn id="19" dur="1" fill="hold">
+                                          <p:stCondLst>
+                                            <p:cond delay="0"/>
+                                          </p:stCondLst>
+                                        </p:cTn>
+                                        <p:tgtEl>
+                                          <p:spTgt spid="29"/>
+                                        </p:tgtEl>
+                                        <p:attrNameLst>
+                                          <p:attrName>style.visibility</p:attrName>
+                                        </p:attrNameLst>
+                                      </p:cBhvr>
+                                      <p:to>
+                                        <p:strVal val="visible"/>
+                                      </p:to>
+                                    </p:set>
+                                    <p:animEffect transition="in" filter="fade">
+                                      <p:cBhvr>
+                                        <p:cTn id="20" dur="500"/>
+                                        <p:tgtEl>
+                                          <p:spTgt spid="29"/>
+                                        </p:tgtEl>
+                                      </p:cBhvr>
+                                    </p:animEffect>
+                                  </p:childTnLst>
+                                </p:cTn>
+                              </p:par>
+                            </p:childTnLst>
+                          </p:cTn>
+                        </p:par>
+                      </p:childTnLst>
+                    </p:cTn>
+                  </p:par>
+                  <p:par>
+                    <p:cTn id="21" fill="hold">
+                      <p:stCondLst>
+                        <p:cond delay="indefinite"/>
+                      </p:stCondLst>
+                      <p:childTnLst>
+                        <p:par>
+                          <p:cTn id="22" fill="hold">
+                            <p:stCondLst>
+                              <p:cond delay="0"/>
+                            </p:stCondLst>
+                            <p:childTnLst>
+                              <p:par>
+                                <p:cTn id="23" presetID="10" presetClass="entr" presetSubtype="0" fill="hold" nodeType="clickEffect">
+                                  <p:stCondLst>
+                                    <p:cond delay="0"/>
+                                  </p:stCondLst>
+                                  <p:childTnLst>
+                                    <p:set>
+                                      <p:cBhvr>
+                                        <p:cTn id="24" dur="1" fill="hold">
+                                          <p:stCondLst>
+                                            <p:cond delay="0"/>
+                                          </p:stCondLst>
+                                        </p:cTn>
+                                        <p:tgtEl>
+                                          <p:spTgt spid="26"/>
+                                        </p:tgtEl>
+                                        <p:attrNameLst>
+                                          <p:attrName>style.visibility</p:attrName>
+                                        </p:attrNameLst>
+                                      </p:cBhvr>
+                                      <p:to>
+                                        <p:strVal val="visible"/>
+                                      </p:to>
+                                    </p:set>
+                                    <p:animEffect transition="in" filter="fade">
+                                      <p:cBhvr>
+                                        <p:cTn id="25" dur="500"/>
+                                        <p:tgtEl>
+                                          <p:spTgt spid="26"/>
+                                        </p:tgtEl>
+                                      </p:cBhvr>
+                                    </p:animEffect>
+                                  </p:childTnLst>
+                                </p:cTn>
+                              </p:par>
+                            </p:childTnLst>
+                          </p:cTn>
+                        </p:par>
+                      </p:childTnLst>
+                    </p:cTn>
+                  </p:par>
+                  <p:par>
+                    <p:cTn id="26" fill="hold">
+                      <p:stCondLst>
+                        <p:cond delay="indefinite"/>
+                      </p:stCondLst>
+                      <p:childTnLst>
+                        <p:par>
+                          <p:cTn id="27" fill="hold">
+                            <p:stCondLst>
+                              <p:cond delay="0"/>
+                            </p:stCondLst>
+                            <p:childTnLst>
+                              <p:par>
+                                <p:cTn id="28" presetID="10" presetClass="entr" presetSubtype="0" fill="hold" nodeType="clickEffect">
+                                  <p:stCondLst>
+                                    <p:cond delay="0"/>
+                                  </p:stCondLst>
+                                  <p:childTnLst>
+                                    <p:set>
+                                      <p:cBhvr>
+                                        <p:cTn id="29" dur="1" fill="hold">
+                                          <p:stCondLst>
+                                            <p:cond delay="0"/>
+                                          </p:stCondLst>
+                                        </p:cTn>
+                                        <p:tgtEl>
+                                          <p:spTgt spid="3074"/>
+                                        </p:tgtEl>
+                                        <p:attrNameLst>
+                                          <p:attrName>style.visibility</p:attrName>
+                                        </p:attrNameLst>
+                                      </p:cBhvr>
+                                      <p:to>
+                                        <p:strVal val="visible"/>
+                                      </p:to>
+                                    </p:set>
+                                    <p:animEffect transition="in" filter="fade">
+                                      <p:cBhvr>
+                                        <p:cTn id="30" dur="500"/>
+                                        <p:tgtEl>
+                                          <p:spTgt spid="3074"/>
+                                        </p:tgtEl>
+                                      </p:cBhvr>
+                                    </p:animEffect>
+                                  </p:childTnLst>
+                                </p:cTn>
+                              </p:par>
+                            </p:childTnLst>
+                          </p:cTn>
+                        </p:par>
+                      </p:childTnLst>
+                    </p:cTn>
+                  </p:par>
+                  <p:par>
+                    <p:cTn id="31" fill="hold">
+                      <p:stCondLst>
+                        <p:cond delay="indefinite"/>
+                      </p:stCondLst>
+                      <p:childTnLst>
+                        <p:par>
+                          <p:cTn id="32" fill="hold">
+                            <p:stCondLst>
+                              <p:cond delay="0"/>
+                            </p:stCondLst>
+                            <p:childTnLst>
+                              <p:par>
+                                <p:cTn id="33" presetID="10" presetClass="entr" presetSubtype="0" fill="hold" grpId="0" nodeType="clickEffect">
+                                  <p:stCondLst>
+                                    <p:cond delay="0"/>
+                                  </p:stCondLst>
+                                  <p:childTnLst>
+                                    <p:set>
+                                      <p:cBhvr>
+                                        <p:cTn id="34" dur="1" fill="hold">
+                                          <p:stCondLst>
+                                            <p:cond delay="0"/>
+                                          </p:stCondLst>
+                                        </p:cTn>
+                                        <p:tgtEl>
+                                          <p:spTgt spid="30"/>
+                                        </p:tgtEl>
+                                        <p:attrNameLst>
+                                          <p:attrName>style.visibility</p:attrName>
+                                        </p:attrNameLst>
+                                      </p:cBhvr>
+                                      <p:to>
+                                        <p:strVal val="visible"/>
+                                      </p:to>
+                                    </p:set>
+                                    <p:animEffect transition="in" filter="fade">
+                                      <p:cBhvr>
+                                        <p:cTn id="35" dur="500"/>
+                                        <p:tgtEl>
+                                          <p:spTgt spid="30"/>
+                                        </p:tgtEl>
+                                      </p:cBhvr>
+                                    </p:animEffect>
+                                  </p:childTnLst>
+                                </p:cTn>
+                              </p:par>
+                              <p:par>
+                                <p:cTn id="36" presetID="10" presetClass="entr" presetSubtype="0" fill="hold" nodeType="withEffect">
+                                  <p:stCondLst>
+                                    <p:cond delay="0"/>
+                                  </p:stCondLst>
+                                  <p:childTnLst>
+                                    <p:set>
+                                      <p:cBhvr>
+                                        <p:cTn id="37" dur="1" fill="hold">
+                                          <p:stCondLst>
+                                            <p:cond delay="0"/>
+                                          </p:stCondLst>
+                                        </p:cTn>
+                                        <p:tgtEl>
+                                          <p:spTgt spid="33"/>
+                                        </p:tgtEl>
+                                        <p:attrNameLst>
+                                          <p:attrName>style.visibility</p:attrName>
+                                        </p:attrNameLst>
+                                      </p:cBhvr>
+                                      <p:to>
+                                        <p:strVal val="visible"/>
+                                      </p:to>
+                                    </p:set>
+                                    <p:animEffect transition="in" filter="fade">
+                                      <p:cBhvr>
+                                        <p:cTn id="38" dur="500"/>
+                                        <p:tgtEl>
+                                          <p:spTgt spid="33"/>
+                                        </p:tgtEl>
+                                      </p:cBhvr>
+                                    </p:animEffect>
+                                  </p:childTnLst>
+                                </p:cTn>
+                              </p:par>
+                            </p:childTnLst>
+                          </p:cTn>
+                        </p:par>
+                      </p:childTnLst>
+                    </p:cTn>
+                  </p:par>
+                  <p:par>
+                    <p:cTn id="39" fill="hold">
+                      <p:stCondLst>
+                        <p:cond delay="indefinite"/>
+                      </p:stCondLst>
+                      <p:childTnLst>
+                        <p:par>
+                          <p:cTn id="40" fill="hold">
+                            <p:stCondLst>
+                              <p:cond delay="0"/>
+                            </p:stCondLst>
+                            <p:childTnLst>
+                              <p:par>
+                                <p:cTn id="41" presetID="10" presetClass="entr" presetSubtype="0" fill="hold" grpId="0" nodeType="clickEffect">
+                                  <p:stCondLst>
+                                    <p:cond delay="0"/>
+                                  </p:stCondLst>
+                                  <p:childTnLst>
+                                    <p:set>
+                                      <p:cBhvr>
+                                        <p:cTn id="42" dur="1" fill="hold">
+                                          <p:stCondLst>
+                                            <p:cond delay="0"/>
+                                          </p:stCondLst>
+                                        </p:cTn>
+                                        <p:tgtEl>
+                                          <p:spTgt spid="32"/>
+                                        </p:tgtEl>
+                                        <p:attrNameLst>
+                                          <p:attrName>style.visibility</p:attrName>
+                                        </p:attrNameLst>
+                                      </p:cBhvr>
+                                      <p:to>
+                                        <p:strVal val="visible"/>
+                                      </p:to>
+                                    </p:set>
+                                    <p:animEffect transition="in" filter="fade">
+                                      <p:cBhvr>
+                                        <p:cTn id="43" dur="500"/>
+                                        <p:tgtEl>
+                                          <p:spTgt spid="32"/>
+                                        </p:tgtEl>
+                                      </p:cBhvr>
+                                    </p:animEffect>
+                                  </p:childTnLst>
+                                </p:cTn>
+                              </p:par>
+                            </p:childTnLst>
+                          </p:cTn>
+                        </p:par>
+                      </p:childTnLst>
+                    </p:cTn>
+                  </p:par>
+                  <p:par>
+                    <p:cTn id="44" fill="hold">
+                      <p:stCondLst>
+                        <p:cond delay="indefinite"/>
+                      </p:stCondLst>
+                      <p:childTnLst>
+                        <p:par>
+                          <p:cTn id="45" fill="hold">
+                            <p:stCondLst>
+                              <p:cond delay="0"/>
+                            </p:stCondLst>
+                            <p:childTnLst>
+                              <p:par>
+                                <p:cTn id="46" presetID="10" presetClass="entr" presetSubtype="0" fill="hold" nodeType="clickEffect">
+                                  <p:stCondLst>
+                                    <p:cond delay="0"/>
+                                  </p:stCondLst>
+                                  <p:childTnLst>
+                                    <p:set>
+                                      <p:cBhvr>
+                                        <p:cTn id="47" dur="1" fill="hold">
+                                          <p:stCondLst>
+                                            <p:cond delay="0"/>
+                                          </p:stCondLst>
+                                        </p:cTn>
+                                        <p:tgtEl>
+                                          <p:spTgt spid="3078"/>
+                                        </p:tgtEl>
+                                        <p:attrNameLst>
+                                          <p:attrName>style.visibility</p:attrName>
+                                        </p:attrNameLst>
+                                      </p:cBhvr>
+                                      <p:to>
+                                        <p:strVal val="visible"/>
+                                      </p:to>
+                                    </p:set>
+                                    <p:animEffect transition="in" filter="fade">
+                                      <p:cBhvr>
+                                        <p:cTn id="48" dur="500"/>
+                                        <p:tgtEl>
+                                          <p:spTgt spid="3078"/>
+                                        </p:tgtEl>
+                                      </p:cBhvr>
+                                    </p:animEffect>
+                                  </p:childTnLst>
+                                </p:cTn>
+                              </p:par>
+                            </p:childTnLst>
+                          </p:cTn>
+                        </p:par>
+                      </p:childTnLst>
+                    </p:cTn>
+                  </p:par>
+                </p:childTnLst>
+              </p:cTn>
+              <p:prevCondLst>
+                <p:cond evt="onPrev" delay="0">
+                  <p:tgtEl>
+                    <p:sldTgt/>
+                  </p:tgtEl>
+                </p:cond>
+              </p:prevCondLst>
+              <p:nextCondLst>
+                <p:cond evt="onNext" delay="0">
+                  <p:tgtEl>
+                    <p:sldTgt/>
+                  </p:tgtEl>
+                </p:cond>
+              </p:nextCondLst>
+            </p:seq>
+          </p:childTnLst>
+        </p:cTn>
       </p:par>
     </p:tnLst>
+    <p:bldLst>
+      <p:bldP spid="27" grpId="0" animBg="1"/>
+      <p:bldP spid="28" grpId="0" animBg="1"/>
+      <p:bldP spid="30" grpId="0"/>
+      <p:bldP spid="32" grpId="0" animBg="1"/>
+    </p:bldLst>
   </p:timing>
 </p:sld>
 </file>
@@ -5985,7 +13045,7 @@
       </p:grpSpPr>
       <p:sp>
         <p:nvSpPr>
-          <p:cNvPr id="7" name="Title 6"/>
+          <p:cNvPr id="2" name="Title 1"/>
           <p:cNvSpPr>
             <a:spLocks noGrp="1"/>
           </p:cNvSpPr>
@@ -6000,7 +13060,11 @@
           <a:p>
             <a:r>
               <a:rPr lang="en-US" dirty="0" smtClean="0"/>
-              <a:t>Integrator driven</a:t>
+              <a:t>Web </a:t>
+            </a:r>
+            <a:r>
+              <a:rPr lang="en-US" dirty="0" smtClean="0"/>
+              <a:t>proxy vs. extension</a:t>
             </a:r>
             <a:endParaRPr lang="en-US" dirty="0"/>
           </a:p>
@@ -6008,12 +13072,12 @@
       </p:sp>
       <p:sp>
         <p:nvSpPr>
-          <p:cNvPr id="8" name="Content Placeholder 7"/>
+          <p:cNvPr id="4" name="Text Placeholder 3"/>
           <p:cNvSpPr>
             <a:spLocks noGrp="1"/>
           </p:cNvSpPr>
           <p:nvPr>
-            <p:ph idx="1"/>
+            <p:ph type="body" idx="1"/>
           </p:nvPr>
         </p:nvSpPr>
         <p:spPr/>
@@ -6021,20 +13085,148 @@
           <a:bodyPr/>
           <a:lstStyle/>
           <a:p>
-            <a:endParaRPr lang="en-US"/>
+            <a:r>
+              <a:rPr lang="en-US" dirty="0" smtClean="0"/>
+              <a:t>Pros</a:t>
+            </a:r>
+            <a:endParaRPr lang="en-US" dirty="0"/>
+          </a:p>
+        </p:txBody>
+      </p:sp>
+      <p:sp>
+        <p:nvSpPr>
+          <p:cNvPr id="5" name="Content Placeholder 4"/>
+          <p:cNvSpPr>
+            <a:spLocks noGrp="1"/>
+          </p:cNvSpPr>
+          <p:nvPr>
+            <p:ph sz="half" idx="2"/>
+          </p:nvPr>
+        </p:nvSpPr>
+        <p:spPr/>
+        <p:txBody>
+          <a:bodyPr/>
+          <a:lstStyle/>
+          <a:p>
+            <a:r>
+              <a:rPr lang="en-US" dirty="0" smtClean="0"/>
+              <a:t>Browser independent</a:t>
+            </a:r>
+          </a:p>
+          <a:p>
+            <a:pPr lvl="1"/>
+            <a:r>
+              <a:rPr lang="en-US" dirty="0" smtClean="0"/>
+              <a:t>Rewriting is the same regardless of the browser</a:t>
+            </a:r>
+          </a:p>
+          <a:p>
+            <a:r>
+              <a:rPr lang="en-US" dirty="0" smtClean="0"/>
+              <a:t>Minimally intrusive to the browser</a:t>
+            </a:r>
+          </a:p>
+          <a:p>
+            <a:pPr lvl="1"/>
+            <a:r>
+              <a:rPr lang="en-US" dirty="0" smtClean="0"/>
+              <a:t>Unmodified browser</a:t>
+            </a:r>
+          </a:p>
+          <a:p>
+            <a:pPr lvl="1"/>
+            <a:r>
+              <a:rPr lang="en-US" dirty="0" smtClean="0"/>
+              <a:t>Simple client configuration</a:t>
+            </a:r>
+          </a:p>
+        </p:txBody>
+      </p:sp>
+      <p:sp>
+        <p:nvSpPr>
+          <p:cNvPr id="6" name="Text Placeholder 5"/>
+          <p:cNvSpPr>
+            <a:spLocks noGrp="1"/>
+          </p:cNvSpPr>
+          <p:nvPr>
+            <p:ph type="body" sz="quarter" idx="3"/>
+          </p:nvPr>
+        </p:nvSpPr>
+        <p:spPr/>
+        <p:txBody>
+          <a:bodyPr/>
+          <a:lstStyle/>
+          <a:p>
+            <a:r>
+              <a:rPr lang="en-US" dirty="0" smtClean="0"/>
+              <a:t>Cons</a:t>
+            </a:r>
+            <a:endParaRPr lang="en-US" dirty="0"/>
+          </a:p>
+        </p:txBody>
+      </p:sp>
+      <p:sp>
+        <p:nvSpPr>
+          <p:cNvPr id="7" name="Content Placeholder 6"/>
+          <p:cNvSpPr>
+            <a:spLocks noGrp="1"/>
+          </p:cNvSpPr>
+          <p:nvPr>
+            <p:ph sz="quarter" idx="4"/>
+          </p:nvPr>
+        </p:nvSpPr>
+        <p:spPr>
+          <a:xfrm>
+            <a:off x="4644008" y="2132856"/>
+            <a:ext cx="4041775" cy="3951288"/>
+          </a:xfrm>
+        </p:spPr>
+        <p:txBody>
+          <a:bodyPr/>
+          <a:lstStyle/>
+          <a:p>
+            <a:r>
+              <a:rPr lang="en-US" dirty="0"/>
+              <a:t>Fairly intrusive to HTML</a:t>
+            </a:r>
+          </a:p>
+          <a:p>
+            <a:r>
+              <a:rPr lang="en-US" dirty="0" smtClean="0"/>
+              <a:t>Failing to identify JavaScript compromises the monitor</a:t>
+            </a:r>
+          </a:p>
+          <a:p>
+            <a:r>
+              <a:rPr lang="en-US" dirty="0" smtClean="0"/>
+              <a:t>Special considerations required for HTTPS</a:t>
+            </a:r>
+          </a:p>
+          <a:p>
+            <a:r>
+              <a:rPr lang="en-US" dirty="0" smtClean="0"/>
+              <a:t>Higher overhead</a:t>
+            </a:r>
           </a:p>
         </p:txBody>
       </p:sp>
     </p:spTree>
     <p:extLst>
       <p:ext uri="{BB962C8B-B14F-4D97-AF65-F5344CB8AC3E}">
-        <p14:creationId xmlns:p14="http://schemas.microsoft.com/office/powerpoint/2010/main" val="1427360313"/>
+        <p14:creationId xmlns:p14="http://schemas.microsoft.com/office/powerpoint/2010/main" val="2940478660"/>
       </p:ext>
     </p:extLst>
   </p:cSld>
   <p:clrMapOvr>
     <a:masterClrMapping/>
   </p:clrMapOvr>
+  <p:timing>
+    <p:tnLst>
+      <p:par>
+        <p:cTn id="1" dur="indefinite" restart="never" nodeType="tmRoot"/>
+      </p:par>
+    </p:tnLst>
+  </p:timing>
 </p:sld>
 </file>
 
@@ -6321,4 +13513,289 @@
   <a:objectDefaults/>
   <a:extraClrSchemeLst/>
 </a:theme>
+</file>
+
+<file path=ppt/theme/theme2.xml><?xml version="1.0" encoding="utf-8"?>
+<a:theme xmlns:a="http://schemas.openxmlformats.org/drawingml/2006/main" name="Office Theme">
+  <a:themeElements>
+    <a:clrScheme name="Office">
+      <a:dk1>
+        <a:sysClr val="windowText" lastClr="000000"/>
+      </a:dk1>
+      <a:lt1>
+        <a:sysClr val="window" lastClr="FFFFFF"/>
+      </a:lt1>
+      <a:dk2>
+        <a:srgbClr val="1F497D"/>
+      </a:dk2>
+      <a:lt2>
+        <a:srgbClr val="EEECE1"/>
+      </a:lt2>
+      <a:accent1>
+        <a:srgbClr val="4F81BD"/>
+      </a:accent1>
+      <a:accent2>
+        <a:srgbClr val="C0504D"/>
+      </a:accent2>
+      <a:accent3>
+        <a:srgbClr val="9BBB59"/>
+      </a:accent3>
+      <a:accent4>
+        <a:srgbClr val="8064A2"/>
+      </a:accent4>
+      <a:accent5>
+        <a:srgbClr val="4BACC6"/>
+      </a:accent5>
+      <a:accent6>
+        <a:srgbClr val="F79646"/>
+      </a:accent6>
+      <a:hlink>
+        <a:srgbClr val="0000FF"/>
+      </a:hlink>
+      <a:folHlink>
+        <a:srgbClr val="800080"/>
+      </a:folHlink>
+    </a:clrScheme>
+    <a:fontScheme name="Office">
+      <a:majorFont>
+        <a:latin typeface="Calibri"/>
+        <a:ea typeface=""/>
+        <a:cs typeface=""/>
+        <a:font script="Jpan" typeface="ＭＳ Ｐゴシック"/>
+        <a:font script="Hang" typeface="맑은 고딕"/>
+        <a:font script="Hans" typeface="宋体"/>
+        <a:font script="Hant" typeface="新細明體"/>
+        <a:font script="Arab" typeface="Times New Roman"/>
+        <a:font script="Hebr" typeface="Times New Roman"/>
+        <a:font script="Thai" typeface="Angsana New"/>
+        <a:font script="Ethi" typeface="Nyala"/>
+        <a:font script="Beng" typeface="Vrinda"/>
+        <a:font script="Gujr" typeface="Shruti"/>
+        <a:font script="Khmr" typeface="MoolBoran"/>
+        <a:font script="Knda" typeface="Tunga"/>
+        <a:font script="Guru" typeface="Raavi"/>
+        <a:font script="Cans" typeface="Euphemia"/>
+        <a:font script="Cher" typeface="Plantagenet Cherokee"/>
+        <a:font script="Yiii" typeface="Microsoft Yi Baiti"/>
+        <a:font script="Tibt" typeface="Microsoft Himalaya"/>
+        <a:font script="Thaa" typeface="MV Boli"/>
+        <a:font script="Deva" typeface="Mangal"/>
+        <a:font script="Telu" typeface="Gautami"/>
+        <a:font script="Taml" typeface="Latha"/>
+        <a:font script="Syrc" typeface="Estrangelo Edessa"/>
+        <a:font script="Orya" typeface="Kalinga"/>
+        <a:font script="Mlym" typeface="Kartika"/>
+        <a:font script="Laoo" typeface="DokChampa"/>
+        <a:font script="Sinh" typeface="Iskoola Pota"/>
+        <a:font script="Mong" typeface="Mongolian Baiti"/>
+        <a:font script="Viet" typeface="Times New Roman"/>
+        <a:font script="Uigh" typeface="Microsoft Uighur"/>
+        <a:font script="Geor" typeface="Sylfaen"/>
+      </a:majorFont>
+      <a:minorFont>
+        <a:latin typeface="Calibri"/>
+        <a:ea typeface=""/>
+        <a:cs typeface=""/>
+        <a:font script="Jpan" typeface="ＭＳ Ｐゴシック"/>
+        <a:font script="Hang" typeface="맑은 고딕"/>
+        <a:font script="Hans" typeface="宋体"/>
+        <a:font script="Hant" typeface="新細明體"/>
+        <a:font script="Arab" typeface="Arial"/>
+        <a:font script="Hebr" typeface="Arial"/>
+        <a:font script="Thai" typeface="Cordia New"/>
+        <a:font script="Ethi" typeface="Nyala"/>
+        <a:font script="Beng" typeface="Vrinda"/>
+        <a:font script="Gujr" typeface="Shruti"/>
+        <a:font script="Khmr" typeface="DaunPenh"/>
+        <a:font script="Knda" typeface="Tunga"/>
+        <a:font script="Guru" typeface="Raavi"/>
+        <a:font script="Cans" typeface="Euphemia"/>
+        <a:font script="Cher" typeface="Plantagenet Cherokee"/>
+        <a:font script="Yiii" typeface="Microsoft Yi Baiti"/>
+        <a:font script="Tibt" typeface="Microsoft Himalaya"/>
+        <a:font script="Thaa" typeface="MV Boli"/>
+        <a:font script="Deva" typeface="Mangal"/>
+        <a:font script="Telu" typeface="Gautami"/>
+        <a:font script="Taml" typeface="Latha"/>
+        <a:font script="Syrc" typeface="Estrangelo Edessa"/>
+        <a:font script="Orya" typeface="Kalinga"/>
+        <a:font script="Mlym" typeface="Kartika"/>
+        <a:font script="Laoo" typeface="DokChampa"/>
+        <a:font script="Sinh" typeface="Iskoola Pota"/>
+        <a:font script="Mong" typeface="Mongolian Baiti"/>
+        <a:font script="Viet" typeface="Arial"/>
+        <a:font script="Uigh" typeface="Microsoft Uighur"/>
+        <a:font script="Geor" typeface="Sylfaen"/>
+      </a:minorFont>
+    </a:fontScheme>
+    <a:fmtScheme name="Office">
+      <a:fillStyleLst>
+        <a:solidFill>
+          <a:schemeClr val="phClr"/>
+        </a:solidFill>
+        <a:gradFill rotWithShape="1">
+          <a:gsLst>
+            <a:gs pos="0">
+              <a:schemeClr val="phClr">
+                <a:tint val="50000"/>
+                <a:satMod val="300000"/>
+              </a:schemeClr>
+            </a:gs>
+            <a:gs pos="35000">
+              <a:schemeClr val="phClr">
+                <a:tint val="37000"/>
+                <a:satMod val="300000"/>
+              </a:schemeClr>
+            </a:gs>
+            <a:gs pos="100000">
+              <a:schemeClr val="phClr">
+                <a:tint val="15000"/>
+                <a:satMod val="350000"/>
+              </a:schemeClr>
+            </a:gs>
+          </a:gsLst>
+          <a:lin ang="16200000" scaled="1"/>
+        </a:gradFill>
+        <a:gradFill rotWithShape="1">
+          <a:gsLst>
+            <a:gs pos="0">
+              <a:schemeClr val="phClr">
+                <a:shade val="51000"/>
+                <a:satMod val="130000"/>
+              </a:schemeClr>
+            </a:gs>
+            <a:gs pos="80000">
+              <a:schemeClr val="phClr">
+                <a:shade val="93000"/>
+                <a:satMod val="130000"/>
+              </a:schemeClr>
+            </a:gs>
+            <a:gs pos="100000">
+              <a:schemeClr val="phClr">
+                <a:shade val="94000"/>
+                <a:satMod val="135000"/>
+              </a:schemeClr>
+            </a:gs>
+          </a:gsLst>
+          <a:lin ang="16200000" scaled="0"/>
+        </a:gradFill>
+      </a:fillStyleLst>
+      <a:lnStyleLst>
+        <a:ln w="9525" cap="flat" cmpd="sng" algn="ctr">
+          <a:solidFill>
+            <a:schemeClr val="phClr">
+              <a:shade val="95000"/>
+              <a:satMod val="105000"/>
+            </a:schemeClr>
+          </a:solidFill>
+          <a:prstDash val="solid"/>
+        </a:ln>
+        <a:ln w="25400" cap="flat" cmpd="sng" algn="ctr">
+          <a:solidFill>
+            <a:schemeClr val="phClr"/>
+          </a:solidFill>
+          <a:prstDash val="solid"/>
+        </a:ln>
+        <a:ln w="38100" cap="flat" cmpd="sng" algn="ctr">
+          <a:solidFill>
+            <a:schemeClr val="phClr"/>
+          </a:solidFill>
+          <a:prstDash val="solid"/>
+        </a:ln>
+      </a:lnStyleLst>
+      <a:effectStyleLst>
+        <a:effectStyle>
+          <a:effectLst>
+            <a:outerShdw blurRad="40000" dist="20000" dir="5400000" rotWithShape="0">
+              <a:srgbClr val="000000">
+                <a:alpha val="38000"/>
+              </a:srgbClr>
+            </a:outerShdw>
+          </a:effectLst>
+        </a:effectStyle>
+        <a:effectStyle>
+          <a:effectLst>
+            <a:outerShdw blurRad="40000" dist="23000" dir="5400000" rotWithShape="0">
+              <a:srgbClr val="000000">
+                <a:alpha val="35000"/>
+              </a:srgbClr>
+            </a:outerShdw>
+          </a:effectLst>
+        </a:effectStyle>
+        <a:effectStyle>
+          <a:effectLst>
+            <a:outerShdw blurRad="40000" dist="23000" dir="5400000" rotWithShape="0">
+              <a:srgbClr val="000000">
+                <a:alpha val="35000"/>
+              </a:srgbClr>
+            </a:outerShdw>
+          </a:effectLst>
+          <a:scene3d>
+            <a:camera prst="orthographicFront">
+              <a:rot lat="0" lon="0" rev="0"/>
+            </a:camera>
+            <a:lightRig rig="threePt" dir="t">
+              <a:rot lat="0" lon="0" rev="1200000"/>
+            </a:lightRig>
+          </a:scene3d>
+          <a:sp3d>
+            <a:bevelT w="63500" h="25400"/>
+          </a:sp3d>
+        </a:effectStyle>
+      </a:effectStyleLst>
+      <a:bgFillStyleLst>
+        <a:solidFill>
+          <a:schemeClr val="phClr"/>
+        </a:solidFill>
+        <a:gradFill rotWithShape="1">
+          <a:gsLst>
+            <a:gs pos="0">
+              <a:schemeClr val="phClr">
+                <a:tint val="40000"/>
+                <a:satMod val="350000"/>
+              </a:schemeClr>
+            </a:gs>
+            <a:gs pos="40000">
+              <a:schemeClr val="phClr">
+                <a:tint val="45000"/>
+                <a:shade val="99000"/>
+                <a:satMod val="350000"/>
+              </a:schemeClr>
+            </a:gs>
+            <a:gs pos="100000">
+              <a:schemeClr val="phClr">
+                <a:shade val="20000"/>
+                <a:satMod val="255000"/>
+              </a:schemeClr>
+            </a:gs>
+          </a:gsLst>
+          <a:path path="circle">
+            <a:fillToRect l="50000" t="-80000" r="50000" b="180000"/>
+          </a:path>
+        </a:gradFill>
+        <a:gradFill rotWithShape="1">
+          <a:gsLst>
+            <a:gs pos="0">
+              <a:schemeClr val="phClr">
+                <a:tint val="80000"/>
+                <a:satMod val="300000"/>
+              </a:schemeClr>
+            </a:gs>
+            <a:gs pos="100000">
+              <a:schemeClr val="phClr">
+                <a:shade val="30000"/>
+                <a:satMod val="200000"/>
+              </a:schemeClr>
+            </a:gs>
+          </a:gsLst>
+          <a:path path="circle">
+            <a:fillToRect l="50000" t="50000" r="50000" b="50000"/>
+          </a:path>
+        </a:gradFill>
+      </a:bgFillStyleLst>
+    </a:fmtScheme>
+  </a:themeElements>
+  <a:objectDefaults/>
+  <a:extraClrSchemeLst/>
+</a:theme>
 </file>